--- a/Assets/Rotation/PPT Data/Rotation Example.pptx
+++ b/Assets/Rotation/PPT Data/Rotation Example.pptx
@@ -2,7 +2,7 @@
 <file path=ppt/presentation.xml><?xml version="1.0" encoding="utf-8"?>
 <p:presentation xmlns:a="http://schemas.openxmlformats.org/drawingml/2006/main" xmlns:r="http://schemas.openxmlformats.org/officeDocument/2006/relationships" xmlns:p="http://schemas.openxmlformats.org/presentationml/2006/main" xmlns:p14="http://schemas.microsoft.com/office/powerpoint/2010/main" saveSubsetFonts="1" firstSlideNum="0">
   <p:sldMasterIdLst>
-    <p:sldMasterId id="2147485528" r:id="rId12"/>
+    <p:sldMasterId id="2147485529" r:id="rId12"/>
   </p:sldMasterIdLst>
   <p:notesMasterIdLst>
     <p:notesMasterId r:id="rId14"/>
@@ -5750,7 +5750,7 @@
       </p:sp>
       <p:pic>
         <p:nvPicPr>
-          <p:cNvPr id="36" name="그림 8"/>
+          <p:cNvPr id="36" name="그림 8" descr="C:/Users/Admin1/AppData/Roaming/PolarisOffice/ETemp/5116_18931752/fImage12394608467.png"/>
           <p:cNvPicPr>
             <a:picLocks noChangeAspect="1"/>
           </p:cNvPicPr>
@@ -5770,8 +5770,8 @@
         </p:blipFill>
         <p:spPr>
           <a:xfrm rot="0">
-            <a:off x="2571750" y="1446530"/>
-            <a:ext cx="2815590" cy="1282700"/>
+            <a:off x="1214755" y="1447165"/>
+            <a:ext cx="4173220" cy="1273810"/>
           </a:xfrm>
           <a:prstGeom prst="roundRect"/>
           <a:solidFill>
@@ -5917,37 +5917,6 @@
       </p:sp>
       <p:pic>
         <p:nvPicPr>
-          <p:cNvPr id="45" name="그림 1"/>
-          <p:cNvPicPr>
-            <a:picLocks noChangeAspect="1"/>
-          </p:cNvPicPr>
-          <p:nvPr/>
-        </p:nvPicPr>
-        <p:blipFill rotWithShape="1">
-          <a:blip r:embed="rId31" cstate="hqprint">
-            <a:extLst>
-              <a:ext uri="{28A0092B-C50C-407E-A947-70E740481C1C}">
-                <a14:useLocalDpi xmlns:a14="http://schemas.microsoft.com/office/drawing/2010/main"/>
-              </a:ext>
-            </a:extLst>
-          </a:blip>
-          <a:stretch>
-            <a:fillRect/>
-          </a:stretch>
-        </p:blipFill>
-        <p:spPr>
-          <a:xfrm rot="0">
-            <a:off x="1222375" y="1616710"/>
-            <a:ext cx="1195705" cy="919480"/>
-          </a:xfrm>
-          <a:prstGeom prst="roundRect"/>
-          <a:solidFill>
-            <a:srgbClr val="EDEDED"/>
-          </a:solidFill>
-        </p:spPr>
-      </p:pic>
-      <p:pic>
-        <p:nvPicPr>
           <p:cNvPr id="46" name="그림 4"/>
           <p:cNvPicPr>
             <a:picLocks noChangeAspect="1"/>
@@ -5979,7 +5948,7 @@
       </p:pic>
       <p:pic>
         <p:nvPicPr>
-          <p:cNvPr id="47" name="그림 7" descr="C:/Users/Admin1/AppData/Roaming/PolarisOffice/ETemp/21276_22597480/fImage45811486334.png"/>
+          <p:cNvPr id="47" name="그림 7"/>
           <p:cNvPicPr>
             <a:picLocks noChangeAspect="1"/>
           </p:cNvPicPr>

--- a/Assets/Rotation/PPT Data/Rotation Example.pptx
+++ b/Assets/Rotation/PPT Data/Rotation Example.pptx
@@ -2,7 +2,7 @@
 <file path=ppt/presentation.xml><?xml version="1.0" encoding="utf-8"?>
 <p:presentation xmlns:a="http://schemas.openxmlformats.org/drawingml/2006/main" xmlns:r="http://schemas.openxmlformats.org/officeDocument/2006/relationships" xmlns:p="http://schemas.openxmlformats.org/presentationml/2006/main" xmlns:p14="http://schemas.microsoft.com/office/powerpoint/2010/main" saveSubsetFonts="1" firstSlideNum="0">
   <p:sldMasterIdLst>
-    <p:sldMasterId id="2147485529" r:id="rId12"/>
+    <p:sldMasterId id="2147485532" r:id="rId12"/>
   </p:sldMasterIdLst>
   <p:notesMasterIdLst>
     <p:notesMasterId r:id="rId14"/>
@@ -12,8 +12,8 @@
     <p:sldId id="279" r:id="rId17"/>
     <p:sldId id="280" r:id="rId18"/>
     <p:sldId id="281" r:id="rId19"/>
-    <p:sldId id="282" r:id="rId20"/>
-    <p:sldId id="277" r:id="rId21"/>
+    <p:sldId id="277" r:id="rId20"/>
+    <p:sldId id="282" r:id="rId21"/>
     <p:sldId id="278" r:id="rId22"/>
     <p:sldId id="283" r:id="rId23"/>
     <p:sldId id="284" r:id="rId24"/>
@@ -5750,7 +5750,7 @@
       </p:sp>
       <p:pic>
         <p:nvPicPr>
-          <p:cNvPr id="36" name="그림 8" descr="C:/Users/Admin1/AppData/Roaming/PolarisOffice/ETemp/5116_18931752/fImage12394608467.png"/>
+          <p:cNvPr id="36" name="그림 8" descr="C:/Users/nwond/AppData/Roaming/PolarisOffice/ETemp/20332_17372264/fImage12394608467.png"/>
           <p:cNvPicPr>
             <a:picLocks noChangeAspect="1"/>
           </p:cNvPicPr>
@@ -5771,7 +5771,7 @@
         <p:spPr>
           <a:xfrm rot="0">
             <a:off x="1214755" y="1447165"/>
-            <a:ext cx="4173220" cy="1273810"/>
+            <a:ext cx="4173855" cy="1327785"/>
           </a:xfrm>
           <a:prstGeom prst="roundRect"/>
           <a:solidFill>
@@ -11313,7 +11313,7 @@
       </p:grpSpPr>
       <p:sp>
         <p:nvSpPr>
-          <p:cNvPr id="2" name="Rect 0"/>
+          <p:cNvPr id="2" name="텍스트 상자 5"/>
           <p:cNvSpPr txBox="1">
             <a:spLocks/>
           </p:cNvSpPr>
@@ -11321,8 +11321,8 @@
         </p:nvSpPr>
         <p:spPr>
           <a:xfrm rot="0">
-            <a:off x="4519295" y="386715"/>
-            <a:ext cx="3146425" cy="554990"/>
+            <a:off x="5243830" y="346075"/>
+            <a:ext cx="1710690" cy="478155"/>
           </a:xfrm>
           <a:prstGeom prst="rect"/>
           <a:noFill/>
@@ -11337,82 +11337,42 @@
           </a:bodyPr>
           <a:lstStyle/>
           <a:p>
-            <a:pPr marL="0" indent="0" rtl="0" algn="l" defTabSz="914400" eaLnBrk="1" latinLnBrk="0" hangingPunct="1">
-              <a:buFontTx/>
-              <a:buNone/>
-            </a:pPr>
-            <a:r>
-              <a:rPr lang="ko-KR" sz="3000" b="1">
+            <a:pPr marL="0" indent="0" rtl="0" algn="ctr" defTabSz="914400" eaLnBrk="1" latinLnBrk="0" hangingPunct="1">
+              <a:buFontTx/>
+              <a:buNone/>
+            </a:pPr>
+            <a:r>
+              <a:rPr sz="2500" b="1">
                 <a:solidFill>
                   <a:schemeClr val="tx1"/>
                 </a:solidFill>
-                <a:latin typeface="맑은 고딕" charset="0"/>
-                <a:ea typeface="맑은 고딕" charset="0"/>
-              </a:rPr>
-              <a:t>네</a:t>
-            </a:r>
-            <a:r>
-              <a:rPr lang="ko-KR" sz="3000" b="1">
-                <a:solidFill>
-                  <a:schemeClr val="tx1"/>
-                </a:solidFill>
-                <a:latin typeface="맑은 고딕" charset="0"/>
-                <a:ea typeface="맑은 고딕" charset="0"/>
-              </a:rPr>
-              <a:t> </a:t>
-            </a:r>
-            <a:r>
-              <a:rPr lang="ko-KR" sz="3000" b="1">
-                <a:solidFill>
-                  <a:schemeClr val="tx1"/>
-                </a:solidFill>
-                <a:latin typeface="맑은 고딕" charset="0"/>
-                <a:ea typeface="맑은 고딕" charset="0"/>
-              </a:rPr>
-              <a:t>번째</a:t>
-            </a:r>
-            <a:r>
-              <a:rPr lang="ko-KR" sz="3000" b="1">
-                <a:solidFill>
-                  <a:schemeClr val="tx1"/>
-                </a:solidFill>
-                <a:latin typeface="맑은 고딕" charset="0"/>
-                <a:ea typeface="맑은 고딕" charset="0"/>
-              </a:rPr>
-              <a:t> </a:t>
-            </a:r>
-            <a:r>
-              <a:rPr lang="ko-KR" sz="3000" b="1">
-                <a:solidFill>
-                  <a:schemeClr val="tx1"/>
-                </a:solidFill>
-                <a:latin typeface="맑은 고딕" charset="0"/>
-                <a:ea typeface="맑은 고딕" charset="0"/>
-              </a:rPr>
-              <a:t>튜토리얼</a:t>
-            </a:r>
-            <a:endParaRPr lang="ko-KR" altLang="en-US" sz="3000" b="1">
+                <a:latin typeface="나눔바른고딕" charset="0"/>
+                <a:ea typeface="나눔바른고딕" charset="0"/>
+              </a:rPr>
+              <a:t>LookAt</a:t>
+            </a:r>
+            <a:endParaRPr lang="ko-KR" altLang="en-US" sz="2500" b="1">
               <a:solidFill>
                 <a:schemeClr val="tx1"/>
               </a:solidFill>
-              <a:latin typeface="맑은 고딕" charset="0"/>
-              <a:ea typeface="맑은 고딕" charset="0"/>
+              <a:latin typeface="나눔바른고딕" charset="0"/>
+              <a:ea typeface="나눔바른고딕" charset="0"/>
             </a:endParaRPr>
           </a:p>
         </p:txBody>
       </p:sp>
       <p:sp>
         <p:nvSpPr>
-          <p:cNvPr id="5" name="Rect 0"/>
+          <p:cNvPr id="3" name="텍스트 상자 6"/>
           <p:cNvSpPr txBox="1">
             <a:spLocks/>
           </p:cNvSpPr>
           <p:nvPr/>
         </p:nvSpPr>
         <p:spPr>
-          <a:xfrm>
-            <a:off x="6816725" y="4168140"/>
-            <a:ext cx="4147185" cy="2061845"/>
+          <a:xfrm rot="0">
+            <a:off x="1238250" y="1473835"/>
+            <a:ext cx="4170680" cy="923925"/>
           </a:xfrm>
           <a:prstGeom prst="rect"/>
           <a:noFill/>
@@ -11432,102 +11392,45 @@
               <a:buNone/>
             </a:pPr>
             <a:r>
-              <a:rPr lang="ko-KR" sz="2000" b="1">
-                <a:solidFill>
-                  <a:srgbClr val="0611F2"/>
-                </a:solidFill>
-                <a:latin typeface="맑은 고딕" charset="0"/>
-                <a:ea typeface="맑은 고딕" charset="0"/>
-              </a:rPr>
-              <a:t>1</a:t>
-            </a:r>
-            <a:r>
-              <a:rPr lang="ko-KR" sz="2000" b="1">
-                <a:solidFill>
-                  <a:srgbClr val="0611F2"/>
-                </a:solidFill>
-                <a:latin typeface="맑은 고딕" charset="0"/>
-                <a:ea typeface="맑은 고딕" charset="0"/>
-              </a:rPr>
-              <a:t>1</a:t>
-            </a:r>
-            <a:r>
-              <a:rPr sz="2000" b="1">
-                <a:solidFill>
-                  <a:srgbClr val="0611F2"/>
-                </a:solidFill>
-                <a:latin typeface="맑은 고딕" charset="0"/>
-                <a:ea typeface="맑은 고딕" charset="0"/>
-              </a:rPr>
-              <a:t>.</a:t>
-            </a:r>
-            <a:r>
-              <a:rPr sz="2000">
-                <a:latin typeface="맑은 고딕" charset="0"/>
-                <a:ea typeface="맑은 고딕" charset="0"/>
-              </a:rPr>
-              <a:t> </a:t>
+              <a:rPr sz="1800">
+                <a:latin typeface="맑은 고딕" charset="0"/>
+                <a:ea typeface="맑은 고딕" charset="0"/>
+              </a:rPr>
+              <a:t>LookAt( ) 함수는 게임 오브젝트</a:t>
             </a:r>
             <a:r>
               <a:rPr lang="ko-KR" sz="1800">
                 <a:latin typeface="맑은 고딕" charset="0"/>
                 <a:ea typeface="맑은 고딕" charset="0"/>
               </a:rPr>
-              <a:t>그런 다음 Observe 스크립트에서  게임 오브젝트 변수를 선언합니다.</a:t>
+              <a:t>를</a:t>
+            </a:r>
+            <a:r>
+              <a:rPr sz="1800">
+                <a:latin typeface="맑은 고딕" charset="0"/>
+                <a:ea typeface="맑은 고딕" charset="0"/>
+              </a:rPr>
+              <a:t> 회전시켜 원하는 대상을 바라보게 하는 함수입니다.</a:t>
             </a:r>
             <a:endParaRPr lang="ko-KR" altLang="en-US" sz="1800">
               <a:latin typeface="맑은 고딕" charset="0"/>
               <a:ea typeface="맑은 고딕" charset="0"/>
             </a:endParaRPr>
           </a:p>
-          <a:p>
-            <a:pPr marL="0" indent="0" rtl="0" algn="l" defTabSz="914400" eaLnBrk="1" latinLnBrk="0" hangingPunct="1">
-              <a:buFontTx/>
-              <a:buNone/>
-            </a:pPr>
-            <a:endParaRPr lang="ko-KR" altLang="en-US" sz="1800">
-              <a:latin typeface="맑은 고딕" charset="0"/>
-              <a:ea typeface="맑은 고딕" charset="0"/>
-            </a:endParaRPr>
-          </a:p>
-          <a:p>
-            <a:pPr marL="0" indent="0" rtl="0" algn="l" defTabSz="914400" eaLnBrk="1" latinLnBrk="0" hangingPunct="1">
-              <a:buFontTx/>
-              <a:buNone/>
-            </a:pPr>
-            <a:r>
-              <a:rPr lang="ko-KR" sz="1800">
-                <a:latin typeface="맑은 고딕" charset="0"/>
-                <a:ea typeface="맑은 고딕" charset="0"/>
-              </a:rPr>
-              <a:t>그다음으로</a:t>
-            </a:r>
-            <a:r>
-              <a:rPr lang="ko-KR" sz="1800">
-                <a:latin typeface="맑은 고딕" charset="0"/>
-                <a:ea typeface="맑은 고딕" charset="0"/>
-              </a:rPr>
-              <a:t> LookCoroutine( ) 코루틴 함수를 선언하고 EarthObservation( ) 함수를 생성한 다음 LookCoroutine( ) 코루틴 함수를 호출하도록 정의합니다.</a:t>
-            </a:r>
-            <a:endParaRPr lang="ko-KR" altLang="en-US" sz="1800">
-              <a:latin typeface="맑은 고딕" charset="0"/>
-              <a:ea typeface="맑은 고딕" charset="0"/>
-            </a:endParaRPr>
-          </a:p>
         </p:txBody>
       </p:sp>
       <p:sp>
         <p:nvSpPr>
-          <p:cNvPr id="13" name="Rect 0"/>
+          <p:cNvPr id="4" name="텍스트 상자 7"/>
           <p:cNvSpPr txBox="1">
             <a:spLocks/>
           </p:cNvSpPr>
           <p:nvPr/>
         </p:nvSpPr>
         <p:spPr>
-          <a:xfrm>
-            <a:off x="1222375" y="2719070"/>
-            <a:ext cx="4164330" cy="954405"/>
+          <a:xfrm rot="0">
+            <a:off x="6841490" y="4234180"/>
+            <a:ext cx="4132580" cy="2031365"/>
           </a:xfrm>
           <a:prstGeom prst="rect"/>
           <a:noFill/>
@@ -11547,63 +11450,56 @@
               <a:buNone/>
             </a:pPr>
             <a:r>
-              <a:rPr lang="ko-KR" sz="2000" b="1">
-                <a:solidFill>
-                  <a:srgbClr val="0611F2"/>
-                </a:solidFill>
-                <a:latin typeface="맑은 고딕" charset="0"/>
-                <a:ea typeface="맑은 고딕" charset="0"/>
-              </a:rPr>
-              <a:t>9</a:t>
-            </a:r>
-            <a:r>
-              <a:rPr sz="2000" b="1">
-                <a:solidFill>
-                  <a:srgbClr val="0611F2"/>
-                </a:solidFill>
-                <a:latin typeface="맑은 고딕" charset="0"/>
-                <a:ea typeface="맑은 고딕" charset="0"/>
-              </a:rPr>
-              <a:t>.</a:t>
-            </a:r>
-            <a:r>
-              <a:rPr sz="2000">
-                <a:latin typeface="맑은 고딕" charset="0"/>
-                <a:ea typeface="맑은 고딕" charset="0"/>
-              </a:rPr>
-              <a:t> </a:t>
-            </a:r>
-            <a:r>
               <a:rPr lang="ko-KR" sz="1800">
                 <a:latin typeface="맑은 고딕" charset="0"/>
                 <a:ea typeface="맑은 고딕" charset="0"/>
               </a:rPr>
-              <a:t>이제</a:t>
-            </a:r>
-            <a:r>
-              <a:rPr lang="ko-KR" sz="1800">
-                <a:latin typeface="맑은 고딕" charset="0"/>
-                <a:ea typeface="맑은 고딕" charset="0"/>
-              </a:rPr>
-              <a:t> Earth 오브젝트를 선택하고  Origin에 Sun 오브젝트를 넣어준 다음 Speed를 100으로 설정합니다.</a:t>
+              <a:t>그리고 앞 방향벡터와 월드의 위 방향벡터를 외적 하여 오른쪽 방향벡터를 구합니다.</a:t>
             </a:r>
             <a:endParaRPr lang="ko-KR" altLang="en-US" sz="1800">
               <a:latin typeface="맑은 고딕" charset="0"/>
               <a:ea typeface="맑은 고딕" charset="0"/>
             </a:endParaRPr>
           </a:p>
+          <a:p>
+            <a:pPr marL="0" indent="0" rtl="0" algn="l" defTabSz="914400" eaLnBrk="1" latinLnBrk="0" hangingPunct="1">
+              <a:buFontTx/>
+              <a:buNone/>
+            </a:pPr>
+            <a:endParaRPr lang="ko-KR" altLang="en-US" sz="1800">
+              <a:latin typeface="맑은 고딕" charset="0"/>
+              <a:ea typeface="맑은 고딕" charset="0"/>
+            </a:endParaRPr>
+          </a:p>
+          <a:p>
+            <a:pPr marL="0" indent="0" rtl="0" algn="l" defTabSz="914400" eaLnBrk="1" latinLnBrk="0" hangingPunct="1">
+              <a:buFontTx/>
+              <a:buNone/>
+            </a:pPr>
+            <a:r>
+              <a:rPr lang="ko-KR" sz="1800">
+                <a:latin typeface="맑은 고딕" charset="0"/>
+                <a:ea typeface="맑은 고딕" charset="0"/>
+              </a:rPr>
+              <a:t>마지막으로 앞 방향벡터와 오른쪽 방향벡터를 외적 하면 카메라의 위 방향벡터도 함께 구합니다.</a:t>
+            </a:r>
+            <a:endParaRPr lang="ko-KR" altLang="en-US" sz="1800">
+              <a:latin typeface="맑은 고딕" charset="0"/>
+              <a:ea typeface="맑은 고딕" charset="0"/>
+            </a:endParaRPr>
+          </a:p>
         </p:txBody>
       </p:sp>
       <p:pic>
         <p:nvPicPr>
-          <p:cNvPr id="30" name="그림 26"/>
+          <p:cNvPr id="5" name="그림 8" descr="C:/Users/Admin1/AppData/Roaming/PolarisOffice/ETemp/21312_17687784/fImage179831186500.png"/>
           <p:cNvPicPr>
             <a:picLocks noChangeAspect="1"/>
           </p:cNvPicPr>
           <p:nvPr/>
         </p:nvPicPr>
         <p:blipFill rotWithShape="1">
-          <a:blip r:embed="rId10" cstate="hqprint">
+          <a:blip r:embed="rId19" cstate="hqprint">
             <a:extLst>
               <a:ext uri="{28A0092B-C50C-407E-A947-70E740481C1C}">
                 <a14:useLocalDpi xmlns:a14="http://schemas.microsoft.com/office/drawing/2010/main"/>
@@ -11616,8 +11512,8 @@
         </p:blipFill>
         <p:spPr>
           <a:xfrm rot="0">
-            <a:off x="1222375" y="1454785"/>
-            <a:ext cx="1150620" cy="1153795"/>
+            <a:off x="1237615" y="2606675"/>
+            <a:ext cx="4155440" cy="2247900"/>
           </a:xfrm>
           <a:prstGeom prst="roundRect"/>
           <a:solidFill>
@@ -11625,79 +11521,67 @@
           </a:solidFill>
         </p:spPr>
       </p:pic>
+      <p:sp>
+        <p:nvSpPr>
+          <p:cNvPr id="6" name="텍스트 상자 95"/>
+          <p:cNvSpPr txBox="1">
+            <a:spLocks/>
+          </p:cNvSpPr>
+          <p:nvPr/>
+        </p:nvSpPr>
+        <p:spPr>
+          <a:xfrm rot="0">
+            <a:off x="1187450" y="5064125"/>
+            <a:ext cx="4163695" cy="1201420"/>
+          </a:xfrm>
+          <a:prstGeom prst="rect"/>
+          <a:noFill/>
+          <a:ln w="0">
+            <a:noFill/>
+            <a:prstDash/>
+          </a:ln>
+        </p:spPr>
+        <p:txBody>
+          <a:bodyPr wrap="square" lIns="89535" tIns="46355" rIns="89535" bIns="46355" numCol="1" vert="horz" anchor="t">
+            <a:spAutoFit/>
+          </a:bodyPr>
+          <a:lstStyle/>
+          <a:p>
+            <a:pPr marL="0" indent="0" rtl="0" algn="l" defTabSz="914400" eaLnBrk="1" latinLnBrk="0" hangingPunct="1">
+              <a:buFontTx/>
+              <a:buNone/>
+            </a:pPr>
+            <a:r>
+              <a:rPr sz="1800">
+                <a:latin typeface="맑은 고딕" charset="0"/>
+                <a:ea typeface="맑은 고딕" charset="0"/>
+              </a:rPr>
+              <a:t>LookAt( ) 함수</a:t>
+            </a:r>
+            <a:r>
+              <a:rPr lang="ko-KR" sz="1800">
+                <a:latin typeface="맑은 고딕" charset="0"/>
+                <a:ea typeface="맑은 고딕" charset="0"/>
+              </a:rPr>
+              <a:t>의 경우 해당 오브젝트의 Z 축을 기준으로 지정되어 오브젝트의 Z 축을 추적하여 바라보도록 설정합니다.</a:t>
+            </a:r>
+            <a:endParaRPr lang="ko-KR" altLang="en-US" sz="1800">
+              <a:latin typeface="맑은 고딕" charset="0"/>
+              <a:ea typeface="맑은 고딕" charset="0"/>
+            </a:endParaRPr>
+          </a:p>
+        </p:txBody>
+      </p:sp>
       <p:pic>
         <p:nvPicPr>
-          <p:cNvPr id="31" name="그림 6"/>
+          <p:cNvPr id="7" name="그림 96"/>
           <p:cNvPicPr>
             <a:picLocks noChangeAspect="1"/>
           </p:cNvPicPr>
           <p:nvPr/>
         </p:nvPicPr>
         <p:blipFill rotWithShape="1">
-          <a:blip r:embed="rId11" cstate="print">
-            <a:extLst>
-              <a:ext uri="{28A0092B-C50C-407E-A947-70E740481C1C}">
-                <a14:useLocalDpi xmlns:a14="http://schemas.microsoft.com/office/drawing/2010/main" val="0"/>
-              </a:ext>
-            </a:extLst>
-          </a:blip>
-          <a:stretch>
-            <a:fillRect/>
-          </a:stretch>
-        </p:blipFill>
-        <p:spPr>
-          <a:xfrm rot="0">
-            <a:off x="2543810" y="1454785"/>
-            <a:ext cx="2818765" cy="1148080"/>
-          </a:xfrm>
-          <a:prstGeom prst="roundRect"/>
-          <a:solidFill>
-            <a:srgbClr val="EDEDED"/>
-          </a:solidFill>
-        </p:spPr>
-      </p:pic>
-      <p:cxnSp>
-        <p:nvCxnSpPr>
-          <p:cNvPr id="21" name="도형 84"/>
-          <p:cNvCxnSpPr/>
-          <p:nvPr/>
-        </p:nvCxnSpPr>
-        <p:spPr>
-          <a:xfrm rot="0" flipV="1">
-            <a:off x="1787525" y="2227580"/>
-            <a:ext cx="3475355" cy="83820"/>
-          </a:xfrm>
-          <a:prstGeom prst="straightConnector1"/>
-          <a:ln w="6350" cap="flat" cmpd="sng">
-            <a:prstDash/>
-            <a:tailEnd type="triangle" w="med" len="med"/>
-          </a:ln>
-        </p:spPr>
-        <p:style>
-          <a:lnRef idx="1">
-            <a:schemeClr val="accent1"/>
-          </a:lnRef>
-          <a:fillRef idx="0">
-            <a:schemeClr val="accent1"/>
-          </a:fillRef>
-          <a:effectRef idx="0">
-            <a:schemeClr val="accent1"/>
-          </a:effectRef>
-          <a:fontRef idx="minor">
-            <a:schemeClr val="tx1"/>
-          </a:fontRef>
-        </p:style>
-      </p:cxnSp>
-      <p:pic>
-        <p:nvPicPr>
-          <p:cNvPr id="32" name="그림 9"/>
-          <p:cNvPicPr>
-            <a:picLocks noChangeAspect="1"/>
-          </p:cNvPicPr>
-          <p:nvPr/>
-        </p:nvPicPr>
-        <p:blipFill rotWithShape="1">
-          <a:blip r:embed="rId12" cstate="hqprint">
+          <a:blip r:embed="rId20" cstate="hqprint">
             <a:extLst>
               <a:ext uri="{28A0092B-C50C-407E-A947-70E740481C1C}">
                 <a14:useLocalDpi xmlns:a14="http://schemas.microsoft.com/office/drawing/2010/main"/>
@@ -11710,8 +11594,8 @@
         </p:blipFill>
         <p:spPr>
           <a:xfrm rot="0">
-            <a:off x="1221740" y="3815715"/>
-            <a:ext cx="4149090" cy="1347470"/>
+            <a:off x="6841490" y="2585085"/>
+            <a:ext cx="4132580" cy="1485265"/>
           </a:xfrm>
           <a:prstGeom prst="roundRect"/>
           <a:solidFill>
@@ -11721,16 +11605,16 @@
       </p:pic>
       <p:sp>
         <p:nvSpPr>
-          <p:cNvPr id="33" name="텍스트 상자 10"/>
+          <p:cNvPr id="8" name="텍스트 상자 16"/>
           <p:cNvSpPr txBox="1">
             <a:spLocks/>
           </p:cNvSpPr>
           <p:nvPr/>
         </p:nvSpPr>
         <p:spPr>
-          <a:xfrm>
-            <a:off x="1219200" y="5272405"/>
-            <a:ext cx="4135755" cy="954405"/>
+          <a:xfrm rot="0">
+            <a:off x="6837680" y="1462405"/>
+            <a:ext cx="4128135" cy="923925"/>
           </a:xfrm>
           <a:prstGeom prst="rect"/>
           <a:noFill/>
@@ -11750,48 +11634,18 @@
               <a:buNone/>
             </a:pPr>
             <a:r>
-              <a:rPr lang="ko-KR" sz="2000" b="1">
-                <a:solidFill>
-                  <a:srgbClr val="0611F2"/>
-                </a:solidFill>
-                <a:latin typeface="맑은 고딕" charset="0"/>
-                <a:ea typeface="맑은 고딕" charset="0"/>
-              </a:rPr>
-              <a:t>1</a:t>
-            </a:r>
-            <a:r>
-              <a:rPr lang="ko-KR" sz="2000" b="1">
-                <a:solidFill>
-                  <a:srgbClr val="0611F2"/>
-                </a:solidFill>
-                <a:latin typeface="맑은 고딕" charset="0"/>
-                <a:ea typeface="맑은 고딕" charset="0"/>
-              </a:rPr>
-              <a:t>0</a:t>
-            </a:r>
-            <a:r>
-              <a:rPr sz="2000" b="1">
-                <a:solidFill>
-                  <a:srgbClr val="0611F2"/>
-                </a:solidFill>
-                <a:latin typeface="맑은 고딕" charset="0"/>
-                <a:ea typeface="맑은 고딕" charset="0"/>
-              </a:rPr>
-              <a:t>.</a:t>
-            </a:r>
-            <a:r>
-              <a:rPr sz="2000">
-                <a:latin typeface="맑은 고딕" charset="0"/>
-                <a:ea typeface="맑은 고딕" charset="0"/>
-              </a:rPr>
-              <a:t> </a:t>
+              <a:rPr sz="1800">
+                <a:latin typeface="맑은 고딕" charset="0"/>
+                <a:ea typeface="맑은 고딕" charset="0"/>
+              </a:rPr>
+              <a:t>LookAt( ) 함수</a:t>
             </a:r>
             <a:r>
               <a:rPr lang="ko-KR" sz="1800">
                 <a:latin typeface="맑은 고딕" charset="0"/>
                 <a:ea typeface="맑은 고딕" charset="0"/>
               </a:rPr>
-              <a:t>그리고 Earth 오브젝트와 Sun 오브젝트의 위치와 크기값을 설정합니다.</a:t>
+              <a:t>의 원리는 (목표물의 위치 - 카메라의 위치)를 정규화하여 앞 방향벡터를 구합니다.</a:t>
             </a:r>
             <a:endParaRPr lang="ko-KR" altLang="en-US" sz="1800">
               <a:latin typeface="맑은 고딕" charset="0"/>
@@ -11800,37 +11654,6 @@
           </a:p>
         </p:txBody>
       </p:sp>
-      <p:pic>
-        <p:nvPicPr>
-          <p:cNvPr id="34" name="그림 11"/>
-          <p:cNvPicPr>
-            <a:picLocks noChangeAspect="1"/>
-          </p:cNvPicPr>
-          <p:nvPr/>
-        </p:nvPicPr>
-        <p:blipFill rotWithShape="1">
-          <a:blip r:embed="rId13" cstate="print">
-            <a:extLst>
-              <a:ext uri="{28A0092B-C50C-407E-A947-70E740481C1C}">
-                <a14:useLocalDpi xmlns:a14="http://schemas.microsoft.com/office/drawing/2010/main" val="0"/>
-              </a:ext>
-            </a:extLst>
-          </a:blip>
-          <a:stretch>
-            <a:fillRect/>
-          </a:stretch>
-        </p:blipFill>
-        <p:spPr>
-          <a:xfrm rot="0">
-            <a:off x="6816725" y="1445895"/>
-            <a:ext cx="4149090" cy="2569845"/>
-          </a:xfrm>
-          <a:prstGeom prst="roundRect"/>
-          <a:solidFill>
-            <a:srgbClr val="EDEDED"/>
-          </a:solidFill>
-        </p:spPr>
-      </p:pic>
     </p:spTree>
   </p:cSld>
   <p:clrMapOvr>
@@ -11873,7 +11696,7 @@
       </p:grpSpPr>
       <p:sp>
         <p:nvSpPr>
-          <p:cNvPr id="2" name="텍스트 상자 5"/>
+          <p:cNvPr id="2" name="Rect 0"/>
           <p:cNvSpPr txBox="1">
             <a:spLocks/>
           </p:cNvSpPr>
@@ -11881,8 +11704,8 @@
         </p:nvSpPr>
         <p:spPr>
           <a:xfrm rot="0">
-            <a:off x="5243830" y="346075"/>
-            <a:ext cx="1710690" cy="478155"/>
+            <a:off x="4519295" y="386715"/>
+            <a:ext cx="3146425" cy="554990"/>
           </a:xfrm>
           <a:prstGeom prst="rect"/>
           <a:noFill/>
@@ -11897,42 +11720,82 @@
           </a:bodyPr>
           <a:lstStyle/>
           <a:p>
-            <a:pPr marL="0" indent="0" rtl="0" algn="ctr" defTabSz="914400" eaLnBrk="1" latinLnBrk="0" hangingPunct="1">
-              <a:buFontTx/>
-              <a:buNone/>
-            </a:pPr>
-            <a:r>
-              <a:rPr sz="2500" b="1">
+            <a:pPr marL="0" indent="0" rtl="0" algn="l" defTabSz="914400" eaLnBrk="1" latinLnBrk="0" hangingPunct="1">
+              <a:buFontTx/>
+              <a:buNone/>
+            </a:pPr>
+            <a:r>
+              <a:rPr lang="ko-KR" sz="3000" b="1">
                 <a:solidFill>
                   <a:schemeClr val="tx1"/>
                 </a:solidFill>
-                <a:latin typeface="나눔바른고딕" charset="0"/>
-                <a:ea typeface="나눔바른고딕" charset="0"/>
-              </a:rPr>
-              <a:t>LookAt</a:t>
-            </a:r>
-            <a:endParaRPr lang="ko-KR" altLang="en-US" sz="2500" b="1">
+                <a:latin typeface="맑은 고딕" charset="0"/>
+                <a:ea typeface="맑은 고딕" charset="0"/>
+              </a:rPr>
+              <a:t>네</a:t>
+            </a:r>
+            <a:r>
+              <a:rPr lang="ko-KR" sz="3000" b="1">
+                <a:solidFill>
+                  <a:schemeClr val="tx1"/>
+                </a:solidFill>
+                <a:latin typeface="맑은 고딕" charset="0"/>
+                <a:ea typeface="맑은 고딕" charset="0"/>
+              </a:rPr>
+              <a:t> </a:t>
+            </a:r>
+            <a:r>
+              <a:rPr lang="ko-KR" sz="3000" b="1">
+                <a:solidFill>
+                  <a:schemeClr val="tx1"/>
+                </a:solidFill>
+                <a:latin typeface="맑은 고딕" charset="0"/>
+                <a:ea typeface="맑은 고딕" charset="0"/>
+              </a:rPr>
+              <a:t>번째</a:t>
+            </a:r>
+            <a:r>
+              <a:rPr lang="ko-KR" sz="3000" b="1">
+                <a:solidFill>
+                  <a:schemeClr val="tx1"/>
+                </a:solidFill>
+                <a:latin typeface="맑은 고딕" charset="0"/>
+                <a:ea typeface="맑은 고딕" charset="0"/>
+              </a:rPr>
+              <a:t> </a:t>
+            </a:r>
+            <a:r>
+              <a:rPr lang="ko-KR" sz="3000" b="1">
+                <a:solidFill>
+                  <a:schemeClr val="tx1"/>
+                </a:solidFill>
+                <a:latin typeface="맑은 고딕" charset="0"/>
+                <a:ea typeface="맑은 고딕" charset="0"/>
+              </a:rPr>
+              <a:t>튜토리얼</a:t>
+            </a:r>
+            <a:endParaRPr lang="ko-KR" altLang="en-US" sz="3000" b="1">
               <a:solidFill>
                 <a:schemeClr val="tx1"/>
               </a:solidFill>
-              <a:latin typeface="나눔바른고딕" charset="0"/>
-              <a:ea typeface="나눔바른고딕" charset="0"/>
+              <a:latin typeface="맑은 고딕" charset="0"/>
+              <a:ea typeface="맑은 고딕" charset="0"/>
             </a:endParaRPr>
           </a:p>
         </p:txBody>
       </p:sp>
       <p:sp>
         <p:nvSpPr>
-          <p:cNvPr id="3" name="텍스트 상자 6"/>
+          <p:cNvPr id="5" name="Rect 0"/>
           <p:cNvSpPr txBox="1">
             <a:spLocks/>
           </p:cNvSpPr>
           <p:nvPr/>
         </p:nvSpPr>
         <p:spPr>
-          <a:xfrm rot="0">
-            <a:off x="1238250" y="1473835"/>
-            <a:ext cx="4170680" cy="923925"/>
+          <a:xfrm>
+            <a:off x="6816725" y="4168140"/>
+            <a:ext cx="4147185" cy="2061845"/>
           </a:xfrm>
           <a:prstGeom prst="rect"/>
           <a:noFill/>
@@ -11952,45 +11815,102 @@
               <a:buNone/>
             </a:pPr>
             <a:r>
-              <a:rPr sz="1800">
-                <a:latin typeface="맑은 고딕" charset="0"/>
-                <a:ea typeface="맑은 고딕" charset="0"/>
-              </a:rPr>
-              <a:t>LookAt( ) 함수는 게임 오브젝트</a:t>
+              <a:rPr lang="ko-KR" sz="2000" b="1">
+                <a:solidFill>
+                  <a:srgbClr val="0611F2"/>
+                </a:solidFill>
+                <a:latin typeface="맑은 고딕" charset="0"/>
+                <a:ea typeface="맑은 고딕" charset="0"/>
+              </a:rPr>
+              <a:t>1</a:t>
+            </a:r>
+            <a:r>
+              <a:rPr lang="ko-KR" sz="2000" b="1">
+                <a:solidFill>
+                  <a:srgbClr val="0611F2"/>
+                </a:solidFill>
+                <a:latin typeface="맑은 고딕" charset="0"/>
+                <a:ea typeface="맑은 고딕" charset="0"/>
+              </a:rPr>
+              <a:t>1</a:t>
+            </a:r>
+            <a:r>
+              <a:rPr sz="2000" b="1">
+                <a:solidFill>
+                  <a:srgbClr val="0611F2"/>
+                </a:solidFill>
+                <a:latin typeface="맑은 고딕" charset="0"/>
+                <a:ea typeface="맑은 고딕" charset="0"/>
+              </a:rPr>
+              <a:t>.</a:t>
+            </a:r>
+            <a:r>
+              <a:rPr sz="2000">
+                <a:latin typeface="맑은 고딕" charset="0"/>
+                <a:ea typeface="맑은 고딕" charset="0"/>
+              </a:rPr>
+              <a:t> </a:t>
             </a:r>
             <a:r>
               <a:rPr lang="ko-KR" sz="1800">
                 <a:latin typeface="맑은 고딕" charset="0"/>
                 <a:ea typeface="맑은 고딕" charset="0"/>
               </a:rPr>
-              <a:t>를</a:t>
-            </a:r>
-            <a:r>
-              <a:rPr sz="1800">
-                <a:latin typeface="맑은 고딕" charset="0"/>
-                <a:ea typeface="맑은 고딕" charset="0"/>
-              </a:rPr>
-              <a:t> 회전시켜 원하는 대상을 바라보게 하는 함수입니다.</a:t>
+              <a:t>그런 다음 Observe 스크립트에서  게임 오브젝트 변수를 선언합니다.</a:t>
             </a:r>
             <a:endParaRPr lang="ko-KR" altLang="en-US" sz="1800">
               <a:latin typeface="맑은 고딕" charset="0"/>
               <a:ea typeface="맑은 고딕" charset="0"/>
             </a:endParaRPr>
           </a:p>
+          <a:p>
+            <a:pPr marL="0" indent="0" rtl="0" algn="l" defTabSz="914400" eaLnBrk="1" latinLnBrk="0" hangingPunct="1">
+              <a:buFontTx/>
+              <a:buNone/>
+            </a:pPr>
+            <a:endParaRPr lang="ko-KR" altLang="en-US" sz="1800">
+              <a:latin typeface="맑은 고딕" charset="0"/>
+              <a:ea typeface="맑은 고딕" charset="0"/>
+            </a:endParaRPr>
+          </a:p>
+          <a:p>
+            <a:pPr marL="0" indent="0" rtl="0" algn="l" defTabSz="914400" eaLnBrk="1" latinLnBrk="0" hangingPunct="1">
+              <a:buFontTx/>
+              <a:buNone/>
+            </a:pPr>
+            <a:r>
+              <a:rPr lang="ko-KR" sz="1800">
+                <a:latin typeface="맑은 고딕" charset="0"/>
+                <a:ea typeface="맑은 고딕" charset="0"/>
+              </a:rPr>
+              <a:t>그다음으로</a:t>
+            </a:r>
+            <a:r>
+              <a:rPr lang="ko-KR" sz="1800">
+                <a:latin typeface="맑은 고딕" charset="0"/>
+                <a:ea typeface="맑은 고딕" charset="0"/>
+              </a:rPr>
+              <a:t> LookCoroutine( ) 코루틴 함수를 선언하고 EarthObservation( ) 함수를 생성한 다음 LookCoroutine( ) 코루틴 함수를 호출하도록 정의합니다.</a:t>
+            </a:r>
+            <a:endParaRPr lang="ko-KR" altLang="en-US" sz="1800">
+              <a:latin typeface="맑은 고딕" charset="0"/>
+              <a:ea typeface="맑은 고딕" charset="0"/>
+            </a:endParaRPr>
+          </a:p>
         </p:txBody>
       </p:sp>
       <p:sp>
         <p:nvSpPr>
-          <p:cNvPr id="4" name="텍스트 상자 7"/>
+          <p:cNvPr id="13" name="Rect 0"/>
           <p:cNvSpPr txBox="1">
             <a:spLocks/>
           </p:cNvSpPr>
           <p:nvPr/>
         </p:nvSpPr>
         <p:spPr>
-          <a:xfrm rot="0">
-            <a:off x="6841490" y="4234180"/>
-            <a:ext cx="4132580" cy="2031365"/>
+          <a:xfrm>
+            <a:off x="1222375" y="2719070"/>
+            <a:ext cx="4164330" cy="954405"/>
           </a:xfrm>
           <a:prstGeom prst="rect"/>
           <a:noFill/>
@@ -12010,56 +11930,63 @@
               <a:buNone/>
             </a:pPr>
             <a:r>
+              <a:rPr lang="ko-KR" sz="2000" b="1">
+                <a:solidFill>
+                  <a:srgbClr val="0611F2"/>
+                </a:solidFill>
+                <a:latin typeface="맑은 고딕" charset="0"/>
+                <a:ea typeface="맑은 고딕" charset="0"/>
+              </a:rPr>
+              <a:t>9</a:t>
+            </a:r>
+            <a:r>
+              <a:rPr sz="2000" b="1">
+                <a:solidFill>
+                  <a:srgbClr val="0611F2"/>
+                </a:solidFill>
+                <a:latin typeface="맑은 고딕" charset="0"/>
+                <a:ea typeface="맑은 고딕" charset="0"/>
+              </a:rPr>
+              <a:t>.</a:t>
+            </a:r>
+            <a:r>
+              <a:rPr sz="2000">
+                <a:latin typeface="맑은 고딕" charset="0"/>
+                <a:ea typeface="맑은 고딕" charset="0"/>
+              </a:rPr>
+              <a:t> </a:t>
+            </a:r>
+            <a:r>
               <a:rPr lang="ko-KR" sz="1800">
                 <a:latin typeface="맑은 고딕" charset="0"/>
                 <a:ea typeface="맑은 고딕" charset="0"/>
               </a:rPr>
-              <a:t>그리고 앞 방향벡터와 월드의 위 방향벡터를 외적 하여 오른쪽 방향벡터를 구합니다.</a:t>
+              <a:t>이제</a:t>
+            </a:r>
+            <a:r>
+              <a:rPr lang="ko-KR" sz="1800">
+                <a:latin typeface="맑은 고딕" charset="0"/>
+                <a:ea typeface="맑은 고딕" charset="0"/>
+              </a:rPr>
+              <a:t> Earth 오브젝트를 선택하고  Origin에 Sun 오브젝트를 넣어준 다음 Speed를 100으로 설정합니다.</a:t>
             </a:r>
             <a:endParaRPr lang="ko-KR" altLang="en-US" sz="1800">
               <a:latin typeface="맑은 고딕" charset="0"/>
               <a:ea typeface="맑은 고딕" charset="0"/>
             </a:endParaRPr>
           </a:p>
-          <a:p>
-            <a:pPr marL="0" indent="0" rtl="0" algn="l" defTabSz="914400" eaLnBrk="1" latinLnBrk="0" hangingPunct="1">
-              <a:buFontTx/>
-              <a:buNone/>
-            </a:pPr>
-            <a:endParaRPr lang="ko-KR" altLang="en-US" sz="1800">
-              <a:latin typeface="맑은 고딕" charset="0"/>
-              <a:ea typeface="맑은 고딕" charset="0"/>
-            </a:endParaRPr>
-          </a:p>
-          <a:p>
-            <a:pPr marL="0" indent="0" rtl="0" algn="l" defTabSz="914400" eaLnBrk="1" latinLnBrk="0" hangingPunct="1">
-              <a:buFontTx/>
-              <a:buNone/>
-            </a:pPr>
-            <a:r>
-              <a:rPr lang="ko-KR" sz="1800">
-                <a:latin typeface="맑은 고딕" charset="0"/>
-                <a:ea typeface="맑은 고딕" charset="0"/>
-              </a:rPr>
-              <a:t>마지막으로 앞 방향벡터와 오른쪽 방향벡터를 외적 하면 카메라의 위 방향벡터도 함께 구합니다.</a:t>
-            </a:r>
-            <a:endParaRPr lang="ko-KR" altLang="en-US" sz="1800">
-              <a:latin typeface="맑은 고딕" charset="0"/>
-              <a:ea typeface="맑은 고딕" charset="0"/>
-            </a:endParaRPr>
-          </a:p>
         </p:txBody>
       </p:sp>
       <p:pic>
         <p:nvPicPr>
-          <p:cNvPr id="5" name="그림 8" descr="C:/Users/Admin1/AppData/Roaming/PolarisOffice/ETemp/21312_17687784/fImage179831186500.png"/>
+          <p:cNvPr id="30" name="그림 26"/>
           <p:cNvPicPr>
             <a:picLocks noChangeAspect="1"/>
           </p:cNvPicPr>
           <p:nvPr/>
         </p:nvPicPr>
         <p:blipFill rotWithShape="1">
-          <a:blip r:embed="rId19" cstate="hqprint">
+          <a:blip r:embed="rId10" cstate="hqprint">
             <a:extLst>
               <a:ext uri="{28A0092B-C50C-407E-A947-70E740481C1C}">
                 <a14:useLocalDpi xmlns:a14="http://schemas.microsoft.com/office/drawing/2010/main"/>
@@ -12072,8 +11999,8 @@
         </p:blipFill>
         <p:spPr>
           <a:xfrm rot="0">
-            <a:off x="1237615" y="2606675"/>
-            <a:ext cx="4155440" cy="2247900"/>
+            <a:off x="1222375" y="1454785"/>
+            <a:ext cx="1150620" cy="1153795"/>
           </a:xfrm>
           <a:prstGeom prst="roundRect"/>
           <a:solidFill>
@@ -12081,67 +12008,79 @@
           </a:solidFill>
         </p:spPr>
       </p:pic>
-      <p:sp>
-        <p:nvSpPr>
-          <p:cNvPr id="6" name="텍스트 상자 95"/>
-          <p:cNvSpPr txBox="1">
-            <a:spLocks/>
-          </p:cNvSpPr>
-          <p:nvPr/>
-        </p:nvSpPr>
-        <p:spPr>
-          <a:xfrm rot="0">
-            <a:off x="1187450" y="5064125"/>
-            <a:ext cx="4163695" cy="1201420"/>
-          </a:xfrm>
-          <a:prstGeom prst="rect"/>
-          <a:noFill/>
-          <a:ln w="0">
-            <a:noFill/>
-            <a:prstDash/>
-          </a:ln>
-        </p:spPr>
-        <p:txBody>
-          <a:bodyPr wrap="square" lIns="89535" tIns="46355" rIns="89535" bIns="46355" numCol="1" vert="horz" anchor="t">
-            <a:spAutoFit/>
-          </a:bodyPr>
-          <a:lstStyle/>
-          <a:p>
-            <a:pPr marL="0" indent="0" rtl="0" algn="l" defTabSz="914400" eaLnBrk="1" latinLnBrk="0" hangingPunct="1">
-              <a:buFontTx/>
-              <a:buNone/>
-            </a:pPr>
-            <a:r>
-              <a:rPr sz="1800">
-                <a:latin typeface="맑은 고딕" charset="0"/>
-                <a:ea typeface="맑은 고딕" charset="0"/>
-              </a:rPr>
-              <a:t>LookAt( ) 함수</a:t>
-            </a:r>
-            <a:r>
-              <a:rPr lang="ko-KR" sz="1800">
-                <a:latin typeface="맑은 고딕" charset="0"/>
-                <a:ea typeface="맑은 고딕" charset="0"/>
-              </a:rPr>
-              <a:t>의 경우 해당 오브젝트의 Z 축을 기준으로 지정되어 오브젝트의 Z 축을 추적하여 바라보도록 설정합니다.</a:t>
-            </a:r>
-            <a:endParaRPr lang="ko-KR" altLang="en-US" sz="1800">
-              <a:latin typeface="맑은 고딕" charset="0"/>
-              <a:ea typeface="맑은 고딕" charset="0"/>
-            </a:endParaRPr>
-          </a:p>
-        </p:txBody>
-      </p:sp>
       <p:pic>
         <p:nvPicPr>
-          <p:cNvPr id="7" name="그림 96"/>
+          <p:cNvPr id="31" name="그림 6"/>
           <p:cNvPicPr>
             <a:picLocks noChangeAspect="1"/>
           </p:cNvPicPr>
           <p:nvPr/>
         </p:nvPicPr>
         <p:blipFill rotWithShape="1">
-          <a:blip r:embed="rId20" cstate="hqprint">
+          <a:blip r:embed="rId11" cstate="print">
+            <a:extLst>
+              <a:ext uri="{28A0092B-C50C-407E-A947-70E740481C1C}">
+                <a14:useLocalDpi xmlns:a14="http://schemas.microsoft.com/office/drawing/2010/main" val="0"/>
+              </a:ext>
+            </a:extLst>
+          </a:blip>
+          <a:stretch>
+            <a:fillRect/>
+          </a:stretch>
+        </p:blipFill>
+        <p:spPr>
+          <a:xfrm rot="0">
+            <a:off x="2543810" y="1454785"/>
+            <a:ext cx="2818765" cy="1148080"/>
+          </a:xfrm>
+          <a:prstGeom prst="roundRect"/>
+          <a:solidFill>
+            <a:srgbClr val="EDEDED"/>
+          </a:solidFill>
+        </p:spPr>
+      </p:pic>
+      <p:cxnSp>
+        <p:nvCxnSpPr>
+          <p:cNvPr id="21" name="도형 84"/>
+          <p:cNvCxnSpPr/>
+          <p:nvPr/>
+        </p:nvCxnSpPr>
+        <p:spPr>
+          <a:xfrm rot="0" flipV="1">
+            <a:off x="1787525" y="2227580"/>
+            <a:ext cx="3475355" cy="83820"/>
+          </a:xfrm>
+          <a:prstGeom prst="straightConnector1"/>
+          <a:ln w="6350" cap="flat" cmpd="sng">
+            <a:prstDash/>
+            <a:tailEnd type="triangle" w="med" len="med"/>
+          </a:ln>
+        </p:spPr>
+        <p:style>
+          <a:lnRef idx="1">
+            <a:schemeClr val="accent1"/>
+          </a:lnRef>
+          <a:fillRef idx="0">
+            <a:schemeClr val="accent1"/>
+          </a:fillRef>
+          <a:effectRef idx="0">
+            <a:schemeClr val="accent1"/>
+          </a:effectRef>
+          <a:fontRef idx="minor">
+            <a:schemeClr val="tx1"/>
+          </a:fontRef>
+        </p:style>
+      </p:cxnSp>
+      <p:pic>
+        <p:nvPicPr>
+          <p:cNvPr id="32" name="그림 9"/>
+          <p:cNvPicPr>
+            <a:picLocks noChangeAspect="1"/>
+          </p:cNvPicPr>
+          <p:nvPr/>
+        </p:nvPicPr>
+        <p:blipFill rotWithShape="1">
+          <a:blip r:embed="rId12" cstate="hqprint">
             <a:extLst>
               <a:ext uri="{28A0092B-C50C-407E-A947-70E740481C1C}">
                 <a14:useLocalDpi xmlns:a14="http://schemas.microsoft.com/office/drawing/2010/main"/>
@@ -12154,8 +12093,8 @@
         </p:blipFill>
         <p:spPr>
           <a:xfrm rot="0">
-            <a:off x="6841490" y="2585085"/>
-            <a:ext cx="4132580" cy="1485265"/>
+            <a:off x="1221740" y="3815715"/>
+            <a:ext cx="4149090" cy="1347470"/>
           </a:xfrm>
           <a:prstGeom prst="roundRect"/>
           <a:solidFill>
@@ -12165,16 +12104,16 @@
       </p:pic>
       <p:sp>
         <p:nvSpPr>
-          <p:cNvPr id="8" name="텍스트 상자 16"/>
+          <p:cNvPr id="33" name="텍스트 상자 10"/>
           <p:cNvSpPr txBox="1">
             <a:spLocks/>
           </p:cNvSpPr>
           <p:nvPr/>
         </p:nvSpPr>
         <p:spPr>
-          <a:xfrm rot="0">
-            <a:off x="6837680" y="1462405"/>
-            <a:ext cx="4128135" cy="923925"/>
+          <a:xfrm>
+            <a:off x="1219200" y="5272405"/>
+            <a:ext cx="4135755" cy="954405"/>
           </a:xfrm>
           <a:prstGeom prst="rect"/>
           <a:noFill/>
@@ -12194,18 +12133,48 @@
               <a:buNone/>
             </a:pPr>
             <a:r>
-              <a:rPr sz="1800">
-                <a:latin typeface="맑은 고딕" charset="0"/>
-                <a:ea typeface="맑은 고딕" charset="0"/>
-              </a:rPr>
-              <a:t>LookAt( ) 함수</a:t>
+              <a:rPr lang="ko-KR" sz="2000" b="1">
+                <a:solidFill>
+                  <a:srgbClr val="0611F2"/>
+                </a:solidFill>
+                <a:latin typeface="맑은 고딕" charset="0"/>
+                <a:ea typeface="맑은 고딕" charset="0"/>
+              </a:rPr>
+              <a:t>1</a:t>
+            </a:r>
+            <a:r>
+              <a:rPr lang="ko-KR" sz="2000" b="1">
+                <a:solidFill>
+                  <a:srgbClr val="0611F2"/>
+                </a:solidFill>
+                <a:latin typeface="맑은 고딕" charset="0"/>
+                <a:ea typeface="맑은 고딕" charset="0"/>
+              </a:rPr>
+              <a:t>0</a:t>
+            </a:r>
+            <a:r>
+              <a:rPr sz="2000" b="1">
+                <a:solidFill>
+                  <a:srgbClr val="0611F2"/>
+                </a:solidFill>
+                <a:latin typeface="맑은 고딕" charset="0"/>
+                <a:ea typeface="맑은 고딕" charset="0"/>
+              </a:rPr>
+              <a:t>.</a:t>
+            </a:r>
+            <a:r>
+              <a:rPr sz="2000">
+                <a:latin typeface="맑은 고딕" charset="0"/>
+                <a:ea typeface="맑은 고딕" charset="0"/>
+              </a:rPr>
+              <a:t> </a:t>
             </a:r>
             <a:r>
               <a:rPr lang="ko-KR" sz="1800">
                 <a:latin typeface="맑은 고딕" charset="0"/>
                 <a:ea typeface="맑은 고딕" charset="0"/>
               </a:rPr>
-              <a:t>의 원리는 (목표물의 위치 - 카메라의 위치)를 정규화하여 앞 방향벡터를 구합니다.</a:t>
+              <a:t>그리고 Earth 오브젝트와 Sun 오브젝트의 위치와 크기값을 설정합니다.</a:t>
             </a:r>
             <a:endParaRPr lang="ko-KR" altLang="en-US" sz="1800">
               <a:latin typeface="맑은 고딕" charset="0"/>
@@ -12214,6 +12183,37 @@
           </a:p>
         </p:txBody>
       </p:sp>
+      <p:pic>
+        <p:nvPicPr>
+          <p:cNvPr id="34" name="그림 11"/>
+          <p:cNvPicPr>
+            <a:picLocks noChangeAspect="1"/>
+          </p:cNvPicPr>
+          <p:nvPr/>
+        </p:nvPicPr>
+        <p:blipFill rotWithShape="1">
+          <a:blip r:embed="rId13" cstate="print">
+            <a:extLst>
+              <a:ext uri="{28A0092B-C50C-407E-A947-70E740481C1C}">
+                <a14:useLocalDpi xmlns:a14="http://schemas.microsoft.com/office/drawing/2010/main" val="0"/>
+              </a:ext>
+            </a:extLst>
+          </a:blip>
+          <a:stretch>
+            <a:fillRect/>
+          </a:stretch>
+        </p:blipFill>
+        <p:spPr>
+          <a:xfrm rot="0">
+            <a:off x="6816725" y="1445895"/>
+            <a:ext cx="4149090" cy="2569845"/>
+          </a:xfrm>
+          <a:prstGeom prst="roundRect"/>
+          <a:solidFill>
+            <a:srgbClr val="EDEDED"/>
+          </a:solidFill>
+        </p:spPr>
+      </p:pic>
     </p:spTree>
   </p:cSld>
   <p:clrMapOvr>
@@ -13557,7 +13557,7 @@
       </p:pic>
       <p:pic>
         <p:nvPicPr>
-          <p:cNvPr id="38" name="그림 7"/>
+          <p:cNvPr id="38" name="그림 7" descr="C:/Users/nwond/AppData/Roaming/PolarisOffice/ETemp/19156_18797576/fImage421642018467.png"/>
           <p:cNvPicPr>
             <a:picLocks noChangeAspect="1"/>
           </p:cNvPicPr>
@@ -13577,8 +13577,8 @@
         </p:blipFill>
         <p:spPr>
           <a:xfrm rot="0">
-            <a:off x="6840855" y="1446530"/>
-            <a:ext cx="4116705" cy="3634740"/>
+            <a:off x="6847205" y="1446530"/>
+            <a:ext cx="4117340" cy="3635375"/>
           </a:xfrm>
           <a:prstGeom prst="rect"/>
           <a:noFill/>

--- a/Assets/Rotation/PPT Data/Rotation Example.pptx
+++ b/Assets/Rotation/PPT Data/Rotation Example.pptx
@@ -2,7 +2,7 @@
 <file path=ppt/presentation.xml><?xml version="1.0" encoding="utf-8"?>
 <p:presentation xmlns:a="http://schemas.openxmlformats.org/drawingml/2006/main" xmlns:r="http://schemas.openxmlformats.org/officeDocument/2006/relationships" xmlns:p="http://schemas.openxmlformats.org/presentationml/2006/main" xmlns:p14="http://schemas.microsoft.com/office/powerpoint/2010/main" saveSubsetFonts="1" firstSlideNum="0">
   <p:sldMasterIdLst>
-    <p:sldMasterId id="2147485566" r:id="rId12"/>
+    <p:sldMasterId id="2147485606" r:id="rId12"/>
   </p:sldMasterIdLst>
   <p:notesMasterIdLst>
     <p:notesMasterId r:id="rId14"/>
@@ -13,10 +13,12 @@
     <p:sldId id="281" r:id="rId18"/>
     <p:sldId id="282" r:id="rId19"/>
     <p:sldId id="278" r:id="rId20"/>
-    <p:sldId id="283" r:id="rId21"/>
-    <p:sldId id="284" r:id="rId22"/>
-    <p:sldId id="285" r:id="rId23"/>
-    <p:sldId id="286" r:id="rId24"/>
+    <p:sldId id="284" r:id="rId21"/>
+    <p:sldId id="285" r:id="rId22"/>
+    <p:sldId id="286" r:id="rId23"/>
+    <p:sldId id="287" r:id="rId24"/>
+    <p:sldId id="288" r:id="rId25"/>
+    <p:sldId id="289" r:id="rId26"/>
   </p:sldIdLst>
   <p:sldSz cx="12192000" cy="6858000"/>
   <p:notesSz cx="6858000" cy="9144000"/>
@@ -5665,7 +5667,7 @@
         <p:spPr>
           <a:xfrm rot="0">
             <a:off x="1241425" y="1455420"/>
-            <a:ext cx="2791460" cy="3857625"/>
+            <a:ext cx="2792095" cy="3858260"/>
           </a:xfrm>
           <a:prstGeom prst="roundRect"/>
           <a:solidFill>
@@ -5797,7 +5799,7 @@
       </p:pic>
       <p:pic>
         <p:nvPicPr>
-          <p:cNvPr id="54" name="그림 13" descr="C:/Users/nwond/AppData/Roaming/PolarisOffice/ETemp/1008_10623648/fImage2242171975724.png"/>
+          <p:cNvPr id="54" name="그림 13"/>
           <p:cNvPicPr>
             <a:picLocks noChangeAspect="1"/>
           </p:cNvPicPr>
@@ -5942,7 +5944,331 @@
           <p:nvPr/>
         </p:nvPicPr>
         <p:blipFill rotWithShape="1">
-          <a:blip r:embed="rId41" cstate="print">
+          <a:blip r:embed="rId41" cstate="hqprint">
+            <a:extLst>
+              <a:ext uri="{28A0092B-C50C-407E-A947-70E740481C1C}">
+                <a14:useLocalDpi xmlns:a14="http://schemas.microsoft.com/office/drawing/2010/main"/>
+              </a:ext>
+            </a:extLst>
+          </a:blip>
+          <a:stretch>
+            <a:fillRect/>
+          </a:stretch>
+        </p:blipFill>
+        <p:spPr>
+          <a:xfrm rot="0">
+            <a:off x="6812280" y="3674745"/>
+            <a:ext cx="4142740" cy="1776095"/>
+          </a:xfrm>
+          <a:prstGeom prst="roundRect"/>
+          <a:solidFill>
+            <a:srgbClr val="EDEDED"/>
+          </a:solidFill>
+        </p:spPr>
+      </p:pic>
+    </p:spTree>
+  </p:cSld>
+  <p:clrMapOvr>
+    <a:masterClrMapping/>
+  </p:clrMapOvr>
+  <mc:AlternateContent xmlns:mc="http://schemas.openxmlformats.org/markup-compatibility/2006">
+    <mc:Choice xmlns:p14="http://schemas.microsoft.com/office/powerpoint/2010/main" Requires="p14">
+      <p:transition spd="slow" p14:dur="1000"/>
+    </mc:Choice>
+    <mc:Fallback>
+      <p:transition spd="slow"/>
+    </mc:Fallback>
+  </mc:AlternateContent>
+  <p:timing>
+    <p:tnLst>
+      <p:par>
+        <p:cTn id="1" dur="indefinite" restart="never" nodeType="tmRoot"/>
+      </p:par>
+    </p:tnLst>
+  </p:timing>
+</p:sld>
+</file>
+
+<file path=ppt/slides/slide10.xml><?xml version="1.0" encoding="utf-8"?>
+<p:sld xmlns:a="http://schemas.openxmlformats.org/drawingml/2006/main" xmlns:r="http://schemas.openxmlformats.org/officeDocument/2006/relationships" xmlns:p="http://schemas.openxmlformats.org/presentationml/2006/main" xmlns:p14="http://schemas.microsoft.com/office/powerpoint/2010/main">
+  <p:cSld>
+    <p:spTree>
+      <p:nvGrpSpPr>
+        <p:cNvPr id="1" name=""/>
+        <p:cNvGrpSpPr/>
+        <p:nvPr/>
+      </p:nvGrpSpPr>
+      <p:grpSpPr>
+        <a:xfrm>
+          <a:off x="0" y="0"/>
+          <a:ext cx="0" cy="0"/>
+          <a:chOff x="0" y="0"/>
+          <a:chExt cx="0" cy="0"/>
+        </a:xfrm>
+      </p:grpSpPr>
+      <p:sp>
+        <p:nvSpPr>
+          <p:cNvPr id="3" name="Rect 0"/>
+          <p:cNvSpPr txBox="1">
+            <a:spLocks/>
+          </p:cNvSpPr>
+          <p:nvPr/>
+        </p:nvSpPr>
+        <p:spPr>
+          <a:xfrm rot="0">
+            <a:off x="4340860" y="447040"/>
+            <a:ext cx="3515360" cy="478155"/>
+          </a:xfrm>
+          <a:prstGeom prst="rect"/>
+          <a:noFill/>
+          <a:ln w="0">
+            <a:noFill/>
+            <a:prstDash/>
+          </a:ln>
+        </p:spPr>
+        <p:txBody>
+          <a:bodyPr wrap="square" lIns="89535" tIns="46355" rIns="89535" bIns="46355" numCol="1" vert="horz" anchor="t">
+            <a:spAutoFit/>
+          </a:bodyPr>
+          <a:lstStyle/>
+          <a:p>
+            <a:pPr marL="0" indent="0" rtl="0" algn="ctr" defTabSz="914400" eaLnBrk="1" latinLnBrk="0" hangingPunct="1">
+              <a:buFontTx/>
+              <a:buNone/>
+            </a:pPr>
+            <a:r>
+              <a:rPr lang="ko-KR" sz="2500" b="1">
+                <a:solidFill>
+                  <a:schemeClr val="tx1"/>
+                </a:solidFill>
+                <a:latin typeface="나눔바른고딕" charset="0"/>
+                <a:ea typeface="나눔바른고딕" charset="0"/>
+              </a:rPr>
+              <a:t>열</a:t>
+            </a:r>
+            <a:r>
+              <a:rPr lang="ko-KR" sz="2500" b="1">
+                <a:solidFill>
+                  <a:schemeClr val="tx1"/>
+                </a:solidFill>
+                <a:latin typeface="나눔바른고딕" charset="0"/>
+                <a:ea typeface="나눔바른고딕" charset="0"/>
+              </a:rPr>
+              <a:t> 번째 튜토리얼</a:t>
+            </a:r>
+            <a:endParaRPr lang="ko-KR" altLang="en-US" sz="2500" b="1">
+              <a:solidFill>
+                <a:schemeClr val="tx1"/>
+              </a:solidFill>
+              <a:latin typeface="나눔바른고딕" charset="0"/>
+              <a:ea typeface="나눔바른고딕" charset="0"/>
+            </a:endParaRPr>
+          </a:p>
+        </p:txBody>
+      </p:sp>
+      <p:sp>
+        <p:nvSpPr>
+          <p:cNvPr id="47" name="Rect 0"/>
+          <p:cNvSpPr txBox="1">
+            <a:spLocks/>
+          </p:cNvSpPr>
+          <p:nvPr/>
+        </p:nvSpPr>
+        <p:spPr>
+          <a:xfrm rot="0">
+            <a:off x="6813550" y="3182620"/>
+            <a:ext cx="4140835" cy="923925"/>
+          </a:xfrm>
+          <a:prstGeom prst="rect"/>
+          <a:noFill/>
+          <a:ln w="0">
+            <a:noFill/>
+            <a:prstDash/>
+          </a:ln>
+        </p:spPr>
+        <p:txBody>
+          <a:bodyPr wrap="square" lIns="89535" tIns="46355" rIns="89535" bIns="46355" numCol="1" vert="horz" anchor="t">
+            <a:spAutoFit/>
+          </a:bodyPr>
+          <a:lstStyle/>
+          <a:p>
+            <a:pPr marL="0" indent="0" rtl="0" algn="l" defTabSz="914400" eaLnBrk="1" latinLnBrk="0" hangingPunct="1">
+              <a:buFontTx/>
+              <a:buNone/>
+            </a:pPr>
+            <a:r>
+              <a:rPr lang="ko-KR" sz="1800">
+                <a:latin typeface="맑은 고딕" charset="0"/>
+                <a:ea typeface="맑은 고딕" charset="0"/>
+              </a:rPr>
+              <a:t>코루틴이 등록되어 있을 때 현재 진행하고 있는 코루틴이 종료되어야 다른 코루틴을 실행할 수 있습니다.</a:t>
+            </a:r>
+            <a:endParaRPr lang="ko-KR" altLang="en-US" sz="1800">
+              <a:latin typeface="맑은 고딕" charset="0"/>
+              <a:ea typeface="맑은 고딕" charset="0"/>
+            </a:endParaRPr>
+          </a:p>
+        </p:txBody>
+      </p:sp>
+      <p:sp>
+        <p:nvSpPr>
+          <p:cNvPr id="59" name="텍스트 상자 25"/>
+          <p:cNvSpPr txBox="1">
+            <a:spLocks/>
+          </p:cNvSpPr>
+          <p:nvPr/>
+        </p:nvSpPr>
+        <p:spPr>
+          <a:xfrm rot="0">
+            <a:off x="1235075" y="3228340"/>
+            <a:ext cx="4133850" cy="831215"/>
+          </a:xfrm>
+          <a:prstGeom prst="rect"/>
+          <a:noFill/>
+        </p:spPr>
+        <p:txBody>
+          <a:bodyPr wrap="square" lIns="0" tIns="0" rIns="0" bIns="0" vert="horz" anchor="t">
+            <a:noAutofit/>
+          </a:bodyPr>
+          <a:lstStyle/>
+          <a:p>
+            <a:pPr marL="0" indent="0" rtl="0" algn="l" defTabSz="914400" eaLnBrk="1" latinLnBrk="0" hangingPunct="1">
+              <a:buFontTx/>
+              <a:buNone/>
+            </a:pPr>
+            <a:r>
+              <a:rPr sz="1800">
+                <a:latin typeface="맑은 고딕" charset="0"/>
+                <a:ea typeface="맑은 고딕" charset="0"/>
+              </a:rPr>
+              <a:t>코루틴</a:t>
+            </a:r>
+            <a:r>
+              <a:rPr lang="ko-KR" sz="1800">
+                <a:latin typeface="맑은 고딕" charset="0"/>
+                <a:ea typeface="맑은 고딕" charset="0"/>
+              </a:rPr>
+              <a:t>은 </a:t>
+            </a:r>
+            <a:r>
+              <a:rPr lang="ko-KR" sz="1800">
+                <a:latin typeface="맑은 고딕" charset="0"/>
+                <a:ea typeface="맑은 고딕" charset="0"/>
+              </a:rPr>
+              <a:t>하나의 프로세스에서 여러 루틴이 시간을 나누어서 사용하는 기능입니다.</a:t>
+            </a:r>
+            <a:endParaRPr lang="ko-KR" altLang="en-US" sz="1800">
+              <a:latin typeface="맑은 고딕" charset="0"/>
+              <a:ea typeface="맑은 고딕" charset="0"/>
+            </a:endParaRPr>
+          </a:p>
+        </p:txBody>
+      </p:sp>
+      <p:sp>
+        <p:nvSpPr>
+          <p:cNvPr id="61" name="텍스트 상자 40"/>
+          <p:cNvSpPr txBox="1">
+            <a:spLocks/>
+          </p:cNvSpPr>
+          <p:nvPr/>
+        </p:nvSpPr>
+        <p:spPr>
+          <a:xfrm>
+            <a:off x="1236345" y="5308600"/>
+            <a:ext cx="4140200" cy="954405"/>
+          </a:xfrm>
+          <a:prstGeom prst="rect"/>
+          <a:noFill/>
+          <a:ln w="0">
+            <a:noFill/>
+            <a:prstDash/>
+          </a:ln>
+        </p:spPr>
+        <p:txBody>
+          <a:bodyPr wrap="square" lIns="89535" tIns="46355" rIns="89535" bIns="46355" numCol="1" vert="horz" anchor="t">
+            <a:spAutoFit/>
+          </a:bodyPr>
+          <a:lstStyle/>
+          <a:p>
+            <a:pPr marL="0" indent="0" rtl="0" algn="l" defTabSz="914400" eaLnBrk="1" latinLnBrk="0" hangingPunct="1">
+              <a:buFontTx/>
+              <a:buNone/>
+            </a:pPr>
+            <a:r>
+              <a:rPr lang="ko-KR" sz="2000" b="1">
+                <a:solidFill>
+                  <a:srgbClr val="0611F2"/>
+                </a:solidFill>
+                <a:latin typeface="맑은 고딕" charset="0"/>
+                <a:ea typeface="맑은 고딕" charset="0"/>
+              </a:rPr>
+              <a:t>2</a:t>
+            </a:r>
+            <a:r>
+              <a:rPr lang="ko-KR" sz="2000" b="1">
+                <a:solidFill>
+                  <a:srgbClr val="0611F2"/>
+                </a:solidFill>
+                <a:latin typeface="맑은 고딕" charset="0"/>
+                <a:ea typeface="맑은 고딕" charset="0"/>
+              </a:rPr>
+              <a:t>5</a:t>
+            </a:r>
+            <a:r>
+              <a:rPr sz="2000" b="1">
+                <a:solidFill>
+                  <a:srgbClr val="0611F2"/>
+                </a:solidFill>
+                <a:latin typeface="맑은 고딕" charset="0"/>
+                <a:ea typeface="맑은 고딕" charset="0"/>
+              </a:rPr>
+              <a:t>.</a:t>
+            </a:r>
+            <a:r>
+              <a:rPr sz="2000">
+                <a:latin typeface="맑은 고딕" charset="0"/>
+                <a:ea typeface="맑은 고딕" charset="0"/>
+              </a:rPr>
+              <a:t> </a:t>
+            </a:r>
+            <a:r>
+              <a:rPr lang="ko-KR" sz="1800">
+                <a:latin typeface="맑은 고딕" charset="0"/>
+                <a:ea typeface="맑은 고딕" charset="0"/>
+              </a:rPr>
+              <a:t>그</a:t>
+            </a:r>
+            <a:r>
+              <a:rPr lang="ko-KR" sz="1800">
+                <a:latin typeface="맑은 고딕" charset="0"/>
+                <a:ea typeface="맑은 고딕" charset="0"/>
+              </a:rPr>
+              <a:t>리고</a:t>
+            </a:r>
+            <a:r>
+              <a:rPr lang="ko-KR" sz="1800">
+                <a:latin typeface="맑은 고딕" charset="0"/>
+                <a:ea typeface="맑은 고딕" charset="0"/>
+              </a:rPr>
+              <a:t> Project 폴더 아래에 있는 Texture 폴더에 Earth 텍스처를 Earth 오브젝트에 넣어줍니다.</a:t>
+            </a:r>
+            <a:endParaRPr lang="ko-KR" altLang="en-US" sz="1800">
+              <a:latin typeface="맑은 고딕" charset="0"/>
+              <a:ea typeface="맑은 고딕" charset="0"/>
+            </a:endParaRPr>
+          </a:p>
+        </p:txBody>
+      </p:sp>
+      <p:pic>
+        <p:nvPicPr>
+          <p:cNvPr id="65" name="그림 44"/>
+          <p:cNvPicPr>
+            <a:picLocks noChangeAspect="1"/>
+          </p:cNvPicPr>
+          <p:nvPr/>
+        </p:nvPicPr>
+        <p:blipFill rotWithShape="1">
+          <a:blip r:embed="rId2" cstate="print">
             <a:extLst>
               <a:ext uri="{28A0092B-C50C-407E-A947-70E740481C1C}">
                 <a14:useLocalDpi xmlns:a14="http://schemas.microsoft.com/office/drawing/2010/main" val="0"/>
@@ -5955,8 +6281,8 @@
         </p:blipFill>
         <p:spPr>
           <a:xfrm rot="0">
-            <a:off x="6812280" y="3698875"/>
-            <a:ext cx="4142105" cy="1738630"/>
+            <a:off x="1233805" y="4170680"/>
+            <a:ext cx="1224280" cy="1088390"/>
           </a:xfrm>
           <a:prstGeom prst="roundRect"/>
           <a:solidFill>
@@ -5964,6 +6290,941 @@
           </a:solidFill>
         </p:spPr>
       </p:pic>
+      <p:pic>
+        <p:nvPicPr>
+          <p:cNvPr id="66" name="그림 47"/>
+          <p:cNvPicPr>
+            <a:picLocks noChangeAspect="1"/>
+          </p:cNvPicPr>
+          <p:nvPr/>
+        </p:nvPicPr>
+        <p:blipFill rotWithShape="1">
+          <a:blip r:embed="rId3" cstate="print">
+            <a:extLst>
+              <a:ext uri="{28A0092B-C50C-407E-A947-70E740481C1C}">
+                <a14:useLocalDpi xmlns:a14="http://schemas.microsoft.com/office/drawing/2010/main" val="0"/>
+              </a:ext>
+            </a:extLst>
+          </a:blip>
+          <a:stretch>
+            <a:fillRect/>
+          </a:stretch>
+        </p:blipFill>
+        <p:spPr>
+          <a:xfrm rot="0">
+            <a:off x="1241425" y="1446530"/>
+            <a:ext cx="4133850" cy="1645285"/>
+          </a:xfrm>
+          <a:prstGeom prst="roundRect"/>
+          <a:solidFill>
+            <a:srgbClr val="EDEDED"/>
+          </a:solidFill>
+        </p:spPr>
+      </p:pic>
+      <p:pic>
+        <p:nvPicPr>
+          <p:cNvPr id="67" name="그림 50"/>
+          <p:cNvPicPr>
+            <a:picLocks noChangeAspect="1"/>
+          </p:cNvPicPr>
+          <p:nvPr/>
+        </p:nvPicPr>
+        <p:blipFill rotWithShape="1">
+          <a:blip r:embed="rId4" cstate="print">
+            <a:extLst>
+              <a:ext uri="{28A0092B-C50C-407E-A947-70E740481C1C}">
+                <a14:useLocalDpi xmlns:a14="http://schemas.microsoft.com/office/drawing/2010/main" val="0"/>
+              </a:ext>
+            </a:extLst>
+          </a:blip>
+          <a:stretch>
+            <a:fillRect/>
+          </a:stretch>
+        </p:blipFill>
+        <p:spPr>
+          <a:xfrm rot="0">
+            <a:off x="2600325" y="4170680"/>
+            <a:ext cx="2768600" cy="1092835"/>
+          </a:xfrm>
+          <a:prstGeom prst="roundRect"/>
+          <a:solidFill>
+            <a:srgbClr val="EDEDED"/>
+          </a:solidFill>
+        </p:spPr>
+      </p:pic>
+      <p:pic>
+        <p:nvPicPr>
+          <p:cNvPr id="64" name="그림 43"/>
+          <p:cNvPicPr>
+            <a:picLocks noChangeAspect="1"/>
+          </p:cNvPicPr>
+          <p:nvPr/>
+        </p:nvPicPr>
+        <p:blipFill rotWithShape="1">
+          <a:blip r:embed="rId5" cstate="hqprint">
+            <a:extLst>
+              <a:ext uri="{28A0092B-C50C-407E-A947-70E740481C1C}">
+                <a14:useLocalDpi xmlns:a14="http://schemas.microsoft.com/office/drawing/2010/main"/>
+              </a:ext>
+            </a:extLst>
+          </a:blip>
+          <a:stretch>
+            <a:fillRect/>
+          </a:stretch>
+        </p:blipFill>
+        <p:spPr>
+          <a:xfrm rot="10800000">
+            <a:off x="2070100" y="4500245"/>
+            <a:ext cx="829945" cy="424815"/>
+          </a:xfrm>
+          <a:prstGeom prst="rect"/>
+          <a:noFill/>
+        </p:spPr>
+      </p:pic>
+      <p:pic>
+        <p:nvPicPr>
+          <p:cNvPr id="68" name="그림 9"/>
+          <p:cNvPicPr>
+            <a:picLocks noChangeAspect="1"/>
+          </p:cNvPicPr>
+          <p:nvPr/>
+        </p:nvPicPr>
+        <p:blipFill rotWithShape="1">
+          <a:blip r:embed="rId7" cstate="print">
+            <a:extLst>
+              <a:ext uri="{28A0092B-C50C-407E-A947-70E740481C1C}">
+                <a14:useLocalDpi xmlns:a14="http://schemas.microsoft.com/office/drawing/2010/main" val="0"/>
+              </a:ext>
+            </a:extLst>
+          </a:blip>
+          <a:stretch>
+            <a:fillRect/>
+          </a:stretch>
+        </p:blipFill>
+        <p:spPr>
+          <a:xfrm rot="0">
+            <a:off x="6801485" y="1446530"/>
+            <a:ext cx="4152900" cy="1645285"/>
+          </a:xfrm>
+          <a:prstGeom prst="roundRect"/>
+          <a:solidFill>
+            <a:srgbClr val="EDEDED"/>
+          </a:solidFill>
+        </p:spPr>
+      </p:pic>
+      <p:sp>
+        <p:nvSpPr>
+          <p:cNvPr id="69" name="텍스트 상자 15"/>
+          <p:cNvSpPr txBox="1">
+            <a:spLocks/>
+          </p:cNvSpPr>
+          <p:nvPr/>
+        </p:nvSpPr>
+        <p:spPr>
+          <a:xfrm>
+            <a:off x="6795770" y="5417820"/>
+            <a:ext cx="4152900" cy="832485"/>
+          </a:xfrm>
+          <a:prstGeom prst="rect"/>
+          <a:noFill/>
+        </p:spPr>
+        <p:txBody>
+          <a:bodyPr wrap="square" lIns="0" tIns="0" rIns="0" bIns="0" numCol="1" vert="horz" anchor="t">
+            <a:noAutofit/>
+          </a:bodyPr>
+          <a:lstStyle/>
+          <a:p>
+            <a:pPr marL="0" indent="0" rtl="0" algn="l" defTabSz="914400" eaLnBrk="1" latinLnBrk="0" hangingPunct="1">
+              <a:buFontTx/>
+              <a:buNone/>
+            </a:pPr>
+            <a:r>
+              <a:rPr lang="ko-KR" sz="2000" b="1">
+                <a:solidFill>
+                  <a:srgbClr val="0611F2"/>
+                </a:solidFill>
+                <a:latin typeface="맑은 고딕" charset="0"/>
+                <a:ea typeface="맑은 고딕" charset="0"/>
+              </a:rPr>
+              <a:t>2</a:t>
+            </a:r>
+            <a:r>
+              <a:rPr lang="ko-KR" sz="2000" b="1">
+                <a:solidFill>
+                  <a:srgbClr val="0611F2"/>
+                </a:solidFill>
+                <a:latin typeface="맑은 고딕" charset="0"/>
+                <a:ea typeface="맑은 고딕" charset="0"/>
+              </a:rPr>
+              <a:t>6</a:t>
+            </a:r>
+            <a:r>
+              <a:rPr sz="2000" b="1">
+                <a:solidFill>
+                  <a:srgbClr val="0611F2"/>
+                </a:solidFill>
+                <a:latin typeface="맑은 고딕" charset="0"/>
+                <a:ea typeface="맑은 고딕" charset="0"/>
+              </a:rPr>
+              <a:t>.</a:t>
+            </a:r>
+            <a:r>
+              <a:rPr sz="2000">
+                <a:latin typeface="맑은 고딕" charset="0"/>
+                <a:ea typeface="맑은 고딕" charset="0"/>
+              </a:rPr>
+              <a:t> </a:t>
+            </a:r>
+            <a:r>
+              <a:rPr lang="ko-KR" sz="1800">
+                <a:latin typeface="맑은 고딕" charset="0"/>
+                <a:ea typeface="맑은 고딕" charset="0"/>
+              </a:rPr>
+              <a:t>그</a:t>
+            </a:r>
+            <a:r>
+              <a:rPr lang="ko-KR" sz="1800">
+                <a:latin typeface="맑은 고딕" charset="0"/>
+                <a:ea typeface="맑은 고딕" charset="0"/>
+              </a:rPr>
+              <a:t>런 </a:t>
+            </a:r>
+            <a:r>
+              <a:rPr lang="ko-KR" sz="1800">
+                <a:latin typeface="맑은 고딕" charset="0"/>
+                <a:ea typeface="맑은 고딕" charset="0"/>
+              </a:rPr>
+              <a:t>다음</a:t>
+            </a:r>
+            <a:r>
+              <a:rPr lang="ko-KR" sz="1800">
+                <a:latin typeface="맑은 고딕" charset="0"/>
+                <a:ea typeface="맑은 고딕" charset="0"/>
+              </a:rPr>
+              <a:t> Project 폴더 아래에 있는 Texture 폴더에 Observer 텍스처를 Observer 오브젝트에 넣어줍니다.</a:t>
+            </a:r>
+            <a:endParaRPr lang="ko-KR" altLang="en-US" sz="1800">
+              <a:latin typeface="맑은 고딕" charset="0"/>
+              <a:ea typeface="맑은 고딕" charset="0"/>
+            </a:endParaRPr>
+          </a:p>
+        </p:txBody>
+      </p:sp>
+      <p:pic>
+        <p:nvPicPr>
+          <p:cNvPr id="70" name="그림 16"/>
+          <p:cNvPicPr>
+            <a:picLocks noChangeAspect="1"/>
+          </p:cNvPicPr>
+          <p:nvPr/>
+        </p:nvPicPr>
+        <p:blipFill rotWithShape="1">
+          <a:blip r:embed="rId8" cstate="print">
+            <a:extLst>
+              <a:ext uri="{28A0092B-C50C-407E-A947-70E740481C1C}">
+                <a14:useLocalDpi xmlns:a14="http://schemas.microsoft.com/office/drawing/2010/main" val="0"/>
+              </a:ext>
+            </a:extLst>
+          </a:blip>
+          <a:stretch>
+            <a:fillRect/>
+          </a:stretch>
+        </p:blipFill>
+        <p:spPr>
+          <a:xfrm rot="0">
+            <a:off x="6801485" y="4226560"/>
+            <a:ext cx="1341120" cy="1091565"/>
+          </a:xfrm>
+          <a:prstGeom prst="roundRect"/>
+          <a:solidFill>
+            <a:srgbClr val="EDEDED"/>
+          </a:solidFill>
+        </p:spPr>
+      </p:pic>
+      <p:pic>
+        <p:nvPicPr>
+          <p:cNvPr id="71" name="그림 17"/>
+          <p:cNvPicPr>
+            <a:picLocks noChangeAspect="1"/>
+          </p:cNvPicPr>
+          <p:nvPr/>
+        </p:nvPicPr>
+        <p:blipFill rotWithShape="1">
+          <a:blip r:embed="rId9" cstate="print">
+            <a:extLst>
+              <a:ext uri="{28A0092B-C50C-407E-A947-70E740481C1C}">
+                <a14:useLocalDpi xmlns:a14="http://schemas.microsoft.com/office/drawing/2010/main" val="0"/>
+              </a:ext>
+            </a:extLst>
+          </a:blip>
+          <a:stretch>
+            <a:fillRect/>
+          </a:stretch>
+        </p:blipFill>
+        <p:spPr>
+          <a:xfrm rot="0">
+            <a:off x="8272145" y="4224655"/>
+            <a:ext cx="2682240" cy="1093470"/>
+          </a:xfrm>
+          <a:prstGeom prst="roundRect"/>
+          <a:solidFill>
+            <a:srgbClr val="EDEDED"/>
+          </a:solidFill>
+        </p:spPr>
+      </p:pic>
+      <p:pic>
+        <p:nvPicPr>
+          <p:cNvPr id="72" name="그림 18"/>
+          <p:cNvPicPr>
+            <a:picLocks noChangeAspect="1"/>
+          </p:cNvPicPr>
+          <p:nvPr/>
+        </p:nvPicPr>
+        <p:blipFill rotWithShape="1">
+          <a:blip r:embed="rId5" cstate="hqprint">
+            <a:extLst>
+              <a:ext uri="{28A0092B-C50C-407E-A947-70E740481C1C}">
+                <a14:useLocalDpi xmlns:a14="http://schemas.microsoft.com/office/drawing/2010/main"/>
+              </a:ext>
+            </a:extLst>
+          </a:blip>
+          <a:stretch>
+            <a:fillRect/>
+          </a:stretch>
+        </p:blipFill>
+        <p:spPr>
+          <a:xfrm rot="10800000">
+            <a:off x="7727315" y="4558030"/>
+            <a:ext cx="830580" cy="425450"/>
+          </a:xfrm>
+          <a:prstGeom prst="rect"/>
+          <a:noFill/>
+        </p:spPr>
+      </p:pic>
+    </p:spTree>
+  </p:cSld>
+  <p:clrMapOvr>
+    <a:masterClrMapping/>
+  </p:clrMapOvr>
+  <mc:AlternateContent xmlns:mc="http://schemas.openxmlformats.org/markup-compatibility/2006">
+    <mc:Choice xmlns:p14="http://schemas.microsoft.com/office/powerpoint/2010/main" Requires="p14">
+      <p:transition spd="slow" p14:dur="1000"/>
+    </mc:Choice>
+    <mc:Fallback>
+      <p:transition spd="slow"/>
+    </mc:Fallback>
+  </mc:AlternateContent>
+  <p:timing>
+    <p:tnLst>
+      <p:par>
+        <p:cTn id="1" dur="indefinite" restart="never" nodeType="tmRoot"/>
+      </p:par>
+    </p:tnLst>
+  </p:timing>
+</p:sld>
+</file>
+
+<file path=ppt/slides/slide11.xml><?xml version="1.0" encoding="utf-8"?>
+<p:sld xmlns:a="http://schemas.openxmlformats.org/drawingml/2006/main" xmlns:r="http://schemas.openxmlformats.org/officeDocument/2006/relationships" xmlns:p="http://schemas.openxmlformats.org/presentationml/2006/main">
+  <p:cSld>
+    <p:spTree>
+      <p:nvGrpSpPr>
+        <p:cNvPr id="1" name=""/>
+        <p:cNvGrpSpPr/>
+        <p:nvPr/>
+      </p:nvGrpSpPr>
+      <p:grpSpPr>
+        <a:xfrm>
+          <a:off x="0" y="0"/>
+          <a:ext cx="0" cy="0"/>
+          <a:chOff x="0" y="0"/>
+          <a:chExt cx="0" cy="0"/>
+        </a:xfrm>
+      </p:grpSpPr>
+      <p:sp>
+        <p:nvSpPr>
+          <p:cNvPr id="3" name="Rect 0"/>
+          <p:cNvSpPr txBox="1">
+            <a:spLocks/>
+          </p:cNvSpPr>
+          <p:nvPr/>
+        </p:nvSpPr>
+        <p:spPr>
+          <a:xfrm rot="0">
+            <a:off x="4340860" y="447040"/>
+            <a:ext cx="3515995" cy="478155"/>
+          </a:xfrm>
+          <a:prstGeom prst="rect"/>
+          <a:noFill/>
+          <a:ln w="0">
+            <a:noFill/>
+            <a:prstDash/>
+          </a:ln>
+        </p:spPr>
+        <p:txBody>
+          <a:bodyPr wrap="square" lIns="89535" tIns="46355" rIns="89535" bIns="46355" numCol="1" vert="horz" anchor="t">
+            <a:spAutoFit/>
+          </a:bodyPr>
+          <a:lstStyle/>
+          <a:p>
+            <a:pPr marL="0" indent="0" rtl="0" algn="ctr" defTabSz="914400" eaLnBrk="1" latinLnBrk="0" hangingPunct="1">
+              <a:buFontTx/>
+              <a:buNone/>
+            </a:pPr>
+            <a:r>
+              <a:rPr lang="ko-KR" sz="2500" b="1">
+                <a:solidFill>
+                  <a:schemeClr val="tx1"/>
+                </a:solidFill>
+                <a:latin typeface="나눔바른고딕" charset="0"/>
+                <a:ea typeface="나눔바른고딕" charset="0"/>
+              </a:rPr>
+              <a:t>열한</a:t>
+            </a:r>
+            <a:r>
+              <a:rPr lang="ko-KR" sz="2500" b="1">
+                <a:solidFill>
+                  <a:schemeClr val="tx1"/>
+                </a:solidFill>
+                <a:latin typeface="나눔바른고딕" charset="0"/>
+                <a:ea typeface="나눔바른고딕" charset="0"/>
+              </a:rPr>
+              <a:t> 번째 튜토리얼</a:t>
+            </a:r>
+            <a:endParaRPr lang="ko-KR" altLang="en-US" sz="2500" b="1">
+              <a:solidFill>
+                <a:schemeClr val="tx1"/>
+              </a:solidFill>
+              <a:latin typeface="나눔바른고딕" charset="0"/>
+              <a:ea typeface="나눔바른고딕" charset="0"/>
+            </a:endParaRPr>
+          </a:p>
+        </p:txBody>
+      </p:sp>
+      <p:sp>
+        <p:nvSpPr>
+          <p:cNvPr id="47" name="Rect 0"/>
+          <p:cNvSpPr txBox="1">
+            <a:spLocks/>
+          </p:cNvSpPr>
+          <p:nvPr/>
+        </p:nvSpPr>
+        <p:spPr>
+          <a:xfrm rot="0">
+            <a:off x="6806565" y="4472305"/>
+            <a:ext cx="4168140" cy="1784985"/>
+          </a:xfrm>
+          <a:prstGeom prst="rect"/>
+          <a:noFill/>
+          <a:ln w="0">
+            <a:noFill/>
+            <a:prstDash/>
+          </a:ln>
+        </p:spPr>
+        <p:txBody>
+          <a:bodyPr wrap="square" lIns="89535" tIns="46355" rIns="89535" bIns="46355" numCol="1" vert="horz" anchor="t">
+            <a:spAutoFit/>
+          </a:bodyPr>
+          <a:lstStyle/>
+          <a:p>
+            <a:pPr marL="0" indent="0" rtl="0" algn="l" defTabSz="914400" eaLnBrk="1" latinLnBrk="0" hangingPunct="1">
+              <a:buFontTx/>
+              <a:buNone/>
+            </a:pPr>
+            <a:r>
+              <a:rPr lang="ko-KR" sz="2000" b="1">
+                <a:solidFill>
+                  <a:srgbClr val="0611F2"/>
+                </a:solidFill>
+                <a:latin typeface="맑은 고딕" charset="0"/>
+                <a:ea typeface="맑은 고딕" charset="0"/>
+              </a:rPr>
+              <a:t>2</a:t>
+            </a:r>
+            <a:r>
+              <a:rPr lang="ko-KR" sz="2000" b="1">
+                <a:solidFill>
+                  <a:srgbClr val="0611F2"/>
+                </a:solidFill>
+                <a:latin typeface="맑은 고딕" charset="0"/>
+                <a:ea typeface="맑은 고딕" charset="0"/>
+              </a:rPr>
+              <a:t>9</a:t>
+            </a:r>
+            <a:r>
+              <a:rPr sz="2000" b="1">
+                <a:solidFill>
+                  <a:srgbClr val="0611F2"/>
+                </a:solidFill>
+                <a:latin typeface="맑은 고딕" charset="0"/>
+                <a:ea typeface="맑은 고딕" charset="0"/>
+              </a:rPr>
+              <a:t>.</a:t>
+            </a:r>
+            <a:r>
+              <a:rPr sz="2000">
+                <a:latin typeface="맑은 고딕" charset="0"/>
+                <a:ea typeface="맑은 고딕" charset="0"/>
+              </a:rPr>
+              <a:t> </a:t>
+            </a:r>
+            <a:r>
+              <a:rPr lang="ko-KR" sz="1800">
+                <a:latin typeface="맑은 고딕" charset="0"/>
+                <a:ea typeface="맑은 고딕" charset="0"/>
+              </a:rPr>
+              <a:t>이제</a:t>
+            </a:r>
+            <a:r>
+              <a:rPr lang="ko-KR" sz="1800">
+                <a:latin typeface="맑은 고딕" charset="0"/>
+                <a:ea typeface="맑은 고딕" charset="0"/>
+              </a:rPr>
+              <a:t> Project 폴더 아래에 있는 Cursor 폴더를 선택합니다.</a:t>
+            </a:r>
+            <a:endParaRPr lang="ko-KR" altLang="en-US" sz="1800">
+              <a:latin typeface="맑은 고딕" charset="0"/>
+              <a:ea typeface="맑은 고딕" charset="0"/>
+            </a:endParaRPr>
+          </a:p>
+          <a:p>
+            <a:pPr marL="0" indent="0" rtl="0" algn="l" defTabSz="914400" eaLnBrk="1" latinLnBrk="0" hangingPunct="1">
+              <a:buFontTx/>
+              <a:buNone/>
+            </a:pPr>
+            <a:endParaRPr lang="ko-KR" altLang="en-US" sz="1800">
+              <a:latin typeface="맑은 고딕" charset="0"/>
+              <a:ea typeface="맑은 고딕" charset="0"/>
+            </a:endParaRPr>
+          </a:p>
+          <a:p>
+            <a:pPr marL="0" indent="0" rtl="0" algn="l" defTabSz="914400" eaLnBrk="1" latinLnBrk="0" hangingPunct="1">
+              <a:buFontTx/>
+              <a:buNone/>
+            </a:pPr>
+            <a:r>
+              <a:rPr lang="ko-KR" sz="1800">
+                <a:latin typeface="맑은 고딕" charset="0"/>
+                <a:ea typeface="맑은 고딕" charset="0"/>
+              </a:rPr>
+              <a:t>그리고</a:t>
+            </a:r>
+            <a:r>
+              <a:rPr lang="ko-KR" sz="1800">
+                <a:latin typeface="맑은 고딕" charset="0"/>
+                <a:ea typeface="맑은 고딕" charset="0"/>
+              </a:rPr>
+              <a:t> </a:t>
+            </a:r>
+            <a:r>
+              <a:rPr lang="ko-KR" sz="1800">
+                <a:latin typeface="맑은 고딕" charset="0"/>
+                <a:ea typeface="맑은 고딕" charset="0"/>
+              </a:rPr>
+              <a:t>E</a:t>
+            </a:r>
+            <a:r>
+              <a:rPr lang="ko-KR" sz="1800">
+                <a:latin typeface="맑은 고딕" charset="0"/>
+                <a:ea typeface="맑은 고딕" charset="0"/>
+              </a:rPr>
+              <a:t>arth</a:t>
+            </a:r>
+            <a:r>
+              <a:rPr lang="ko-KR" sz="1800">
+                <a:latin typeface="맑은 고딕" charset="0"/>
+                <a:ea typeface="맑은 고딕" charset="0"/>
+              </a:rPr>
+              <a:t> Cursor를 선택</a:t>
+            </a:r>
+            <a:r>
+              <a:rPr lang="ko-KR" sz="1800">
+                <a:latin typeface="맑은 고딕" charset="0"/>
+                <a:ea typeface="맑은 고딕" charset="0"/>
+              </a:rPr>
+              <a:t>하고</a:t>
+            </a:r>
+            <a:r>
+              <a:rPr lang="ko-KR" sz="1800">
+                <a:latin typeface="맑은 고딕" charset="0"/>
+                <a:ea typeface="맑은 고딕" charset="0"/>
+              </a:rPr>
+              <a:t> </a:t>
+            </a:r>
+            <a:r>
+              <a:rPr lang="ko-KR" sz="1800">
+                <a:latin typeface="맑은 고딕" charset="0"/>
+                <a:ea typeface="맑은 고딕" charset="0"/>
+              </a:rPr>
+              <a:t>E</a:t>
+            </a:r>
+            <a:r>
+              <a:rPr lang="ko-KR" sz="1800">
+                <a:latin typeface="맑은 고딕" charset="0"/>
+                <a:ea typeface="맑은 고딕" charset="0"/>
+              </a:rPr>
+              <a:t>ar</a:t>
+            </a:r>
+            <a:r>
+              <a:rPr lang="ko-KR" sz="1800">
+                <a:latin typeface="맑은 고딕" charset="0"/>
+                <a:ea typeface="맑은 고딕" charset="0"/>
+              </a:rPr>
+              <a:t>t</a:t>
+            </a:r>
+            <a:r>
+              <a:rPr lang="ko-KR" sz="1800">
+                <a:latin typeface="맑은 고딕" charset="0"/>
+                <a:ea typeface="맑은 고딕" charset="0"/>
+              </a:rPr>
+              <a:t>h</a:t>
+            </a:r>
+            <a:r>
+              <a:rPr lang="ko-KR" sz="1800">
+                <a:latin typeface="맑은 고딕" charset="0"/>
+                <a:ea typeface="맑은 고딕" charset="0"/>
+              </a:rPr>
+              <a:t> 오브젝트에 있는 View 스크립트의 Cursor Image에 넣어줍니다.</a:t>
+            </a:r>
+            <a:endParaRPr lang="ko-KR" altLang="en-US" sz="1800">
+              <a:latin typeface="맑은 고딕" charset="0"/>
+              <a:ea typeface="맑은 고딕" charset="0"/>
+            </a:endParaRPr>
+          </a:p>
+        </p:txBody>
+      </p:sp>
+      <p:sp>
+        <p:nvSpPr>
+          <p:cNvPr id="51" name="Rect 0"/>
+          <p:cNvSpPr txBox="1">
+            <a:spLocks/>
+          </p:cNvSpPr>
+          <p:nvPr/>
+        </p:nvSpPr>
+        <p:spPr>
+          <a:xfrm rot="0">
+            <a:off x="1241425" y="3183255"/>
+            <a:ext cx="4134485" cy="677545"/>
+          </a:xfrm>
+          <a:prstGeom prst="rect"/>
+          <a:noFill/>
+          <a:ln w="0">
+            <a:noFill/>
+            <a:prstDash/>
+          </a:ln>
+        </p:spPr>
+        <p:txBody>
+          <a:bodyPr wrap="square" lIns="89535" tIns="46355" rIns="89535" bIns="46355" numCol="1" vert="horz" anchor="t">
+            <a:spAutoFit/>
+          </a:bodyPr>
+          <a:lstStyle/>
+          <a:p>
+            <a:pPr marL="0" indent="0" rtl="0" algn="l" defTabSz="914400" eaLnBrk="1" latinLnBrk="0" hangingPunct="1">
+              <a:buFontTx/>
+              <a:buNone/>
+            </a:pPr>
+            <a:r>
+              <a:rPr lang="ko-KR" sz="2000" b="1">
+                <a:solidFill>
+                  <a:srgbClr val="0611F2"/>
+                </a:solidFill>
+                <a:latin typeface="맑은 고딕" charset="0"/>
+                <a:ea typeface="맑은 고딕" charset="0"/>
+              </a:rPr>
+              <a:t>2</a:t>
+            </a:r>
+            <a:r>
+              <a:rPr lang="ko-KR" sz="2000" b="1">
+                <a:solidFill>
+                  <a:srgbClr val="0611F2"/>
+                </a:solidFill>
+                <a:latin typeface="맑은 고딕" charset="0"/>
+                <a:ea typeface="맑은 고딕" charset="0"/>
+              </a:rPr>
+              <a:t>7</a:t>
+            </a:r>
+            <a:r>
+              <a:rPr sz="2000" b="1">
+                <a:solidFill>
+                  <a:srgbClr val="0611F2"/>
+                </a:solidFill>
+                <a:latin typeface="맑은 고딕" charset="0"/>
+                <a:ea typeface="맑은 고딕" charset="0"/>
+              </a:rPr>
+              <a:t>.</a:t>
+            </a:r>
+            <a:r>
+              <a:rPr sz="2000">
+                <a:latin typeface="맑은 고딕" charset="0"/>
+                <a:ea typeface="맑은 고딕" charset="0"/>
+              </a:rPr>
+              <a:t> </a:t>
+            </a:r>
+            <a:r>
+              <a:rPr lang="ko-KR" sz="1800">
+                <a:latin typeface="맑은 고딕" charset="0"/>
+                <a:ea typeface="맑은 고딕" charset="0"/>
+              </a:rPr>
+              <a:t>그다음으로 Earth 오브젝트에 view 스크립트를 추가합니다.</a:t>
+            </a:r>
+            <a:endParaRPr lang="ko-KR" altLang="en-US" sz="1800">
+              <a:latin typeface="맑은 고딕" charset="0"/>
+              <a:ea typeface="맑은 고딕" charset="0"/>
+            </a:endParaRPr>
+          </a:p>
+        </p:txBody>
+      </p:sp>
+      <p:pic>
+        <p:nvPicPr>
+          <p:cNvPr id="52" name="Picture " descr="C:/Users/nwond/AppData/Roaming/PolarisOffice/ETemp/9328_9484992/fImage40651829169.png"/>
+          <p:cNvPicPr>
+            <a:picLocks noChangeAspect="1"/>
+          </p:cNvPicPr>
+          <p:nvPr/>
+        </p:nvPicPr>
+        <p:blipFill rotWithShape="1">
+          <a:blip r:embed="rId2" cstate="hqprint">
+            <a:extLst>
+              <a:ext uri="{28A0092B-C50C-407E-A947-70E740481C1C}">
+                <a14:useLocalDpi xmlns:a14="http://schemas.microsoft.com/office/drawing/2010/main"/>
+              </a:ext>
+            </a:extLst>
+          </a:blip>
+          <a:stretch>
+            <a:fillRect/>
+          </a:stretch>
+        </p:blipFill>
+        <p:spPr>
+          <a:xfrm rot="0">
+            <a:off x="1235075" y="1446530"/>
+            <a:ext cx="4135755" cy="1666240"/>
+          </a:xfrm>
+          <a:prstGeom prst="roundRect"/>
+          <a:solidFill>
+            <a:srgbClr val="EDEDED"/>
+          </a:solidFill>
+        </p:spPr>
+      </p:pic>
+      <p:sp>
+        <p:nvSpPr>
+          <p:cNvPr id="62" name="텍스트 상자 6"/>
+          <p:cNvSpPr txBox="1">
+            <a:spLocks/>
+          </p:cNvSpPr>
+          <p:nvPr/>
+        </p:nvSpPr>
+        <p:spPr>
+          <a:xfrm rot="0">
+            <a:off x="1238250" y="5577840"/>
+            <a:ext cx="4130675" cy="677545"/>
+          </a:xfrm>
+          <a:prstGeom prst="rect"/>
+          <a:noFill/>
+          <a:ln w="0">
+            <a:noFill/>
+            <a:prstDash/>
+          </a:ln>
+        </p:spPr>
+        <p:txBody>
+          <a:bodyPr wrap="square" lIns="89535" tIns="46355" rIns="89535" bIns="46355" numCol="1" vert="horz" anchor="t">
+            <a:spAutoFit/>
+          </a:bodyPr>
+          <a:lstStyle/>
+          <a:p>
+            <a:pPr marL="0" indent="0" rtl="0" algn="l" defTabSz="914400" eaLnBrk="1" latinLnBrk="0" hangingPunct="1">
+              <a:buFontTx/>
+              <a:buNone/>
+            </a:pPr>
+            <a:r>
+              <a:rPr sz="2000" b="1">
+                <a:solidFill>
+                  <a:srgbClr val="0611F2"/>
+                </a:solidFill>
+                <a:latin typeface="맑은 고딕" charset="0"/>
+                <a:ea typeface="맑은 고딕" charset="0"/>
+              </a:rPr>
+              <a:t>2</a:t>
+            </a:r>
+            <a:r>
+              <a:rPr sz="2000" b="1">
+                <a:solidFill>
+                  <a:srgbClr val="0611F2"/>
+                </a:solidFill>
+                <a:latin typeface="맑은 고딕" charset="0"/>
+                <a:ea typeface="맑은 고딕" charset="0"/>
+              </a:rPr>
+              <a:t>8</a:t>
+            </a:r>
+            <a:r>
+              <a:rPr sz="2000" b="1">
+                <a:solidFill>
+                  <a:srgbClr val="0611F2"/>
+                </a:solidFill>
+                <a:latin typeface="맑은 고딕" charset="0"/>
+                <a:ea typeface="맑은 고딕" charset="0"/>
+              </a:rPr>
+              <a:t>.</a:t>
+            </a:r>
+            <a:r>
+              <a:rPr sz="2000">
+                <a:latin typeface="맑은 고딕" charset="0"/>
+                <a:ea typeface="맑은 고딕" charset="0"/>
+              </a:rPr>
+              <a:t> </a:t>
+            </a:r>
+            <a:r>
+              <a:rPr lang="ko-KR" sz="1800">
+                <a:latin typeface="맑은 고딕" charset="0"/>
+                <a:ea typeface="맑은 고딕" charset="0"/>
+              </a:rPr>
+              <a:t>그러고 </a:t>
+            </a:r>
+            <a:r>
+              <a:rPr lang="ko-KR" sz="1800">
+                <a:latin typeface="맑은 고딕" charset="0"/>
+                <a:ea typeface="맑은 고딕" charset="0"/>
+              </a:rPr>
+              <a:t>나서</a:t>
+            </a:r>
+            <a:r>
+              <a:rPr lang="ko-KR" sz="1800">
+                <a:latin typeface="맑은 고딕" charset="0"/>
+                <a:ea typeface="맑은 고딕" charset="0"/>
+              </a:rPr>
+              <a:t> Sun 오브젝트의 위치와 회전 값을 초기화합니다.</a:t>
+            </a:r>
+            <a:endParaRPr lang="ko-KR" altLang="en-US" sz="1800">
+              <a:latin typeface="맑은 고딕" charset="0"/>
+              <a:ea typeface="맑은 고딕" charset="0"/>
+            </a:endParaRPr>
+          </a:p>
+        </p:txBody>
+      </p:sp>
+      <p:pic>
+        <p:nvPicPr>
+          <p:cNvPr id="63" name="그림 7" descr="C:/Users/nwond/AppData/Roaming/PolarisOffice/ETemp/9328_9484992/fImage114922073281.png"/>
+          <p:cNvPicPr>
+            <a:picLocks noChangeAspect="1"/>
+          </p:cNvPicPr>
+          <p:nvPr/>
+        </p:nvPicPr>
+        <p:blipFill rotWithShape="1">
+          <a:blip r:embed="rId3" cstate="hqprint">
+            <a:extLst>
+              <a:ext uri="{28A0092B-C50C-407E-A947-70E740481C1C}">
+                <a14:useLocalDpi xmlns:a14="http://schemas.microsoft.com/office/drawing/2010/main"/>
+              </a:ext>
+            </a:extLst>
+          </a:blip>
+          <a:stretch>
+            <a:fillRect/>
+          </a:stretch>
+        </p:blipFill>
+        <p:spPr>
+          <a:xfrm rot="0">
+            <a:off x="1241425" y="3910330"/>
+            <a:ext cx="4146550" cy="1620520"/>
+          </a:xfrm>
+          <a:prstGeom prst="roundRect"/>
+          <a:solidFill>
+            <a:srgbClr val="EDEDED"/>
+          </a:solidFill>
+        </p:spPr>
+      </p:pic>
+      <p:pic>
+        <p:nvPicPr>
+          <p:cNvPr id="64" name="그림 11" descr="C:/Users/nwond/AppData/Roaming/PolarisOffice/ETemp/9328_9484992/fImage134712196500.png"/>
+          <p:cNvPicPr>
+            <a:picLocks noChangeAspect="1"/>
+          </p:cNvPicPr>
+          <p:nvPr/>
+        </p:nvPicPr>
+        <p:blipFill rotWithShape="1">
+          <a:blip r:embed="rId4" cstate="print">
+            <a:extLst>
+              <a:ext uri="{28A0092B-C50C-407E-A947-70E740481C1C}">
+                <a14:useLocalDpi xmlns:a14="http://schemas.microsoft.com/office/drawing/2010/main" val="0"/>
+              </a:ext>
+            </a:extLst>
+          </a:blip>
+          <a:stretch>
+            <a:fillRect/>
+          </a:stretch>
+        </p:blipFill>
+        <p:spPr>
+          <a:xfrm rot="0">
+            <a:off x="6807835" y="3299460"/>
+            <a:ext cx="4158615" cy="1089025"/>
+          </a:xfrm>
+          <a:prstGeom prst="roundRect"/>
+          <a:solidFill>
+            <a:srgbClr val="EDEDED"/>
+          </a:solidFill>
+        </p:spPr>
+      </p:pic>
+      <p:pic>
+        <p:nvPicPr>
+          <p:cNvPr id="65" name="그림 14" descr="C:/Users/nwond/AppData/Roaming/PolarisOffice/ETemp/9328_9484992/fImage113922209169.png"/>
+          <p:cNvPicPr>
+            <a:picLocks noChangeAspect="1"/>
+          </p:cNvPicPr>
+          <p:nvPr/>
+        </p:nvPicPr>
+        <p:blipFill rotWithShape="1">
+          <a:blip r:embed="rId5" cstate="print">
+            <a:extLst>
+              <a:ext uri="{28A0092B-C50C-407E-A947-70E740481C1C}">
+                <a14:useLocalDpi xmlns:a14="http://schemas.microsoft.com/office/drawing/2010/main" val="0"/>
+              </a:ext>
+            </a:extLst>
+          </a:blip>
+          <a:stretch>
+            <a:fillRect/>
+          </a:stretch>
+        </p:blipFill>
+        <p:spPr>
+          <a:xfrm rot="0">
+            <a:off x="6801485" y="1446530"/>
+            <a:ext cx="4159250" cy="1682115"/>
+          </a:xfrm>
+          <a:prstGeom prst="roundRect"/>
+          <a:solidFill>
+            <a:srgbClr val="EDEDED"/>
+          </a:solidFill>
+        </p:spPr>
+      </p:pic>
+      <p:cxnSp>
+        <p:nvCxnSpPr>
+          <p:cNvPr id="61" name="Rect 0"/>
+          <p:cNvCxnSpPr/>
+          <p:nvPr/>
+        </p:nvCxnSpPr>
+        <p:spPr>
+          <a:xfrm rot="0" flipV="1">
+            <a:off x="7800975" y="2563495"/>
+            <a:ext cx="3079115" cy="1005840"/>
+          </a:xfrm>
+          <a:prstGeom prst="straightConnector1"/>
+          <a:ln w="6350" cap="flat" cmpd="sng">
+            <a:prstDash/>
+            <a:tailEnd type="triangle" w="med" len="med"/>
+          </a:ln>
+        </p:spPr>
+        <p:style>
+          <a:lnRef idx="1">
+            <a:schemeClr val="accent1"/>
+          </a:lnRef>
+          <a:fillRef idx="0">
+            <a:schemeClr val="accent1"/>
+          </a:fillRef>
+          <a:effectRef idx="0">
+            <a:schemeClr val="accent1"/>
+          </a:effectRef>
+          <a:fontRef idx="minor">
+            <a:schemeClr val="tx1"/>
+          </a:fontRef>
+        </p:style>
+      </p:cxnSp>
     </p:spTree>
   </p:cSld>
   <p:clrMapOvr>
@@ -6537,7 +7798,7 @@
         <p:spPr>
           <a:xfrm rot="0">
             <a:off x="1238250" y="5528310"/>
-            <a:ext cx="4135120" cy="677545"/>
+            <a:ext cx="4142740" cy="677545"/>
           </a:xfrm>
           <a:prstGeom prst="rect"/>
           <a:noFill/>
@@ -6602,35 +7863,21 @@
                 <a:latin typeface="맑은 고딕" charset="0"/>
                 <a:ea typeface="맑은 고딕" charset="0"/>
               </a:rPr>
-              <a:t>S</a:t>
-            </a:r>
-            <a:r>
-              <a:rPr lang="ko-KR" sz="1800">
-                <a:latin typeface="맑은 고딕" charset="0"/>
-                <a:ea typeface="맑은 고딕" charset="0"/>
-              </a:rPr>
-              <a:t>un </a:t>
-            </a:r>
-            <a:r>
-              <a:rPr lang="ko-KR" sz="1800">
-                <a:latin typeface="맑은 고딕" charset="0"/>
-                <a:ea typeface="맑은 고딕" charset="0"/>
-              </a:rPr>
-              <a:t>오브젝트의 </a:t>
-            </a:r>
-            <a:r>
-              <a:rPr lang="ko-KR" sz="1800">
-                <a:latin typeface="맑은 고딕" charset="0"/>
-                <a:ea typeface="맑은 고딕" charset="0"/>
-              </a:rPr>
-              <a:t>위치와 회전 값을 </a:t>
-            </a:r>
-            <a:r>
-              <a:rPr lang="ko-KR" sz="1800">
-                <a:latin typeface="맑은 고딕" charset="0"/>
-                <a:ea typeface="맑은 고딕" charset="0"/>
-              </a:rPr>
-              <a:t>초기화합니다.</a:t>
+              <a:t>O</a:t>
+            </a:r>
+            <a:r>
+              <a:rPr lang="ko-KR" sz="1800">
+                <a:latin typeface="맑은 고딕" charset="0"/>
+                <a:ea typeface="맑은 고딕" charset="0"/>
+              </a:rPr>
+              <a:t>bserver 오브젝트에 Observer 스크립트를 </a:t>
+            </a:r>
+            <a:r>
+              <a:rPr lang="ko-KR" sz="1800">
+                <a:latin typeface="맑은 고딕" charset="0"/>
+                <a:ea typeface="맑은 고딕" charset="0"/>
+              </a:rPr>
+              <a:t>추가합니다.</a:t>
             </a:r>
             <a:endParaRPr lang="ko-KR" altLang="en-US" sz="1800">
               <a:latin typeface="맑은 고딕" charset="0"/>
@@ -6649,8 +7896,8 @@
         </p:nvSpPr>
         <p:spPr>
           <a:xfrm rot="0">
-            <a:off x="1238250" y="3194685"/>
-            <a:ext cx="4135120" cy="677545"/>
+            <a:off x="1238250" y="3225800"/>
+            <a:ext cx="4135755" cy="678180"/>
           </a:xfrm>
           <a:prstGeom prst="rect"/>
           <a:noFill/>
@@ -6701,63 +7948,7 @@
                 <a:latin typeface="맑은 고딕" charset="0"/>
                 <a:ea typeface="맑은 고딕" charset="0"/>
               </a:rPr>
-              <a:t>그</a:t>
-            </a:r>
-            <a:r>
-              <a:rPr lang="ko-KR" sz="1800">
-                <a:latin typeface="맑은 고딕" charset="0"/>
-                <a:ea typeface="맑은 고딕" charset="0"/>
-              </a:rPr>
-              <a:t>러고 </a:t>
-            </a:r>
-            <a:r>
-              <a:rPr lang="ko-KR" sz="1800">
-                <a:latin typeface="맑은 고딕" charset="0"/>
-                <a:ea typeface="맑은 고딕" charset="0"/>
-              </a:rPr>
-              <a:t>나서</a:t>
-            </a:r>
-            <a:r>
-              <a:rPr lang="ko-KR" sz="1800">
-                <a:latin typeface="맑은 고딕" charset="0"/>
-                <a:ea typeface="맑은 고딕" charset="0"/>
-              </a:rPr>
-              <a:t> </a:t>
-            </a:r>
-            <a:r>
-              <a:rPr lang="ko-KR" sz="1800">
-                <a:latin typeface="맑은 고딕" charset="0"/>
-                <a:ea typeface="맑은 고딕" charset="0"/>
-              </a:rPr>
-              <a:t>Ob</a:t>
-            </a:r>
-            <a:r>
-              <a:rPr lang="ko-KR" sz="1800">
-                <a:latin typeface="맑은 고딕" charset="0"/>
-                <a:ea typeface="맑은 고딕" charset="0"/>
-              </a:rPr>
-              <a:t>server </a:t>
-            </a:r>
-            <a:r>
-              <a:rPr lang="ko-KR" sz="1800">
-                <a:latin typeface="맑은 고딕" charset="0"/>
-                <a:ea typeface="맑은 고딕" charset="0"/>
-              </a:rPr>
-              <a:t>오브젝트의 위치</a:t>
-            </a:r>
-            <a:r>
-              <a:rPr lang="ko-KR" sz="1800">
-                <a:latin typeface="맑은 고딕" charset="0"/>
-                <a:ea typeface="맑은 고딕" charset="0"/>
-              </a:rPr>
-              <a:t> </a:t>
-            </a:r>
-            <a:r>
-              <a:rPr lang="ko-KR" sz="1800">
-                <a:latin typeface="맑은 고딕" charset="0"/>
-                <a:ea typeface="맑은 고딕" charset="0"/>
-              </a:rPr>
-              <a:t>값을 설정합니다.</a:t>
+              <a:t>그러고 나서 Observer 오브젝트의 위치 값을 설정합니다.</a:t>
             </a:r>
             <a:endParaRPr lang="ko-KR" altLang="en-US" sz="1800">
               <a:latin typeface="맑은 고딕" charset="0"/>
@@ -6768,17 +7959,17 @@
       </p:sp>
       <p:pic>
         <p:nvPicPr>
-          <p:cNvPr id="33" name="그림 27" descr="C:/Users/nwond/AppData/Roaming/PolarisOffice/ETemp/26568_19800824/fImage177512058145.png"/>
+          <p:cNvPr id="33" name="그림 27"/>
           <p:cNvPicPr>
             <a:picLocks noChangeAspect="1"/>
           </p:cNvPicPr>
           <p:nvPr/>
         </p:nvPicPr>
         <p:blipFill rotWithShape="1">
-          <a:blip r:embed="rId18" cstate="print">
+          <a:blip r:embed="rId18" cstate="hqprint">
             <a:extLst>
               <a:ext uri="{28A0092B-C50C-407E-A947-70E740481C1C}">
-                <a14:useLocalDpi xmlns:a14="http://schemas.microsoft.com/office/drawing/2010/main" val="0"/>
+                <a14:useLocalDpi xmlns:a14="http://schemas.microsoft.com/office/drawing/2010/main"/>
               </a:ext>
             </a:extLst>
           </a:blip>
@@ -6789,38 +7980,7 @@
         <p:spPr>
           <a:xfrm rot="0">
             <a:off x="1242695" y="1446530"/>
-            <a:ext cx="4138295" cy="1663700"/>
-          </a:xfrm>
-          <a:prstGeom prst="roundRect"/>
-          <a:solidFill>
-            <a:srgbClr val="EDEDED"/>
-          </a:solidFill>
-        </p:spPr>
-      </p:pic>
-      <p:pic>
-        <p:nvPicPr>
-          <p:cNvPr id="34" name="그림 33" descr="C:/Users/nwond/AppData/Roaming/PolarisOffice/ETemp/26568_19800824/fImage114922073281.png"/>
-          <p:cNvPicPr>
-            <a:picLocks noChangeAspect="1"/>
-          </p:cNvPicPr>
-          <p:nvPr/>
-        </p:nvPicPr>
-        <p:blipFill rotWithShape="1">
-          <a:blip r:embed="rId19" cstate="print">
-            <a:extLst>
-              <a:ext uri="{28A0092B-C50C-407E-A947-70E740481C1C}">
-                <a14:useLocalDpi xmlns:a14="http://schemas.microsoft.com/office/drawing/2010/main" val="0"/>
-              </a:ext>
-            </a:extLst>
-          </a:blip>
-          <a:stretch>
-            <a:fillRect/>
-          </a:stretch>
-        </p:blipFill>
-        <p:spPr>
-          <a:xfrm rot="0">
-            <a:off x="1241425" y="3949700"/>
-            <a:ext cx="4145915" cy="1518285"/>
+            <a:ext cx="4138930" cy="1713230"/>
           </a:xfrm>
           <a:prstGeom prst="roundRect"/>
           <a:solidFill>
@@ -6950,7 +8110,7 @@
       </p:sp>
       <p:pic>
         <p:nvPicPr>
-          <p:cNvPr id="36" name="그림 37" descr="C:/Users/nwond/AppData/Roaming/PolarisOffice/ETemp/26568_19800824/fImage150911686962.png"/>
+          <p:cNvPr id="36" name="그림 37"/>
           <p:cNvPicPr>
             <a:picLocks noChangeAspect="1"/>
           </p:cNvPicPr>
@@ -6981,7 +8141,7 @@
       </p:pic>
       <p:pic>
         <p:nvPicPr>
-          <p:cNvPr id="37" name="그림 39" descr="C:/Users/nwond/AppData/Roaming/PolarisOffice/ETemp/26568_19800824/fImage62572116827.png"/>
+          <p:cNvPr id="37" name="그림 39"/>
           <p:cNvPicPr>
             <a:picLocks noChangeAspect="1"/>
           </p:cNvPicPr>
@@ -7003,6 +8163,37 @@
           <a:xfrm rot="0">
             <a:off x="9619615" y="2464435"/>
             <a:ext cx="1346200" cy="1632585"/>
+          </a:xfrm>
+          <a:prstGeom prst="roundRect"/>
+          <a:solidFill>
+            <a:srgbClr val="EDEDED"/>
+          </a:solidFill>
+        </p:spPr>
+      </p:pic>
+      <p:pic>
+        <p:nvPicPr>
+          <p:cNvPr id="38" name="그림 8" descr="C:/Users/nwond/AppData/Roaming/PolarisOffice/ETemp/19728_10940088/fImage481721841.png"/>
+          <p:cNvPicPr>
+            <a:picLocks noChangeAspect="1"/>
+          </p:cNvPicPr>
+          <p:nvPr/>
+        </p:nvPicPr>
+        <p:blipFill rotWithShape="1">
+          <a:blip r:embed="rId22" cstate="hqprint">
+            <a:extLst>
+              <a:ext uri="{28A0092B-C50C-407E-A947-70E740481C1C}">
+                <a14:useLocalDpi xmlns:a14="http://schemas.microsoft.com/office/drawing/2010/main"/>
+              </a:ext>
+            </a:extLst>
+          </a:blip>
+          <a:stretch>
+            <a:fillRect/>
+          </a:stretch>
+        </p:blipFill>
+        <p:spPr>
+          <a:xfrm rot="0">
+            <a:off x="1241425" y="3930015"/>
+            <a:ext cx="4134485" cy="1583690"/>
           </a:xfrm>
           <a:prstGeom prst="roundRect"/>
           <a:solidFill>
@@ -7442,17 +8633,17 @@
       </p:sp>
       <p:pic>
         <p:nvPicPr>
-          <p:cNvPr id="35" name="그림 42" descr="C:/Users/nwond/AppData/Roaming/PolarisOffice/ETemp/26568_19800824/fImage118942129961.png"/>
+          <p:cNvPr id="35" name="그림 42" descr="C:/Users/nwond/AppData/Roaming/PolarisOffice/ETemp/9328_9484992/fImage118942129961.png"/>
           <p:cNvPicPr>
             <a:picLocks noChangeAspect="1"/>
           </p:cNvPicPr>
           <p:nvPr/>
         </p:nvPicPr>
         <p:blipFill rotWithShape="1">
-          <a:blip r:embed="rId14" cstate="print">
+          <a:blip r:embed="rId14" cstate="hqprint">
             <a:extLst>
               <a:ext uri="{28A0092B-C50C-407E-A947-70E740481C1C}">
-                <a14:useLocalDpi xmlns:a14="http://schemas.microsoft.com/office/drawing/2010/main" val="0"/>
+                <a14:useLocalDpi xmlns:a14="http://schemas.microsoft.com/office/drawing/2010/main"/>
               </a:ext>
             </a:extLst>
           </a:blip>
@@ -7463,7 +8654,7 @@
         <p:spPr>
           <a:xfrm rot="0">
             <a:off x="1216025" y="1443355"/>
-            <a:ext cx="4146550" cy="1660525"/>
+            <a:ext cx="4147185" cy="1710055"/>
           </a:xfrm>
           <a:prstGeom prst="roundRect"/>
           <a:solidFill>
@@ -7481,8 +8672,8 @@
         </p:nvSpPr>
         <p:spPr>
           <a:xfrm rot="0">
-            <a:off x="1216660" y="3183255"/>
-            <a:ext cx="4152265" cy="677545"/>
+            <a:off x="1216660" y="3208655"/>
+            <a:ext cx="4152900" cy="678180"/>
           </a:xfrm>
           <a:prstGeom prst="rect"/>
           <a:noFill/>
@@ -7533,56 +8724,7 @@
                 <a:latin typeface="맑은 고딕" charset="0"/>
                 <a:ea typeface="맑은 고딕" charset="0"/>
               </a:rPr>
-              <a:t>그</a:t>
-            </a:r>
-            <a:r>
-              <a:rPr lang="ko-KR" sz="1800">
-                <a:latin typeface="맑은 고딕" charset="0"/>
-                <a:ea typeface="맑은 고딕" charset="0"/>
-              </a:rPr>
-              <a:t>런 </a:t>
-            </a:r>
-            <a:r>
-              <a:rPr lang="ko-KR" sz="1800">
-                <a:latin typeface="맑은 고딕" charset="0"/>
-                <a:ea typeface="맑은 고딕" charset="0"/>
-              </a:rPr>
-              <a:t>다음</a:t>
-            </a:r>
-            <a:r>
-              <a:rPr lang="ko-KR" sz="1800">
-                <a:latin typeface="맑은 고딕" charset="0"/>
-                <a:ea typeface="맑은 고딕" charset="0"/>
-              </a:rPr>
-              <a:t> Earth 오브젝트</a:t>
-            </a:r>
-            <a:r>
-              <a:rPr lang="ko-KR" sz="1800">
-                <a:latin typeface="맑은 고딕" charset="0"/>
-                <a:ea typeface="맑은 고딕" charset="0"/>
-              </a:rPr>
-              <a:t>의 </a:t>
-            </a:r>
-            <a:r>
-              <a:rPr lang="ko-KR" sz="1800">
-                <a:latin typeface="맑은 고딕" charset="0"/>
-                <a:ea typeface="맑은 고딕" charset="0"/>
-              </a:rPr>
-              <a:t>위치</a:t>
-            </a:r>
-            <a:r>
-              <a:rPr lang="ko-KR" sz="1800">
-                <a:latin typeface="맑은 고딕" charset="0"/>
-                <a:ea typeface="맑은 고딕" charset="0"/>
-              </a:rPr>
-              <a:t> </a:t>
-            </a:r>
-            <a:r>
-              <a:rPr lang="ko-KR" sz="1800">
-                <a:latin typeface="맑은 고딕" charset="0"/>
-                <a:ea typeface="맑은 고딕" charset="0"/>
-              </a:rPr>
-              <a:t>값을 설정합니다.</a:t>
+              <a:t>그런 다음 Earth 오브젝트의 위치 값을 설정합니다.</a:t>
             </a:r>
             <a:endParaRPr lang="ko-KR" altLang="en-US" sz="1800">
               <a:latin typeface="맑은 고딕" charset="0"/>
@@ -7593,7 +8735,7 @@
       </p:sp>
       <p:pic>
         <p:nvPicPr>
-          <p:cNvPr id="37" name="그림 46" descr="C:/Users/nwond/AppData/Roaming/PolarisOffice/ETemp/26568_19800824/fImage65297214491.png"/>
+          <p:cNvPr id="37" name="그림 46"/>
           <p:cNvPicPr>
             <a:picLocks noChangeAspect="1"/>
           </p:cNvPicPr>
@@ -7624,7 +8766,7 @@
       </p:pic>
       <p:pic>
         <p:nvPicPr>
-          <p:cNvPr id="38" name="그림 49" descr="C:/Users/nwond/AppData/Roaming/PolarisOffice/ETemp/26568_19800824/fImage653532152995.png"/>
+          <p:cNvPr id="38" name="그림 49"/>
           <p:cNvPicPr>
             <a:picLocks noChangeAspect="1"/>
           </p:cNvPicPr>
@@ -7762,9 +8904,9 @@
           <p:nvPr/>
         </p:nvSpPr>
         <p:spPr>
-          <a:xfrm rot="0">
+          <a:xfrm>
             <a:off x="6818630" y="2595880"/>
-            <a:ext cx="4147820" cy="954405"/>
+            <a:ext cx="4148455" cy="954405"/>
           </a:xfrm>
           <a:prstGeom prst="rect"/>
           <a:noFill/>
@@ -7815,84 +8957,42 @@
                 <a:latin typeface="맑은 고딕" charset="0"/>
                 <a:ea typeface="맑은 고딕" charset="0"/>
               </a:rPr>
-              <a:t>그</a:t>
-            </a:r>
-            <a:r>
-              <a:rPr lang="ko-KR" sz="1800">
-                <a:latin typeface="맑은 고딕" charset="0"/>
-                <a:ea typeface="맑은 고딕" charset="0"/>
-              </a:rPr>
-              <a:t>런 </a:t>
-            </a:r>
-            <a:r>
-              <a:rPr lang="ko-KR" sz="1800">
-                <a:latin typeface="맑은 고딕" charset="0"/>
-                <a:ea typeface="맑은 고딕" charset="0"/>
-              </a:rPr>
-              <a:t>다음</a:t>
-            </a:r>
-            <a:r>
-              <a:rPr lang="ko-KR" sz="1800">
-                <a:latin typeface="맑은 고딕" charset="0"/>
-                <a:ea typeface="맑은 고딕" charset="0"/>
-              </a:rPr>
-              <a:t> </a:t>
-            </a:r>
-            <a:r>
-              <a:rPr lang="ko-KR" sz="1800">
-                <a:latin typeface="맑은 고딕" charset="0"/>
-                <a:ea typeface="맑은 고딕" charset="0"/>
-              </a:rPr>
-              <a:t>O</a:t>
-            </a:r>
-            <a:r>
-              <a:rPr lang="ko-KR" sz="1800">
-                <a:latin typeface="맑은 고딕" charset="0"/>
-                <a:ea typeface="맑은 고딕" charset="0"/>
-              </a:rPr>
-              <a:t>bserver 스크립트에서 Sun</a:t>
-            </a:r>
-            <a:r>
-              <a:rPr lang="ko-KR" sz="1800">
-                <a:latin typeface="맑은 고딕" charset="0"/>
-                <a:ea typeface="맑은 고딕" charset="0"/>
-              </a:rPr>
-              <a:t> </a:t>
-            </a:r>
-            <a:r>
-              <a:rPr lang="ko-KR" sz="1800">
-                <a:latin typeface="맑은 고딕" charset="0"/>
-                <a:ea typeface="맑은 고딕" charset="0"/>
-              </a:rPr>
-              <a:t>변수에 </a:t>
-            </a:r>
-            <a:r>
-              <a:rPr lang="ko-KR" sz="1800">
-                <a:latin typeface="맑은 고딕" charset="0"/>
-                <a:ea typeface="맑은 고딕" charset="0"/>
-              </a:rPr>
-              <a:t>S</a:t>
-            </a:r>
-            <a:r>
-              <a:rPr lang="ko-KR" sz="1800">
-                <a:latin typeface="맑은 고딕" charset="0"/>
-                <a:ea typeface="맑은 고딕" charset="0"/>
-              </a:rPr>
-              <a:t>un 오브</a:t>
-            </a:r>
-            <a:r>
-              <a:rPr lang="ko-KR" sz="1800">
-                <a:latin typeface="맑은 고딕" charset="0"/>
-                <a:ea typeface="맑은 고딕" charset="0"/>
-              </a:rPr>
-              <a:t>젝트를 </a:t>
-            </a:r>
-            <a:r>
-              <a:rPr lang="ko-KR" sz="1800">
-                <a:latin typeface="맑은 고딕" charset="0"/>
-                <a:ea typeface="맑은 고딕" charset="0"/>
-              </a:rPr>
-              <a:t>넣어줍니다.</a:t>
+              <a:t>그런 다음 Observer </a:t>
+            </a:r>
+            <a:r>
+              <a:rPr lang="ko-KR" sz="1800">
+                <a:latin typeface="맑은 고딕" charset="0"/>
+                <a:ea typeface="맑은 고딕" charset="0"/>
+              </a:rPr>
+              <a:t>오브젝트에 </a:t>
+            </a:r>
+            <a:r>
+              <a:rPr lang="ko-KR" sz="1800">
+                <a:latin typeface="맑은 고딕" charset="0"/>
+                <a:ea typeface="맑은 고딕" charset="0"/>
+              </a:rPr>
+              <a:t>있는 Ob</a:t>
+            </a:r>
+            <a:r>
+              <a:rPr lang="ko-KR" sz="1800">
+                <a:latin typeface="맑은 고딕" charset="0"/>
+                <a:ea typeface="맑은 고딕" charset="0"/>
+              </a:rPr>
+              <a:t>s</a:t>
+            </a:r>
+            <a:r>
+              <a:rPr lang="ko-KR" sz="1800">
+                <a:latin typeface="맑은 고딕" charset="0"/>
+                <a:ea typeface="맑은 고딕" charset="0"/>
+              </a:rPr>
+              <a:t>erver 스크립트의</a:t>
+            </a:r>
+            <a:r>
+              <a:rPr lang="ko-KR" sz="1800">
+                <a:latin typeface="맑은 고딕" charset="0"/>
+                <a:ea typeface="맑은 고딕" charset="0"/>
+              </a:rPr>
+              <a:t> Sun 변수에 Sun 오브젝트를 넣어줍니다.</a:t>
             </a:r>
             <a:endParaRPr lang="ko-KR" altLang="en-US" sz="1800">
               <a:latin typeface="맑은 고딕" charset="0"/>
@@ -8002,7 +9102,7 @@
       </p:sp>
       <p:pic>
         <p:nvPicPr>
-          <p:cNvPr id="19" name="그림 15" descr="C:/Users/nwond/AppData/Roaming/PolarisOffice/ETemp/1008_10623648/fImage150911686962.png"/>
+          <p:cNvPr id="19" name="그림 15"/>
           <p:cNvPicPr>
             <a:picLocks noChangeAspect="1"/>
           </p:cNvPicPr>
@@ -8153,7 +9253,7 @@
       </p:sp>
       <p:pic>
         <p:nvPicPr>
-          <p:cNvPr id="26" name="그림 1" descr="C:/Users/nwond/AppData/Roaming/PolarisOffice/ETemp/1008_10623648/fImage65439441.png"/>
+          <p:cNvPr id="26" name="그림 1"/>
           <p:cNvPicPr>
             <a:picLocks noChangeAspect="1"/>
           </p:cNvPicPr>
@@ -8184,7 +9284,7 @@
       </p:pic>
       <p:pic>
         <p:nvPicPr>
-          <p:cNvPr id="27" name="그림 4" descr="C:/Users/nwond/AppData/Roaming/PolarisOffice/ETemp/1008_10623648/fImage7561958467.png"/>
+          <p:cNvPr id="27" name="그림 4"/>
           <p:cNvPicPr>
             <a:picLocks noChangeAspect="1"/>
           </p:cNvPicPr>
@@ -8215,7 +9315,7 @@
       </p:pic>
       <p:pic>
         <p:nvPicPr>
-          <p:cNvPr id="30" name="그림 11" descr="C:/Users/nwond/AppData/Roaming/PolarisOffice/ETemp/1008_10623648/fImage6535986334.png"/>
+          <p:cNvPr id="30" name="그림 11"/>
           <p:cNvPicPr>
             <a:picLocks noChangeAspect="1"/>
           </p:cNvPicPr>
@@ -8279,7 +9379,7 @@
       </p:cxnSp>
       <p:pic>
         <p:nvPicPr>
-          <p:cNvPr id="31" name="그림 14" descr="C:/Users/nwond/AppData/Roaming/PolarisOffice/ETemp/1008_10623648/fImage11764996500.png"/>
+          <p:cNvPr id="31" name="그림 14"/>
           <p:cNvPicPr>
             <a:picLocks noChangeAspect="1"/>
           </p:cNvPicPr>
@@ -8350,16 +9450,16 @@
       </p:grpSpPr>
       <p:sp>
         <p:nvSpPr>
-          <p:cNvPr id="2" name="Rect 0"/>
+          <p:cNvPr id="3" name="Rect 0"/>
           <p:cNvSpPr txBox="1">
             <a:spLocks/>
           </p:cNvSpPr>
           <p:nvPr/>
         </p:nvSpPr>
         <p:spPr>
-          <a:xfrm>
-            <a:off x="4310380" y="464820"/>
-            <a:ext cx="3580765" cy="478155"/>
+          <a:xfrm rot="0">
+            <a:off x="4340860" y="447040"/>
+            <a:ext cx="3514725" cy="478155"/>
           </a:xfrm>
           <a:prstGeom prst="rect"/>
           <a:noFill/>
@@ -8379,6 +9479,16 @@
               <a:buNone/>
             </a:pPr>
             <a:r>
+              <a:rPr sz="2500" b="1">
+                <a:solidFill>
+                  <a:schemeClr val="tx1"/>
+                </a:solidFill>
+                <a:latin typeface="나눔바른고딕" charset="0"/>
+                <a:ea typeface="나눔바른고딕" charset="0"/>
+              </a:rPr>
+              <a:t>여</a:t>
+            </a:r>
+            <a:r>
               <a:rPr lang="ko-KR" sz="2500" b="1">
                 <a:solidFill>
                   <a:schemeClr val="tx1"/>
@@ -8386,7 +9496,7 @@
                 <a:latin typeface="나눔바른고딕" charset="0"/>
                 <a:ea typeface="나눔바른고딕" charset="0"/>
               </a:rPr>
-              <a:t>Coroutine</a:t>
+              <a:t>섯 번째 튜토리얼</a:t>
             </a:r>
             <a:endParaRPr lang="ko-KR" altLang="en-US" sz="2500" b="1">
               <a:solidFill>
@@ -8400,7 +9510,7 @@
       </p:sp>
       <p:sp>
         <p:nvSpPr>
-          <p:cNvPr id="5" name="텍스트 상자 44"/>
+          <p:cNvPr id="18" name="Rect 0"/>
           <p:cNvSpPr txBox="1">
             <a:spLocks/>
           </p:cNvSpPr>
@@ -8408,8 +9518,8 @@
         </p:nvSpPr>
         <p:spPr>
           <a:xfrm rot="0">
-            <a:off x="1222375" y="1461770"/>
-            <a:ext cx="4149090" cy="923925"/>
+            <a:off x="1235075" y="3095625"/>
+            <a:ext cx="4134485" cy="678180"/>
           </a:xfrm>
           <a:prstGeom prst="rect"/>
           <a:noFill/>
@@ -8429,53 +9539,49 @@
               <a:buNone/>
             </a:pPr>
             <a:r>
-              <a:rPr sz="1800">
-                <a:latin typeface="맑은 고딕" charset="0"/>
-                <a:ea typeface="맑은 고딕" charset="0"/>
-              </a:rPr>
-              <a:t>코루틴</a:t>
-            </a:r>
-            <a:r>
-              <a:rPr lang="ko-KR" sz="1800">
-                <a:latin typeface="맑은 고딕" charset="0"/>
-                <a:ea typeface="맑은 고딕" charset="0"/>
-              </a:rPr>
-              <a:t>이</a:t>
-            </a:r>
-            <a:r>
-              <a:rPr sz="1800">
-                <a:latin typeface="맑은 고딕" charset="0"/>
-                <a:ea typeface="맑은 고딕" charset="0"/>
-              </a:rPr>
-              <a:t>란?</a:t>
+              <a:rPr lang="ko-KR" sz="2000" b="1">
+                <a:solidFill>
+                  <a:srgbClr val="0611F2"/>
+                </a:solidFill>
+                <a:latin typeface="맑은 고딕" charset="0"/>
+                <a:ea typeface="맑은 고딕" charset="0"/>
+              </a:rPr>
+              <a:t>15</a:t>
+            </a:r>
+            <a:r>
+              <a:rPr sz="2000" b="1">
+                <a:solidFill>
+                  <a:srgbClr val="0611F2"/>
+                </a:solidFill>
+                <a:latin typeface="맑은 고딕" charset="0"/>
+                <a:ea typeface="맑은 고딕" charset="0"/>
+              </a:rPr>
+              <a:t>.</a:t>
+            </a:r>
+            <a:r>
+              <a:rPr sz="2000">
+                <a:latin typeface="맑은 고딕" charset="0"/>
+                <a:ea typeface="맑은 고딕" charset="0"/>
+              </a:rPr>
+              <a:t> </a:t>
+            </a:r>
+            <a:r>
+              <a:rPr lang="ko-KR" sz="1800">
+                <a:latin typeface="맑은 고딕" charset="0"/>
+                <a:ea typeface="맑은 고딕" charset="0"/>
+              </a:rPr>
+              <a:t>그러고 나서 Sun 오브젝트에 view 스크립트를 추가합니다.</a:t>
             </a:r>
             <a:endParaRPr lang="ko-KR" altLang="en-US" sz="1800">
               <a:latin typeface="맑은 고딕" charset="0"/>
               <a:ea typeface="맑은 고딕" charset="0"/>
             </a:endParaRPr>
           </a:p>
-          <a:p>
-            <a:pPr marL="0" indent="0" rtl="0" algn="l" defTabSz="914400" eaLnBrk="1" latinLnBrk="0" hangingPunct="1">
-              <a:buFontTx/>
-              <a:buNone/>
-            </a:pPr>
-            <a:r>
-              <a:rPr lang="ko-KR" sz="1800">
-                <a:latin typeface="맑은 고딕" charset="0"/>
-                <a:ea typeface="맑은 고딕" charset="0"/>
-              </a:rPr>
-              <a:t>하나의 프로세스에서 여러 루틴이 시간을 나누어서 사용하는 기능입니다.</a:t>
-            </a:r>
-            <a:endParaRPr lang="ko-KR" altLang="en-US" sz="1800">
-              <a:latin typeface="맑은 고딕" charset="0"/>
-              <a:ea typeface="맑은 고딕" charset="0"/>
-            </a:endParaRPr>
-          </a:p>
         </p:txBody>
       </p:sp>
       <p:sp>
         <p:nvSpPr>
-          <p:cNvPr id="7" name="텍스트 상자 1"/>
+          <p:cNvPr id="24" name="Rect 0"/>
           <p:cNvSpPr txBox="1">
             <a:spLocks/>
           </p:cNvSpPr>
@@ -8483,8 +9589,8 @@
         </p:nvSpPr>
         <p:spPr>
           <a:xfrm>
-            <a:off x="1222375" y="4994275"/>
-            <a:ext cx="4140835" cy="1200785"/>
+            <a:off x="6808470" y="5583555"/>
+            <a:ext cx="4140200" cy="677545"/>
           </a:xfrm>
           <a:prstGeom prst="rect"/>
           <a:noFill/>
@@ -8504,28 +9610,27 @@
               <a:buNone/>
             </a:pPr>
             <a:r>
-              <a:rPr lang="ko-KR" sz="1800">
-                <a:latin typeface="맑은 고딕" charset="0"/>
-                <a:ea typeface="맑은 고딕" charset="0"/>
-              </a:rPr>
-              <a:t>코루틴이 실행되었을 때 </a:t>
-            </a:r>
-            <a:r>
-              <a:rPr sz="1800">
-                <a:latin typeface="맑은 고딕" charset="0"/>
-                <a:ea typeface="맑은 고딕" charset="0"/>
-              </a:rPr>
-              <a:t>특정한 시</a:t>
-            </a:r>
-            <a:r>
-              <a:rPr lang="ko-KR" sz="1800">
-                <a:latin typeface="맑은 고딕" charset="0"/>
-                <a:ea typeface="맑은 고딕" charset="0"/>
-              </a:rPr>
-              <a:t>간 동안 작업을 실행하다가</a:t>
-            </a:r>
-            <a:r>
-              <a:rPr sz="1800">
+              <a:rPr lang="ko-KR" sz="2000" b="1">
+                <a:solidFill>
+                  <a:srgbClr val="0611F2"/>
+                </a:solidFill>
+                <a:latin typeface="맑은 고딕" charset="0"/>
+                <a:ea typeface="맑은 고딕" charset="0"/>
+              </a:rPr>
+              <a:t>18</a:t>
+            </a:r>
+            <a:r>
+              <a:rPr sz="2000" b="1">
+                <a:solidFill>
+                  <a:srgbClr val="0611F2"/>
+                </a:solidFill>
+                <a:latin typeface="맑은 고딕" charset="0"/>
+                <a:ea typeface="맑은 고딕" charset="0"/>
+              </a:rPr>
+              <a:t>.</a:t>
+            </a:r>
+            <a:r>
+              <a:rPr sz="2000">
                 <a:latin typeface="맑은 고딕" charset="0"/>
                 <a:ea typeface="맑은 고딕" charset="0"/>
               </a:rPr>
@@ -8536,35 +9641,21 @@
                 <a:latin typeface="맑은 고딕" charset="0"/>
                 <a:ea typeface="맑은 고딕" charset="0"/>
               </a:rPr>
-              <a:t>실행이 끝나면 제어</a:t>
-            </a:r>
-            <a:r>
-              <a:rPr lang="ko-KR" sz="1800">
-                <a:latin typeface="맑은 고딕" charset="0"/>
-                <a:ea typeface="맑은 고딕" charset="0"/>
-              </a:rPr>
-              <a:t> </a:t>
-            </a:r>
-            <a:r>
-              <a:rPr lang="ko-KR" sz="1800">
-                <a:latin typeface="맑은 고딕" charset="0"/>
-                <a:ea typeface="맑은 고딕" charset="0"/>
-              </a:rPr>
-              <a:t>권</a:t>
-            </a:r>
-            <a:r>
-              <a:rPr lang="ko-KR" sz="1800">
-                <a:latin typeface="맑은 고딕" charset="0"/>
-                <a:ea typeface="맑은 고딕" charset="0"/>
-              </a:rPr>
-              <a:t>한</a:t>
-            </a:r>
-            <a:r>
-              <a:rPr lang="ko-KR" sz="1800">
-                <a:latin typeface="맑은 고딕" charset="0"/>
-                <a:ea typeface="맑은 고딕" charset="0"/>
-              </a:rPr>
-              <a:t>을 Unity로 다시 넘겨주어야 합니다.</a:t>
+              <a:t>그다음</a:t>
+            </a:r>
+            <a:r>
+              <a:rPr lang="ko-KR" sz="1800">
+                <a:latin typeface="맑은 고딕" charset="0"/>
+                <a:ea typeface="맑은 고딕" charset="0"/>
+              </a:rPr>
+              <a:t>으로</a:t>
+            </a:r>
+            <a:r>
+              <a:rPr lang="ko-KR" sz="1800">
+                <a:latin typeface="맑은 고딕" charset="0"/>
+                <a:ea typeface="맑은 고딕" charset="0"/>
+              </a:rPr>
+              <a:t> OnBecameVisible( ) 함수를 선언하고 코루틴을 호출합니다.</a:t>
             </a:r>
             <a:endParaRPr lang="ko-KR" altLang="en-US" sz="1800">
               <a:latin typeface="맑은 고딕" charset="0"/>
@@ -8575,14 +9666,267 @@
       </p:sp>
       <p:pic>
         <p:nvPicPr>
-          <p:cNvPr id="8" name="그림 13"/>
+          <p:cNvPr id="32" name="그림 17" descr="C:/Users/nwond/AppData/Roaming/PolarisOffice/ETemp/21008_15599584/fImage40651829169.png"/>
           <p:cNvPicPr>
             <a:picLocks noChangeAspect="1"/>
           </p:cNvPicPr>
           <p:nvPr/>
         </p:nvPicPr>
         <p:blipFill rotWithShape="1">
-          <a:blip r:embed="rId10" cstate="print">
+          <a:blip r:embed="rId2" cstate="hqprint">
+            <a:extLst>
+              <a:ext uri="{28A0092B-C50C-407E-A947-70E740481C1C}">
+                <a14:useLocalDpi xmlns:a14="http://schemas.microsoft.com/office/drawing/2010/main"/>
+              </a:ext>
+            </a:extLst>
+          </a:blip>
+          <a:stretch>
+            <a:fillRect/>
+          </a:stretch>
+        </p:blipFill>
+        <p:spPr>
+          <a:xfrm rot="0">
+            <a:off x="1235075" y="1452245"/>
+            <a:ext cx="4134485" cy="1583690"/>
+          </a:xfrm>
+          <a:prstGeom prst="roundRect"/>
+          <a:solidFill>
+            <a:srgbClr val="EDEDED"/>
+          </a:solidFill>
+        </p:spPr>
+      </p:pic>
+      <p:sp>
+        <p:nvSpPr>
+          <p:cNvPr id="33" name="텍스트 상자 20"/>
+          <p:cNvSpPr txBox="1">
+            <a:spLocks/>
+          </p:cNvSpPr>
+          <p:nvPr/>
+        </p:nvSpPr>
+        <p:spPr>
+          <a:xfrm>
+            <a:off x="1235075" y="5308600"/>
+            <a:ext cx="4134485" cy="954405"/>
+          </a:xfrm>
+          <a:prstGeom prst="rect"/>
+          <a:noFill/>
+          <a:ln w="0">
+            <a:noFill/>
+            <a:prstDash/>
+          </a:ln>
+        </p:spPr>
+        <p:txBody>
+          <a:bodyPr wrap="square" lIns="89535" tIns="46355" rIns="89535" bIns="46355" numCol="1" vert="horz" anchor="t">
+            <a:spAutoFit/>
+          </a:bodyPr>
+          <a:lstStyle/>
+          <a:p>
+            <a:pPr marL="0" indent="0" rtl="0" algn="l" defTabSz="914400" eaLnBrk="1" latinLnBrk="0" hangingPunct="1">
+              <a:buFontTx/>
+              <a:buNone/>
+            </a:pPr>
+            <a:r>
+              <a:rPr lang="ko-KR" sz="2000" b="1">
+                <a:solidFill>
+                  <a:srgbClr val="0611F2"/>
+                </a:solidFill>
+                <a:latin typeface="맑은 고딕" charset="0"/>
+                <a:ea typeface="맑은 고딕" charset="0"/>
+              </a:rPr>
+              <a:t>16</a:t>
+            </a:r>
+            <a:r>
+              <a:rPr sz="2000" b="1">
+                <a:solidFill>
+                  <a:srgbClr val="0611F2"/>
+                </a:solidFill>
+                <a:latin typeface="맑은 고딕" charset="0"/>
+                <a:ea typeface="맑은 고딕" charset="0"/>
+              </a:rPr>
+              <a:t>.</a:t>
+            </a:r>
+            <a:r>
+              <a:rPr sz="2000">
+                <a:latin typeface="맑은 고딕" charset="0"/>
+                <a:ea typeface="맑은 고딕" charset="0"/>
+              </a:rPr>
+              <a:t> </a:t>
+            </a:r>
+            <a:r>
+              <a:rPr lang="ko-KR" sz="1800">
+                <a:latin typeface="맑은 고딕" charset="0"/>
+                <a:ea typeface="맑은 고딕" charset="0"/>
+              </a:rPr>
+              <a:t>이제 View 스크립트에서 float 변수와 GameObject 변수</a:t>
+            </a:r>
+            <a:r>
+              <a:rPr lang="ko-KR" sz="1800">
+                <a:latin typeface="맑은 고딕" charset="0"/>
+                <a:ea typeface="맑은 고딕" charset="0"/>
+              </a:rPr>
+              <a:t> </a:t>
+            </a:r>
+            <a:r>
+              <a:rPr lang="ko-KR" sz="1800">
+                <a:latin typeface="맑은 고딕" charset="0"/>
+                <a:ea typeface="맑은 고딕" charset="0"/>
+              </a:rPr>
+              <a:t>그리고 T</a:t>
+            </a:r>
+            <a:r>
+              <a:rPr lang="ko-KR" sz="1800">
+                <a:latin typeface="맑은 고딕" charset="0"/>
+                <a:ea typeface="맑은 고딕" charset="0"/>
+              </a:rPr>
+              <a:t>e</a:t>
+            </a:r>
+            <a:r>
+              <a:rPr lang="ko-KR" sz="1800">
+                <a:latin typeface="맑은 고딕" charset="0"/>
+                <a:ea typeface="맑은 고딕" charset="0"/>
+              </a:rPr>
+              <a:t>xture2D 변수를 </a:t>
+            </a:r>
+            <a:r>
+              <a:rPr lang="ko-KR" sz="1800">
+                <a:latin typeface="맑은 고딕" charset="0"/>
+                <a:ea typeface="맑은 고딕" charset="0"/>
+              </a:rPr>
+              <a:t>선언합니다.</a:t>
+            </a:r>
+            <a:endParaRPr lang="ko-KR" altLang="en-US" sz="1800">
+              <a:latin typeface="맑은 고딕" charset="0"/>
+              <a:ea typeface="맑은 고딕" charset="0"/>
+            </a:endParaRPr>
+          </a:p>
+        </p:txBody>
+      </p:sp>
+      <p:sp>
+        <p:nvSpPr>
+          <p:cNvPr id="40" name="텍스트 상자 35"/>
+          <p:cNvSpPr txBox="1">
+            <a:spLocks/>
+          </p:cNvSpPr>
+          <p:nvPr/>
+        </p:nvSpPr>
+        <p:spPr>
+          <a:xfrm rot="0">
+            <a:off x="6801485" y="3232785"/>
+            <a:ext cx="4146550" cy="1231265"/>
+          </a:xfrm>
+          <a:prstGeom prst="rect"/>
+          <a:noFill/>
+          <a:ln w="0">
+            <a:noFill/>
+            <a:prstDash/>
+          </a:ln>
+        </p:spPr>
+        <p:txBody>
+          <a:bodyPr wrap="square" lIns="89535" tIns="46355" rIns="89535" bIns="46355" numCol="1" vert="horz" anchor="t">
+            <a:spAutoFit/>
+          </a:bodyPr>
+          <a:lstStyle/>
+          <a:p>
+            <a:pPr marL="0" indent="0" rtl="0" algn="l" defTabSz="914400" eaLnBrk="1" latinLnBrk="0" hangingPunct="1">
+              <a:buFontTx/>
+              <a:buNone/>
+            </a:pPr>
+            <a:r>
+              <a:rPr lang="ko-KR" sz="2000" b="1">
+                <a:solidFill>
+                  <a:srgbClr val="0611F2"/>
+                </a:solidFill>
+                <a:latin typeface="맑은 고딕" charset="0"/>
+                <a:ea typeface="맑은 고딕" charset="0"/>
+              </a:rPr>
+              <a:t>17</a:t>
+            </a:r>
+            <a:r>
+              <a:rPr sz="2000" b="1">
+                <a:solidFill>
+                  <a:srgbClr val="0611F2"/>
+                </a:solidFill>
+                <a:latin typeface="맑은 고딕" charset="0"/>
+                <a:ea typeface="맑은 고딕" charset="0"/>
+              </a:rPr>
+              <a:t>.</a:t>
+            </a:r>
+            <a:r>
+              <a:rPr sz="2000">
+                <a:latin typeface="맑은 고딕" charset="0"/>
+                <a:ea typeface="맑은 고딕" charset="0"/>
+              </a:rPr>
+              <a:t> </a:t>
+            </a:r>
+            <a:r>
+              <a:rPr lang="ko-KR" sz="1800">
+                <a:latin typeface="맑은 고딕" charset="0"/>
+                <a:ea typeface="맑은 고딕" charset="0"/>
+              </a:rPr>
+              <a:t>그런 다음 IEnumerator로 LookCoroutine( ) 함수를 선언</a:t>
+            </a:r>
+            <a:r>
+              <a:rPr lang="ko-KR" sz="1800">
+                <a:latin typeface="맑은 고딕" charset="0"/>
+                <a:ea typeface="맑은 고딕" charset="0"/>
+              </a:rPr>
+              <a:t>하고 </a:t>
+            </a:r>
+            <a:r>
+              <a:rPr lang="ko-KR" sz="1800">
+                <a:latin typeface="맑은 고딕" charset="0"/>
+                <a:ea typeface="맑은 고딕" charset="0"/>
+              </a:rPr>
+              <a:t>일정한 시간마다 지정한 오브젝트를 바라보도록 설정합니다.</a:t>
+            </a:r>
+            <a:endParaRPr lang="ko-KR" altLang="en-US" sz="1800">
+              <a:latin typeface="맑은 고딕" charset="0"/>
+              <a:ea typeface="맑은 고딕" charset="0"/>
+            </a:endParaRPr>
+          </a:p>
+        </p:txBody>
+      </p:sp>
+      <p:pic>
+        <p:nvPicPr>
+          <p:cNvPr id="41" name="그림 38" descr="C:/Users/nwond/AppData/Roaming/PolarisOffice/ETemp/21008_15599584/fImage278171991478.png"/>
+          <p:cNvPicPr>
+            <a:picLocks noChangeAspect="1"/>
+          </p:cNvPicPr>
+          <p:nvPr/>
+        </p:nvPicPr>
+        <p:blipFill rotWithShape="1">
+          <a:blip r:embed="rId4" cstate="hqprint">
+            <a:extLst>
+              <a:ext uri="{28A0092B-C50C-407E-A947-70E740481C1C}">
+                <a14:useLocalDpi xmlns:a14="http://schemas.microsoft.com/office/drawing/2010/main"/>
+              </a:ext>
+            </a:extLst>
+          </a:blip>
+          <a:stretch>
+            <a:fillRect/>
+          </a:stretch>
+        </p:blipFill>
+        <p:spPr>
+          <a:xfrm rot="0">
+            <a:off x="6807835" y="4561205"/>
+            <a:ext cx="4140835" cy="976630"/>
+          </a:xfrm>
+          <a:prstGeom prst="roundRect"/>
+          <a:solidFill>
+            <a:srgbClr val="EDEDED"/>
+          </a:solidFill>
+        </p:spPr>
+      </p:pic>
+      <p:pic>
+        <p:nvPicPr>
+          <p:cNvPr id="43" name="그림 2" descr="C:/Users/nwond/AppData/Roaming/PolarisOffice/ETemp/21008_15599584/fImage6151914641.png"/>
+          <p:cNvPicPr>
+            <a:picLocks noChangeAspect="1"/>
+          </p:cNvPicPr>
+          <p:nvPr/>
+        </p:nvPicPr>
+        <p:blipFill rotWithShape="1">
+          <a:blip r:embed="rId6" cstate="print">
             <a:extLst>
               <a:ext uri="{28A0092B-C50C-407E-A947-70E740481C1C}">
                 <a14:useLocalDpi xmlns:a14="http://schemas.microsoft.com/office/drawing/2010/main" val="0"/>
@@ -8595,8 +9939,8 @@
         </p:blipFill>
         <p:spPr>
           <a:xfrm rot="0">
-            <a:off x="1220470" y="2580640"/>
-            <a:ext cx="4149090" cy="2226310"/>
+            <a:off x="1233170" y="3866515"/>
+            <a:ext cx="4129405" cy="1402715"/>
           </a:xfrm>
           <a:prstGeom prst="roundRect"/>
           <a:solidFill>
@@ -8606,17 +9950,17 @@
       </p:pic>
       <p:pic>
         <p:nvPicPr>
-          <p:cNvPr id="9" name="그림 19"/>
+          <p:cNvPr id="44" name="그림 22" descr="C:/Users/nwond/AppData/Roaming/PolarisOffice/ETemp/21008_15599584/fImage1084841568467.png"/>
           <p:cNvPicPr>
             <a:picLocks noChangeAspect="1"/>
           </p:cNvPicPr>
           <p:nvPr/>
         </p:nvPicPr>
         <p:blipFill rotWithShape="1">
-          <a:blip r:embed="rId11" cstate="hqprint">
+          <a:blip r:embed="rId7" cstate="print">
             <a:extLst>
               <a:ext uri="{28A0092B-C50C-407E-A947-70E740481C1C}">
-                <a14:useLocalDpi xmlns:a14="http://schemas.microsoft.com/office/drawing/2010/main"/>
+                <a14:useLocalDpi xmlns:a14="http://schemas.microsoft.com/office/drawing/2010/main" val="0"/>
               </a:ext>
             </a:extLst>
           </a:blip>
@@ -8626,8 +9970,8 @@
         </p:blipFill>
         <p:spPr>
           <a:xfrm rot="0">
-            <a:off x="6814820" y="2528570"/>
-            <a:ext cx="4140200" cy="2277745"/>
+            <a:off x="6814185" y="1452245"/>
+            <a:ext cx="4140200" cy="1725930"/>
           </a:xfrm>
           <a:prstGeom prst="roundRect"/>
           <a:solidFill>
@@ -8635,122 +9979,6 @@
           </a:solidFill>
         </p:spPr>
       </p:pic>
-      <p:sp>
-        <p:nvSpPr>
-          <p:cNvPr id="10" name="텍스트 상자 18"/>
-          <p:cNvSpPr txBox="1">
-            <a:spLocks/>
-          </p:cNvSpPr>
-          <p:nvPr/>
-        </p:nvSpPr>
-        <p:spPr>
-          <a:xfrm rot="0">
-            <a:off x="6809740" y="4996815"/>
-            <a:ext cx="4144645" cy="1200785"/>
-          </a:xfrm>
-          <a:prstGeom prst="rect"/>
-          <a:noFill/>
-          <a:ln w="0">
-            <a:noFill/>
-            <a:prstDash/>
-          </a:ln>
-        </p:spPr>
-        <p:txBody>
-          <a:bodyPr wrap="square" lIns="89535" tIns="46355" rIns="89535" bIns="46355" numCol="1" vert="horz" anchor="t">
-            <a:spAutoFit/>
-          </a:bodyPr>
-          <a:lstStyle/>
-          <a:p>
-            <a:pPr marL="0" indent="0" rtl="0" algn="l" defTabSz="914400" eaLnBrk="1" latinLnBrk="0" hangingPunct="1">
-              <a:buFontTx/>
-              <a:buNone/>
-            </a:pPr>
-            <a:r>
-              <a:rPr lang="ko-KR" sz="1800">
-                <a:latin typeface="맑은 고딕" charset="0"/>
-                <a:ea typeface="맑은 고딕" charset="0"/>
-              </a:rPr>
-              <a:t>코루틴</a:t>
-            </a:r>
-            <a:r>
-              <a:rPr lang="ko-KR" sz="1800">
-                <a:latin typeface="맑은 고딕" charset="0"/>
-                <a:ea typeface="맑은 고딕" charset="0"/>
-              </a:rPr>
-              <a:t>이</a:t>
-            </a:r>
-            <a:r>
-              <a:rPr lang="ko-KR" sz="1800">
-                <a:latin typeface="맑은 고딕" charset="0"/>
-                <a:ea typeface="맑은 고딕" charset="0"/>
-              </a:rPr>
-              <a:t> </a:t>
-            </a:r>
-            <a:r>
-              <a:rPr lang="ko-KR" sz="1800">
-                <a:latin typeface="맑은 고딕" charset="0"/>
-                <a:ea typeface="맑은 고딕" charset="0"/>
-              </a:rPr>
-              <a:t>여러 개 등록되어 있을 때 현재 진행하고 있는 코루틴이 종료되어야 다른 코루틴을 실행할 수 있습니다.</a:t>
-            </a:r>
-            <a:endParaRPr lang="ko-KR" altLang="en-US" sz="1800">
-              <a:latin typeface="맑은 고딕" charset="0"/>
-              <a:ea typeface="맑은 고딕" charset="0"/>
-            </a:endParaRPr>
-          </a:p>
-        </p:txBody>
-      </p:sp>
-      <p:sp>
-        <p:nvSpPr>
-          <p:cNvPr id="11" name="텍스트 상자 19"/>
-          <p:cNvSpPr txBox="1">
-            <a:spLocks/>
-          </p:cNvSpPr>
-          <p:nvPr/>
-        </p:nvSpPr>
-        <p:spPr>
-          <a:xfrm rot="0">
-            <a:off x="6804025" y="1466850"/>
-            <a:ext cx="4150360" cy="923925"/>
-          </a:xfrm>
-          <a:prstGeom prst="rect"/>
-          <a:noFill/>
-          <a:ln w="0">
-            <a:noFill/>
-            <a:prstDash/>
-          </a:ln>
-        </p:spPr>
-        <p:txBody>
-          <a:bodyPr wrap="square" lIns="89535" tIns="46355" rIns="89535" bIns="46355" numCol="1" vert="horz" anchor="t">
-            <a:spAutoFit/>
-          </a:bodyPr>
-          <a:lstStyle/>
-          <a:p>
-            <a:pPr marL="0" indent="0" rtl="0" algn="l" defTabSz="914400" eaLnBrk="1" latinLnBrk="0" hangingPunct="1">
-              <a:buFontTx/>
-              <a:buNone/>
-            </a:pPr>
-            <a:r>
-              <a:rPr lang="ko-KR" sz="1800">
-                <a:latin typeface="맑은 고딕" charset="0"/>
-                <a:ea typeface="맑은 고딕" charset="0"/>
-              </a:rPr>
-              <a:t>코루틴</a:t>
-            </a:r>
-            <a:r>
-              <a:rPr lang="ko-KR" sz="1800">
-                <a:latin typeface="맑은 고딕" charset="0"/>
-                <a:ea typeface="맑은 고딕" charset="0"/>
-              </a:rPr>
-              <a:t>의 경우 게임 오브젝트가 비활성화되어도 실행되는 특성을 가지고 있습니다.</a:t>
-            </a:r>
-            <a:endParaRPr lang="ko-KR" altLang="en-US" sz="1800">
-              <a:latin typeface="맑은 고딕" charset="0"/>
-              <a:ea typeface="맑은 고딕" charset="0"/>
-            </a:endParaRPr>
-          </a:p>
-        </p:txBody>
-      </p:sp>
     </p:spTree>
   </p:cSld>
   <p:clrMapOvr>
@@ -8775,7 +10003,7 @@
 </file>
 
 <file path=ppt/slides/slide7.xml><?xml version="1.0" encoding="utf-8"?>
-<p:sld xmlns:a="http://schemas.openxmlformats.org/drawingml/2006/main" xmlns:r="http://schemas.openxmlformats.org/officeDocument/2006/relationships" xmlns:p="http://schemas.openxmlformats.org/presentationml/2006/main">
+<p:sld xmlns:a="http://schemas.openxmlformats.org/drawingml/2006/main" xmlns:r="http://schemas.openxmlformats.org/officeDocument/2006/relationships" xmlns:p="http://schemas.openxmlformats.org/presentationml/2006/main" xmlns:p14="http://schemas.microsoft.com/office/powerpoint/2010/main">
   <p:cSld>
     <p:spTree>
       <p:nvGrpSpPr>
@@ -8822,16 +10050,6 @@
               <a:buNone/>
             </a:pPr>
             <a:r>
-              <a:rPr sz="2500" b="1">
-                <a:solidFill>
-                  <a:schemeClr val="tx1"/>
-                </a:solidFill>
-                <a:latin typeface="나눔바른고딕" charset="0"/>
-                <a:ea typeface="나눔바른고딕" charset="0"/>
-              </a:rPr>
-              <a:t>여</a:t>
-            </a:r>
-            <a:r>
               <a:rPr lang="ko-KR" sz="2500" b="1">
                 <a:solidFill>
                   <a:schemeClr val="tx1"/>
@@ -8839,7 +10057,17 @@
                 <a:latin typeface="나눔바른고딕" charset="0"/>
                 <a:ea typeface="나눔바른고딕" charset="0"/>
               </a:rPr>
-              <a:t>섯 번째 튜토리얼</a:t>
+              <a:t>일곱</a:t>
+            </a:r>
+            <a:r>
+              <a:rPr lang="ko-KR" sz="2500" b="1">
+                <a:solidFill>
+                  <a:schemeClr val="tx1"/>
+                </a:solidFill>
+                <a:latin typeface="나눔바른고딕" charset="0"/>
+                <a:ea typeface="나눔바른고딕" charset="0"/>
+              </a:rPr>
+              <a:t> 번째 튜토리얼</a:t>
             </a:r>
             <a:endParaRPr lang="ko-KR" altLang="en-US" sz="2500" b="1">
               <a:solidFill>
@@ -8847,129 +10075,6 @@
               </a:solidFill>
               <a:latin typeface="나눔바른고딕" charset="0"/>
               <a:ea typeface="나눔바른고딕" charset="0"/>
-            </a:endParaRPr>
-          </a:p>
-        </p:txBody>
-      </p:sp>
-      <p:sp>
-        <p:nvSpPr>
-          <p:cNvPr id="18" name="Rect 0"/>
-          <p:cNvSpPr txBox="1">
-            <a:spLocks/>
-          </p:cNvSpPr>
-          <p:nvPr/>
-        </p:nvSpPr>
-        <p:spPr>
-          <a:xfrm rot="0">
-            <a:off x="1235075" y="3125470"/>
-            <a:ext cx="4133850" cy="677545"/>
-          </a:xfrm>
-          <a:prstGeom prst="rect"/>
-          <a:noFill/>
-          <a:ln w="0">
-            <a:noFill/>
-            <a:prstDash/>
-          </a:ln>
-        </p:spPr>
-        <p:txBody>
-          <a:bodyPr wrap="square" lIns="89535" tIns="46355" rIns="89535" bIns="46355" numCol="1" vert="horz" anchor="t">
-            <a:spAutoFit/>
-          </a:bodyPr>
-          <a:lstStyle/>
-          <a:p>
-            <a:pPr marL="0" indent="0" rtl="0" algn="l" defTabSz="914400" eaLnBrk="1" latinLnBrk="0" hangingPunct="1">
-              <a:buFontTx/>
-              <a:buNone/>
-            </a:pPr>
-            <a:r>
-              <a:rPr lang="ko-KR" sz="2000" b="1">
-                <a:solidFill>
-                  <a:srgbClr val="0611F2"/>
-                </a:solidFill>
-                <a:latin typeface="맑은 고딕" charset="0"/>
-                <a:ea typeface="맑은 고딕" charset="0"/>
-              </a:rPr>
-              <a:t>1</a:t>
-            </a:r>
-            <a:r>
-              <a:rPr lang="ko-KR" sz="2000" b="1">
-                <a:solidFill>
-                  <a:srgbClr val="0611F2"/>
-                </a:solidFill>
-                <a:latin typeface="맑은 고딕" charset="0"/>
-                <a:ea typeface="맑은 고딕" charset="0"/>
-              </a:rPr>
-              <a:t>5</a:t>
-            </a:r>
-            <a:r>
-              <a:rPr sz="2000" b="1">
-                <a:solidFill>
-                  <a:srgbClr val="0611F2"/>
-                </a:solidFill>
-                <a:latin typeface="맑은 고딕" charset="0"/>
-                <a:ea typeface="맑은 고딕" charset="0"/>
-              </a:rPr>
-              <a:t>.</a:t>
-            </a:r>
-            <a:r>
-              <a:rPr sz="2000">
-                <a:latin typeface="맑은 고딕" charset="0"/>
-                <a:ea typeface="맑은 고딕" charset="0"/>
-              </a:rPr>
-              <a:t> </a:t>
-            </a:r>
-            <a:r>
-              <a:rPr lang="ko-KR" sz="1800">
-                <a:latin typeface="맑은 고딕" charset="0"/>
-                <a:ea typeface="맑은 고딕" charset="0"/>
-              </a:rPr>
-              <a:t>그러고 </a:t>
-            </a:r>
-            <a:r>
-              <a:rPr lang="ko-KR" sz="1800">
-                <a:latin typeface="맑은 고딕" charset="0"/>
-                <a:ea typeface="맑은 고딕" charset="0"/>
-              </a:rPr>
-              <a:t>나서</a:t>
-            </a:r>
-            <a:r>
-              <a:rPr lang="ko-KR" sz="1800">
-                <a:latin typeface="맑은 고딕" charset="0"/>
-                <a:ea typeface="맑은 고딕" charset="0"/>
-              </a:rPr>
-              <a:t> </a:t>
-            </a:r>
-            <a:r>
-              <a:rPr lang="ko-KR" sz="1800">
-                <a:latin typeface="맑은 고딕" charset="0"/>
-                <a:ea typeface="맑은 고딕" charset="0"/>
-              </a:rPr>
-              <a:t>S</a:t>
-            </a:r>
-            <a:r>
-              <a:rPr lang="ko-KR" sz="1800">
-                <a:latin typeface="맑은 고딕" charset="0"/>
-                <a:ea typeface="맑은 고딕" charset="0"/>
-              </a:rPr>
-              <a:t>un 오브젝트에 </a:t>
-            </a:r>
-            <a:r>
-              <a:rPr lang="ko-KR" sz="1800">
-                <a:latin typeface="맑은 고딕" charset="0"/>
-                <a:ea typeface="맑은 고딕" charset="0"/>
-              </a:rPr>
-              <a:t>v</a:t>
-            </a:r>
-            <a:r>
-              <a:rPr lang="ko-KR" sz="1800">
-                <a:latin typeface="맑은 고딕" charset="0"/>
-                <a:ea typeface="맑은 고딕" charset="0"/>
-              </a:rPr>
-              <a:t>iew 스크립트를 추가합니다.</a:t>
-            </a:r>
-            <a:endParaRPr lang="ko-KR" altLang="en-US" sz="1800">
-              <a:latin typeface="맑은 고딕" charset="0"/>
-              <a:ea typeface="맑은 고딕" charset="0"/>
             </a:endParaRPr>
           </a:p>
         </p:txBody>
@@ -8983,9 +10088,9 @@
           <p:nvPr/>
         </p:nvSpPr>
         <p:spPr>
-          <a:xfrm rot="0">
-            <a:off x="6808470" y="5583555"/>
-            <a:ext cx="4139565" cy="677545"/>
+          <a:xfrm>
+            <a:off x="6814820" y="5310505"/>
+            <a:ext cx="4140200" cy="954405"/>
           </a:xfrm>
           <a:prstGeom prst="rect"/>
           <a:noFill/>
@@ -9012,7 +10117,7 @@
                 <a:latin typeface="맑은 고딕" charset="0"/>
                 <a:ea typeface="맑은 고딕" charset="0"/>
               </a:rPr>
-              <a:t>1</a:t>
+              <a:t>2</a:t>
             </a:r>
             <a:r>
               <a:rPr lang="ko-KR" sz="2000" b="1">
@@ -9022,7 +10127,7 @@
                 <a:latin typeface="맑은 고딕" charset="0"/>
                 <a:ea typeface="맑은 고딕" charset="0"/>
               </a:rPr>
-              <a:t>8</a:t>
+              <a:t>0</a:t>
             </a:r>
             <a:r>
               <a:rPr sz="2000" b="1">
@@ -9046,105 +10151,14 @@
                 <a:latin typeface="맑은 고딕" charset="0"/>
                 <a:ea typeface="맑은 고딕" charset="0"/>
               </a:rPr>
-              <a:t>그런 </a:t>
-            </a:r>
-            <a:r>
-              <a:rPr lang="ko-KR" sz="1800">
-                <a:latin typeface="맑은 고딕" charset="0"/>
-                <a:ea typeface="맑은 고딕" charset="0"/>
-              </a:rPr>
-              <a:t>다음</a:t>
-            </a:r>
-            <a:r>
-              <a:rPr lang="ko-KR" sz="1800">
-                <a:latin typeface="맑은 고딕" charset="0"/>
-                <a:ea typeface="맑은 고딕" charset="0"/>
-              </a:rPr>
-              <a:t> O</a:t>
-            </a:r>
-            <a:r>
-              <a:rPr lang="ko-KR" sz="1800">
-                <a:latin typeface="맑은 고딕" charset="0"/>
-                <a:ea typeface="맑은 고딕" charset="0"/>
-              </a:rPr>
-              <a:t>nBecameVis</a:t>
-            </a:r>
-            <a:r>
-              <a:rPr lang="ko-KR" sz="1800">
-                <a:latin typeface="맑은 고딕" charset="0"/>
-                <a:ea typeface="맑은 고딕" charset="0"/>
-              </a:rPr>
-              <a:t>i</a:t>
-            </a:r>
-            <a:r>
-              <a:rPr lang="ko-KR" sz="1800">
-                <a:latin typeface="맑은 고딕" charset="0"/>
-                <a:ea typeface="맑은 고딕" charset="0"/>
-              </a:rPr>
-              <a:t>ble(</a:t>
-            </a:r>
-            <a:r>
-              <a:rPr lang="ko-KR" sz="1800">
-                <a:latin typeface="맑은 고딕" charset="0"/>
-                <a:ea typeface="맑은 고딕" charset="0"/>
-              </a:rPr>
-              <a:t> </a:t>
-            </a:r>
-            <a:r>
-              <a:rPr lang="ko-KR" sz="1800">
-                <a:latin typeface="맑은 고딕" charset="0"/>
-                <a:ea typeface="맑은 고딕" charset="0"/>
-              </a:rPr>
-              <a:t>)</a:t>
-            </a:r>
-            <a:r>
-              <a:rPr lang="ko-KR" sz="1800">
-                <a:latin typeface="맑은 고딕" charset="0"/>
-                <a:ea typeface="맑은 고딕" charset="0"/>
-              </a:rPr>
-              <a:t> 함수를 </a:t>
-            </a:r>
-            <a:r>
-              <a:rPr lang="ko-KR" sz="1800">
-                <a:latin typeface="맑은 고딕" charset="0"/>
-                <a:ea typeface="맑은 고딕" charset="0"/>
-              </a:rPr>
-              <a:t>선언</a:t>
-            </a:r>
-            <a:r>
-              <a:rPr lang="ko-KR" sz="1800">
-                <a:latin typeface="맑은 고딕" charset="0"/>
-                <a:ea typeface="맑은 고딕" charset="0"/>
-              </a:rPr>
-              <a:t>하고</a:t>
-            </a:r>
-            <a:r>
-              <a:rPr lang="ko-KR" sz="1800">
-                <a:latin typeface="맑은 고딕" charset="0"/>
-                <a:ea typeface="맑은 고딕" charset="0"/>
-              </a:rPr>
-              <a:t> 코루틴</a:t>
-            </a:r>
-            <a:r>
-              <a:rPr lang="ko-KR" sz="1800">
-                <a:latin typeface="맑은 고딕" charset="0"/>
-                <a:ea typeface="맑은 고딕" charset="0"/>
-              </a:rPr>
-              <a:t>을</a:t>
-            </a:r>
-            <a:r>
-              <a:rPr lang="ko-KR" sz="1800">
-                <a:latin typeface="맑은 고딕" charset="0"/>
-                <a:ea typeface="맑은 고딕" charset="0"/>
-              </a:rPr>
-              <a:t> </a:t>
-            </a:r>
-            <a:r>
-              <a:rPr lang="ko-KR" sz="1800">
-                <a:latin typeface="맑은 고딕" charset="0"/>
-                <a:ea typeface="맑은 고딕" charset="0"/>
-              </a:rPr>
-              <a:t>호출합니다.</a:t>
+              <a:t>이제</a:t>
+            </a:r>
+            <a:r>
+              <a:rPr lang="ko-KR" sz="1800">
+                <a:latin typeface="맑은 고딕" charset="0"/>
+                <a:ea typeface="맑은 고딕" charset="0"/>
+              </a:rPr>
+              <a:t> Project 폴더 아래에 있는 Texture 폴더에 Galaxy 텍스처를 월드 공간에 배치합니다.</a:t>
             </a:r>
             <a:endParaRPr lang="ko-KR" altLang="en-US" sz="1800">
               <a:latin typeface="맑은 고딕" charset="0"/>
@@ -9153,9 +10167,111 @@
           </a:p>
         </p:txBody>
       </p:sp>
+      <p:sp>
+        <p:nvSpPr>
+          <p:cNvPr id="33" name="Rect 0"/>
+          <p:cNvSpPr txBox="1">
+            <a:spLocks/>
+          </p:cNvSpPr>
+          <p:nvPr/>
+        </p:nvSpPr>
+        <p:spPr>
+          <a:xfrm>
+            <a:off x="1236345" y="5314950"/>
+            <a:ext cx="4139565" cy="954405"/>
+          </a:xfrm>
+          <a:prstGeom prst="rect"/>
+          <a:noFill/>
+          <a:ln w="0">
+            <a:noFill/>
+            <a:prstDash/>
+          </a:ln>
+        </p:spPr>
+        <p:txBody>
+          <a:bodyPr wrap="square" lIns="89535" tIns="46355" rIns="89535" bIns="46355" numCol="1" vert="horz" anchor="t">
+            <a:spAutoFit/>
+          </a:bodyPr>
+          <a:lstStyle/>
+          <a:p>
+            <a:pPr marL="0" indent="0" rtl="0" algn="l" defTabSz="914400" eaLnBrk="1" latinLnBrk="0" hangingPunct="1">
+              <a:buFontTx/>
+              <a:buNone/>
+            </a:pPr>
+            <a:r>
+              <a:rPr lang="ko-KR" sz="2000" b="1">
+                <a:solidFill>
+                  <a:srgbClr val="0611F2"/>
+                </a:solidFill>
+                <a:latin typeface="맑은 고딕" charset="0"/>
+                <a:ea typeface="맑은 고딕" charset="0"/>
+              </a:rPr>
+              <a:t>1</a:t>
+            </a:r>
+            <a:r>
+              <a:rPr lang="ko-KR" sz="2000" b="1">
+                <a:solidFill>
+                  <a:srgbClr val="0611F2"/>
+                </a:solidFill>
+                <a:latin typeface="맑은 고딕" charset="0"/>
+                <a:ea typeface="맑은 고딕" charset="0"/>
+              </a:rPr>
+              <a:t>9</a:t>
+            </a:r>
+            <a:r>
+              <a:rPr sz="2000" b="1">
+                <a:solidFill>
+                  <a:srgbClr val="0611F2"/>
+                </a:solidFill>
+                <a:latin typeface="맑은 고딕" charset="0"/>
+                <a:ea typeface="맑은 고딕" charset="0"/>
+              </a:rPr>
+              <a:t>.</a:t>
+            </a:r>
+            <a:r>
+              <a:rPr sz="2000">
+                <a:latin typeface="맑은 고딕" charset="0"/>
+                <a:ea typeface="맑은 고딕" charset="0"/>
+              </a:rPr>
+              <a:t> </a:t>
+            </a:r>
+            <a:r>
+              <a:rPr lang="ko-KR" sz="1800">
+                <a:latin typeface="맑은 고딕" charset="0"/>
+                <a:ea typeface="맑은 고딕" charset="0"/>
+              </a:rPr>
+              <a:t>그</a:t>
+            </a:r>
+            <a:r>
+              <a:rPr lang="ko-KR" sz="1800">
+                <a:latin typeface="맑은 고딕" charset="0"/>
+                <a:ea typeface="맑은 고딕" charset="0"/>
+              </a:rPr>
+              <a:t>러고 </a:t>
+            </a:r>
+            <a:r>
+              <a:rPr lang="ko-KR" sz="1800">
+                <a:latin typeface="맑은 고딕" charset="0"/>
+                <a:ea typeface="맑은 고딕" charset="0"/>
+              </a:rPr>
+              <a:t>나서</a:t>
+            </a:r>
+            <a:r>
+              <a:rPr lang="ko-KR" sz="1800">
+                <a:latin typeface="맑은 고딕" charset="0"/>
+                <a:ea typeface="맑은 고딕" charset="0"/>
+              </a:rPr>
+              <a:t> Project 폴더 아래에 있는 Texture 폴더에 Sun 텍스처를 Sun 오브젝트에 넣어줍니다.</a:t>
+            </a:r>
+            <a:endParaRPr lang="ko-KR" altLang="en-US" sz="1800">
+              <a:latin typeface="맑은 고딕" charset="0"/>
+              <a:ea typeface="맑은 고딕" charset="0"/>
+            </a:endParaRPr>
+          </a:p>
+        </p:txBody>
+      </p:sp>
       <p:pic>
         <p:nvPicPr>
-          <p:cNvPr id="32" name="그림 17" descr="C:/Users/nwond/AppData/Roaming/PolarisOffice/ETemp/1008_10623648/fImage40651829169.png"/>
+          <p:cNvPr id="34" name="Picture "/>
           <p:cNvPicPr>
             <a:picLocks noChangeAspect="1"/>
           </p:cNvPicPr>
@@ -9175,8 +10291,8 @@
         </p:blipFill>
         <p:spPr>
           <a:xfrm rot="0">
-            <a:off x="1235075" y="1452245"/>
-            <a:ext cx="4133850" cy="1614170"/>
+            <a:off x="6814820" y="1415415"/>
+            <a:ext cx="4126865" cy="2637790"/>
           </a:xfrm>
           <a:prstGeom prst="roundRect"/>
           <a:solidFill>
@@ -9184,128 +10300,19 @@
           </a:solidFill>
         </p:spPr>
       </p:pic>
-      <p:sp>
-        <p:nvSpPr>
-          <p:cNvPr id="33" name="텍스트 상자 20"/>
-          <p:cNvSpPr txBox="1">
-            <a:spLocks/>
-          </p:cNvSpPr>
-          <p:nvPr/>
-        </p:nvSpPr>
-        <p:spPr>
-          <a:xfrm rot="0">
-            <a:off x="1235075" y="5308600"/>
-            <a:ext cx="4133850" cy="954405"/>
-          </a:xfrm>
-          <a:prstGeom prst="rect"/>
-          <a:noFill/>
-          <a:ln w="0">
-            <a:noFill/>
-            <a:prstDash/>
-          </a:ln>
-        </p:spPr>
-        <p:txBody>
-          <a:bodyPr wrap="square" lIns="89535" tIns="46355" rIns="89535" bIns="46355" numCol="1" vert="horz" anchor="t">
-            <a:spAutoFit/>
-          </a:bodyPr>
-          <a:lstStyle/>
-          <a:p>
-            <a:pPr marL="0" indent="0" rtl="0" algn="l" defTabSz="914400" eaLnBrk="1" latinLnBrk="0" hangingPunct="1">
-              <a:buFontTx/>
-              <a:buNone/>
-            </a:pPr>
-            <a:r>
-              <a:rPr lang="ko-KR" sz="2000" b="1">
-                <a:solidFill>
-                  <a:srgbClr val="0611F2"/>
-                </a:solidFill>
-                <a:latin typeface="맑은 고딕" charset="0"/>
-                <a:ea typeface="맑은 고딕" charset="0"/>
-              </a:rPr>
-              <a:t>1</a:t>
-            </a:r>
-            <a:r>
-              <a:rPr lang="ko-KR" sz="2000" b="1">
-                <a:solidFill>
-                  <a:srgbClr val="0611F2"/>
-                </a:solidFill>
-                <a:latin typeface="맑은 고딕" charset="0"/>
-                <a:ea typeface="맑은 고딕" charset="0"/>
-              </a:rPr>
-              <a:t>6</a:t>
-            </a:r>
-            <a:r>
-              <a:rPr sz="2000" b="1">
-                <a:solidFill>
-                  <a:srgbClr val="0611F2"/>
-                </a:solidFill>
-                <a:latin typeface="맑은 고딕" charset="0"/>
-                <a:ea typeface="맑은 고딕" charset="0"/>
-              </a:rPr>
-              <a:t>.</a:t>
-            </a:r>
-            <a:r>
-              <a:rPr sz="2000">
-                <a:latin typeface="맑은 고딕" charset="0"/>
-                <a:ea typeface="맑은 고딕" charset="0"/>
-              </a:rPr>
-              <a:t> </a:t>
-            </a:r>
-            <a:r>
-              <a:rPr lang="ko-KR" sz="1800">
-                <a:latin typeface="맑은 고딕" charset="0"/>
-                <a:ea typeface="맑은 고딕" charset="0"/>
-              </a:rPr>
-              <a:t>이제 </a:t>
-            </a:r>
-            <a:r>
-              <a:rPr lang="ko-KR" sz="1800">
-                <a:latin typeface="맑은 고딕" charset="0"/>
-                <a:ea typeface="맑은 고딕" charset="0"/>
-              </a:rPr>
-              <a:t>V</a:t>
-            </a:r>
-            <a:r>
-              <a:rPr lang="ko-KR" sz="1800">
-                <a:latin typeface="맑은 고딕" charset="0"/>
-                <a:ea typeface="맑은 고딕" charset="0"/>
-              </a:rPr>
-              <a:t>i</a:t>
-            </a:r>
-            <a:r>
-              <a:rPr lang="ko-KR" sz="1800">
-                <a:latin typeface="맑은 고딕" charset="0"/>
-                <a:ea typeface="맑은 고딕" charset="0"/>
-              </a:rPr>
-              <a:t>ew 스크립트에서 float 변수와 GameObject 변수를 선</a:t>
-            </a:r>
-            <a:r>
-              <a:rPr lang="ko-KR" sz="1800">
-                <a:latin typeface="맑은 고딕" charset="0"/>
-                <a:ea typeface="맑은 고딕" charset="0"/>
-              </a:rPr>
-              <a:t>언합니다.</a:t>
-            </a:r>
-            <a:endParaRPr lang="ko-KR" altLang="en-US" sz="1800">
-              <a:latin typeface="맑은 고딕" charset="0"/>
-              <a:ea typeface="맑은 고딕" charset="0"/>
-            </a:endParaRPr>
-          </a:p>
-        </p:txBody>
-      </p:sp>
       <p:pic>
         <p:nvPicPr>
-          <p:cNvPr id="37" name="그림 28" descr="C:/Users/nwond/AppData/Roaming/PolarisOffice/ETemp/1008_10623648/fImage481401955724.png"/>
+          <p:cNvPr id="35" name="Picture " descr="C:/Users/nwond/AppData/Roaming/PolarisOffice/ETemp/9328_9484992/fImage276221934464.png"/>
           <p:cNvPicPr>
             <a:picLocks noChangeAspect="1"/>
           </p:cNvPicPr>
           <p:nvPr/>
         </p:nvPicPr>
         <p:blipFill rotWithShape="1">
-          <a:blip r:embed="rId3" cstate="print">
+          <a:blip r:embed="rId3" cstate="hqprint">
             <a:extLst>
               <a:ext uri="{28A0092B-C50C-407E-A947-70E740481C1C}">
-                <a14:useLocalDpi xmlns:a14="http://schemas.microsoft.com/office/drawing/2010/main" val="0"/>
+                <a14:useLocalDpi xmlns:a14="http://schemas.microsoft.com/office/drawing/2010/main"/>
               </a:ext>
             </a:extLst>
           </a:blip>
@@ -9315,8 +10322,8 @@
         </p:blipFill>
         <p:spPr>
           <a:xfrm rot="0">
-            <a:off x="1235075" y="3897630"/>
-            <a:ext cx="4133850" cy="1346835"/>
+            <a:off x="6814820" y="4220845"/>
+            <a:ext cx="4121150" cy="1037590"/>
           </a:xfrm>
           <a:prstGeom prst="roundRect"/>
           <a:solidFill>
@@ -9324,232 +10331,19 @@
           </a:solidFill>
         </p:spPr>
       </p:pic>
-      <p:sp>
-        <p:nvSpPr>
-          <p:cNvPr id="40" name="텍스트 상자 35"/>
-          <p:cNvSpPr txBox="1">
-            <a:spLocks/>
-          </p:cNvSpPr>
-          <p:nvPr/>
-        </p:nvSpPr>
-        <p:spPr>
-          <a:xfrm rot="0">
-            <a:off x="6801485" y="2926715"/>
-            <a:ext cx="4146550" cy="1508125"/>
-          </a:xfrm>
-          <a:prstGeom prst="rect"/>
-          <a:noFill/>
-          <a:ln w="0">
-            <a:noFill/>
-            <a:prstDash/>
-          </a:ln>
-        </p:spPr>
-        <p:txBody>
-          <a:bodyPr wrap="square" lIns="89535" tIns="46355" rIns="89535" bIns="46355" numCol="1" vert="horz" anchor="t">
-            <a:spAutoFit/>
-          </a:bodyPr>
-          <a:lstStyle/>
-          <a:p>
-            <a:pPr marL="0" indent="0" rtl="0" algn="l" defTabSz="914400" eaLnBrk="1" latinLnBrk="0" hangingPunct="1">
-              <a:buFontTx/>
-              <a:buNone/>
-            </a:pPr>
-            <a:r>
-              <a:rPr lang="ko-KR" sz="2000" b="1">
-                <a:solidFill>
-                  <a:srgbClr val="0611F2"/>
-                </a:solidFill>
-                <a:latin typeface="맑은 고딕" charset="0"/>
-                <a:ea typeface="맑은 고딕" charset="0"/>
-              </a:rPr>
-              <a:t>1</a:t>
-            </a:r>
-            <a:r>
-              <a:rPr lang="ko-KR" sz="2000" b="1">
-                <a:solidFill>
-                  <a:srgbClr val="0611F2"/>
-                </a:solidFill>
-                <a:latin typeface="맑은 고딕" charset="0"/>
-                <a:ea typeface="맑은 고딕" charset="0"/>
-              </a:rPr>
-              <a:t>7</a:t>
-            </a:r>
-            <a:r>
-              <a:rPr sz="2000" b="1">
-                <a:solidFill>
-                  <a:srgbClr val="0611F2"/>
-                </a:solidFill>
-                <a:latin typeface="맑은 고딕" charset="0"/>
-                <a:ea typeface="맑은 고딕" charset="0"/>
-              </a:rPr>
-              <a:t>.</a:t>
-            </a:r>
-            <a:r>
-              <a:rPr sz="2000">
-                <a:latin typeface="맑은 고딕" charset="0"/>
-                <a:ea typeface="맑은 고딕" charset="0"/>
-              </a:rPr>
-              <a:t> </a:t>
-            </a:r>
-            <a:r>
-              <a:rPr lang="ko-KR" sz="1800">
-                <a:latin typeface="맑은 고딕" charset="0"/>
-                <a:ea typeface="맑은 고딕" charset="0"/>
-              </a:rPr>
-              <a:t>그리고 I</a:t>
-            </a:r>
-            <a:r>
-              <a:rPr lang="ko-KR" sz="1800">
-                <a:latin typeface="맑은 고딕" charset="0"/>
-                <a:ea typeface="맑은 고딕" charset="0"/>
-              </a:rPr>
-              <a:t>Enumerator</a:t>
-            </a:r>
-            <a:r>
-              <a:rPr lang="ko-KR" sz="1800">
-                <a:latin typeface="맑은 고딕" charset="0"/>
-                <a:ea typeface="맑은 고딕" charset="0"/>
-              </a:rPr>
-              <a:t>로 </a:t>
-            </a:r>
-            <a:r>
-              <a:rPr lang="ko-KR" sz="1800">
-                <a:latin typeface="맑은 고딕" charset="0"/>
-                <a:ea typeface="맑은 고딕" charset="0"/>
-              </a:rPr>
-              <a:t>LookCorout</a:t>
-            </a:r>
-            <a:r>
-              <a:rPr lang="ko-KR" sz="1800">
-                <a:latin typeface="맑은 고딕" charset="0"/>
-                <a:ea typeface="맑은 고딕" charset="0"/>
-              </a:rPr>
-              <a:t>i</a:t>
-            </a:r>
-            <a:r>
-              <a:rPr lang="ko-KR" sz="1800">
-                <a:latin typeface="맑은 고딕" charset="0"/>
-                <a:ea typeface="맑은 고딕" charset="0"/>
-              </a:rPr>
-              <a:t>ne(</a:t>
-            </a:r>
-            <a:r>
-              <a:rPr lang="ko-KR" sz="1800">
-                <a:latin typeface="맑은 고딕" charset="0"/>
-                <a:ea typeface="맑은 고딕" charset="0"/>
-              </a:rPr>
-              <a:t> </a:t>
-            </a:r>
-            <a:r>
-              <a:rPr lang="ko-KR" sz="1800">
-                <a:latin typeface="맑은 고딕" charset="0"/>
-                <a:ea typeface="맑은 고딕" charset="0"/>
-              </a:rPr>
-              <a:t>)</a:t>
-            </a:r>
-            <a:r>
-              <a:rPr lang="ko-KR" sz="1800">
-                <a:latin typeface="맑은 고딕" charset="0"/>
-                <a:ea typeface="맑은 고딕" charset="0"/>
-              </a:rPr>
-              <a:t> 함수를 </a:t>
-            </a:r>
-            <a:r>
-              <a:rPr lang="ko-KR" sz="1800">
-                <a:latin typeface="맑은 고딕" charset="0"/>
-                <a:ea typeface="맑은 고딕" charset="0"/>
-              </a:rPr>
-              <a:t>선언</a:t>
-            </a:r>
-            <a:r>
-              <a:rPr lang="ko-KR" sz="1800">
-                <a:latin typeface="맑은 고딕" charset="0"/>
-                <a:ea typeface="맑은 고딕" charset="0"/>
-              </a:rPr>
-              <a:t>합니다.</a:t>
-            </a:r>
-            <a:endParaRPr lang="ko-KR" altLang="en-US" sz="1800">
-              <a:latin typeface="맑은 고딕" charset="0"/>
-              <a:ea typeface="맑은 고딕" charset="0"/>
-            </a:endParaRPr>
-          </a:p>
-          <a:p>
-            <a:pPr marL="0" indent="0" rtl="0" algn="l" defTabSz="914400" eaLnBrk="1" latinLnBrk="0" hangingPunct="1">
-              <a:buFontTx/>
-              <a:buNone/>
-            </a:pPr>
-            <a:endParaRPr lang="ko-KR" altLang="en-US" sz="1800">
-              <a:latin typeface="맑은 고딕" charset="0"/>
-              <a:ea typeface="맑은 고딕" charset="0"/>
-            </a:endParaRPr>
-          </a:p>
-          <a:p>
-            <a:pPr marL="0" indent="0" rtl="0" algn="l" defTabSz="914400" eaLnBrk="1" latinLnBrk="0" hangingPunct="1">
-              <a:buFontTx/>
-              <a:buNone/>
-            </a:pPr>
-            <a:r>
-              <a:rPr lang="ko-KR" sz="1800">
-                <a:latin typeface="맑은 고딕" charset="0"/>
-                <a:ea typeface="맑은 고딕" charset="0"/>
-              </a:rPr>
-              <a:t>그런 </a:t>
-            </a:r>
-            <a:r>
-              <a:rPr lang="ko-KR" sz="1800">
-                <a:latin typeface="맑은 고딕" charset="0"/>
-                <a:ea typeface="맑은 고딕" charset="0"/>
-              </a:rPr>
-              <a:t>다음 </a:t>
-            </a:r>
-            <a:r>
-              <a:rPr lang="ko-KR" sz="1800">
-                <a:latin typeface="맑은 고딕" charset="0"/>
-                <a:ea typeface="맑은 고딕" charset="0"/>
-              </a:rPr>
-              <a:t>일정한</a:t>
-            </a:r>
-            <a:r>
-              <a:rPr lang="ko-KR" sz="1800">
-                <a:latin typeface="맑은 고딕" charset="0"/>
-                <a:ea typeface="맑은 고딕" charset="0"/>
-              </a:rPr>
-              <a:t> 시간마다 </a:t>
-            </a:r>
-            <a:r>
-              <a:rPr lang="ko-KR" sz="1800">
-                <a:latin typeface="맑은 고딕" charset="0"/>
-                <a:ea typeface="맑은 고딕" charset="0"/>
-              </a:rPr>
-              <a:t>지정한 </a:t>
-            </a:r>
-            <a:r>
-              <a:rPr lang="ko-KR" sz="1800">
-                <a:latin typeface="맑은 고딕" charset="0"/>
-                <a:ea typeface="맑은 고딕" charset="0"/>
-              </a:rPr>
-              <a:t>오브젝트를 바라보도록 설정합니다.</a:t>
-            </a:r>
-            <a:endParaRPr lang="ko-KR" altLang="en-US" sz="1800">
-              <a:latin typeface="맑은 고딕" charset="0"/>
-              <a:ea typeface="맑은 고딕" charset="0"/>
-            </a:endParaRPr>
-          </a:p>
-        </p:txBody>
-      </p:sp>
       <p:pic>
         <p:nvPicPr>
-          <p:cNvPr id="41" name="그림 38" descr="C:/Users/nwond/AppData/Roaming/PolarisOffice/ETemp/1008_10623648/fImage278171991478.png"/>
+          <p:cNvPr id="36" name="Picture "/>
           <p:cNvPicPr>
             <a:picLocks noChangeAspect="1"/>
           </p:cNvPicPr>
           <p:nvPr/>
         </p:nvPicPr>
         <p:blipFill rotWithShape="1">
-          <a:blip r:embed="rId4" cstate="print">
+          <a:blip r:embed="rId4" cstate="hqprint">
             <a:extLst>
               <a:ext uri="{28A0092B-C50C-407E-A947-70E740481C1C}">
-                <a14:useLocalDpi xmlns:a14="http://schemas.microsoft.com/office/drawing/2010/main" val="0"/>
+                <a14:useLocalDpi xmlns:a14="http://schemas.microsoft.com/office/drawing/2010/main"/>
               </a:ext>
             </a:extLst>
           </a:blip>
@@ -9558,19 +10352,17 @@
           </a:stretch>
         </p:blipFill>
         <p:spPr>
-          <a:xfrm rot="0">
-            <a:off x="6807835" y="4542155"/>
-            <a:ext cx="4140200" cy="975995"/>
-          </a:xfrm>
-          <a:prstGeom prst="roundRect"/>
-          <a:solidFill>
-            <a:srgbClr val="EDEDED"/>
-          </a:solidFill>
+          <a:xfrm rot="16200000">
+            <a:off x="8475980" y="3769360"/>
+            <a:ext cx="809625" cy="671195"/>
+          </a:xfrm>
+          <a:prstGeom prst="rect"/>
+          <a:noFill/>
         </p:spPr>
       </p:pic>
       <p:pic>
         <p:nvPicPr>
-          <p:cNvPr id="42" name="그림 44" descr="C:/Users/nwond/AppData/Roaming/PolarisOffice/ETemp/1008_10623648/fImage716452019358.png"/>
+          <p:cNvPr id="38" name="그림 57"/>
           <p:cNvPicPr>
             <a:picLocks noChangeAspect="1"/>
           </p:cNvPicPr>
@@ -9590,8 +10382,237 @@
         </p:blipFill>
         <p:spPr>
           <a:xfrm rot="0">
-            <a:off x="6851650" y="1446530"/>
-            <a:ext cx="4102735" cy="1416050"/>
+            <a:off x="1235075" y="4161155"/>
+            <a:ext cx="1210945" cy="1102995"/>
+          </a:xfrm>
+          <a:prstGeom prst="roundRect"/>
+          <a:solidFill>
+            <a:srgbClr val="EDEDED"/>
+          </a:solidFill>
+        </p:spPr>
+      </p:pic>
+      <p:pic>
+        <p:nvPicPr>
+          <p:cNvPr id="40" name="그림 64"/>
+          <p:cNvPicPr>
+            <a:picLocks noChangeAspect="1"/>
+          </p:cNvPicPr>
+          <p:nvPr/>
+        </p:nvPicPr>
+        <p:blipFill rotWithShape="1">
+          <a:blip r:embed="rId6" cstate="print">
+            <a:extLst>
+              <a:ext uri="{28A0092B-C50C-407E-A947-70E740481C1C}">
+                <a14:useLocalDpi xmlns:a14="http://schemas.microsoft.com/office/drawing/2010/main" val="0"/>
+              </a:ext>
+            </a:extLst>
+          </a:blip>
+          <a:stretch>
+            <a:fillRect/>
+          </a:stretch>
+        </p:blipFill>
+        <p:spPr>
+          <a:xfrm rot="0">
+            <a:off x="2559050" y="4164330"/>
+            <a:ext cx="2809875" cy="1093470"/>
+          </a:xfrm>
+          <a:prstGeom prst="roundRect"/>
+          <a:solidFill>
+            <a:srgbClr val="EDEDED"/>
+          </a:solidFill>
+        </p:spPr>
+      </p:pic>
+      <p:pic>
+        <p:nvPicPr>
+          <p:cNvPr id="39" name="그림 60"/>
+          <p:cNvPicPr>
+            <a:picLocks noChangeAspect="1"/>
+          </p:cNvPicPr>
+          <p:nvPr/>
+        </p:nvPicPr>
+        <p:blipFill rotWithShape="1">
+          <a:blip r:embed="rId7" cstate="hqprint">
+            <a:extLst>
+              <a:ext uri="{28A0092B-C50C-407E-A947-70E740481C1C}">
+                <a14:useLocalDpi xmlns:a14="http://schemas.microsoft.com/office/drawing/2010/main"/>
+              </a:ext>
+            </a:extLst>
+          </a:blip>
+          <a:stretch>
+            <a:fillRect/>
+          </a:stretch>
+        </p:blipFill>
+        <p:spPr>
+          <a:xfrm rot="10800000">
+            <a:off x="2076450" y="4500245"/>
+            <a:ext cx="829310" cy="424180"/>
+          </a:xfrm>
+          <a:prstGeom prst="rect"/>
+          <a:noFill/>
+        </p:spPr>
+      </p:pic>
+      <p:sp>
+        <p:nvSpPr>
+          <p:cNvPr id="43" name="텍스트 상자 78"/>
+          <p:cNvSpPr txBox="1">
+            <a:spLocks/>
+          </p:cNvSpPr>
+          <p:nvPr/>
+        </p:nvSpPr>
+        <p:spPr>
+          <a:xfrm rot="0">
+            <a:off x="1234440" y="2946400"/>
+            <a:ext cx="4140835" cy="1108075"/>
+          </a:xfrm>
+          <a:prstGeom prst="rect"/>
+          <a:noFill/>
+        </p:spPr>
+        <p:txBody>
+          <a:bodyPr wrap="square" lIns="0" tIns="0" rIns="0" bIns="0" vert="horz" anchor="t">
+            <a:noAutofit/>
+          </a:bodyPr>
+          <a:lstStyle/>
+          <a:p>
+            <a:pPr marL="0" indent="0" rtl="0" algn="l" defTabSz="914400" eaLnBrk="1" latinLnBrk="0" hangingPunct="1">
+              <a:buFontTx/>
+              <a:buNone/>
+            </a:pPr>
+            <a:r>
+              <a:rPr sz="1800">
+                <a:latin typeface="맑은 고딕" charset="0"/>
+                <a:ea typeface="맑은 고딕" charset="0"/>
+              </a:rPr>
+              <a:t>월드 </a:t>
+            </a:r>
+            <a:r>
+              <a:rPr sz="1800">
+                <a:latin typeface="맑은 고딕" charset="0"/>
+                <a:ea typeface="맑은 고딕" charset="0"/>
+              </a:rPr>
+              <a:t>공간에</a:t>
+            </a:r>
+            <a:r>
+              <a:rPr lang="ko-KR" sz="1800">
+                <a:latin typeface="맑은 고딕" charset="0"/>
+                <a:ea typeface="맑은 고딕" charset="0"/>
+              </a:rPr>
+              <a:t>서 </a:t>
+            </a:r>
+            <a:r>
+              <a:rPr sz="1800">
+                <a:latin typeface="맑은 고딕" charset="0"/>
+                <a:ea typeface="맑은 고딕" charset="0"/>
+              </a:rPr>
+              <a:t>오일러 각을 이용하여 회전을</a:t>
+            </a:r>
+            <a:r>
+              <a:rPr sz="1800">
+                <a:latin typeface="맑은 고딕" charset="0"/>
+                <a:ea typeface="맑은 고딕" charset="0"/>
+              </a:rPr>
+              <a:t> </a:t>
+            </a:r>
+            <a:r>
+              <a:rPr lang="ko-KR" sz="1800">
+                <a:latin typeface="맑은 고딕" charset="0"/>
+                <a:ea typeface="맑은 고딕" charset="0"/>
+              </a:rPr>
+              <a:t>조작할 </a:t>
+            </a:r>
+            <a:r>
+              <a:rPr lang="ko-KR" sz="1800">
+                <a:latin typeface="맑은 고딕" charset="0"/>
+                <a:ea typeface="맑은 고딕" charset="0"/>
+              </a:rPr>
+              <a:t>수 있</a:t>
+            </a:r>
+            <a:r>
+              <a:rPr lang="ko-KR" sz="1800">
+                <a:latin typeface="맑은 고딕" charset="0"/>
+                <a:ea typeface="맑은 고딕" charset="0"/>
+              </a:rPr>
+              <a:t>으</a:t>
+            </a:r>
+            <a:r>
+              <a:rPr lang="ko-KR" sz="1800">
+                <a:latin typeface="맑은 고딕" charset="0"/>
+                <a:ea typeface="맑은 고딕" charset="0"/>
+              </a:rPr>
+              <a:t>며,</a:t>
+            </a:r>
+            <a:r>
+              <a:rPr sz="1800">
+                <a:latin typeface="맑은 고딕" charset="0"/>
+                <a:ea typeface="맑은 고딕" charset="0"/>
+              </a:rPr>
+              <a:t> </a:t>
+            </a:r>
+            <a:r>
+              <a:rPr sz="1800">
+                <a:latin typeface="맑은 고딕" charset="0"/>
+                <a:ea typeface="맑은 고딕" charset="0"/>
+              </a:rPr>
+              <a:t>오일러 각으로 회</a:t>
+            </a:r>
+            <a:r>
+              <a:rPr sz="1800">
+                <a:latin typeface="맑은 고딕" charset="0"/>
+                <a:ea typeface="맑은 고딕" charset="0"/>
+              </a:rPr>
+              <a:t>전을 </a:t>
+            </a:r>
+            <a:r>
+              <a:rPr lang="ko-KR" sz="1800">
+                <a:latin typeface="맑은 고딕" charset="0"/>
+                <a:ea typeface="맑은 고딕" charset="0"/>
+              </a:rPr>
+              <a:t>하였을 </a:t>
+            </a:r>
+            <a:r>
+              <a:rPr lang="ko-KR" sz="1800">
+                <a:latin typeface="맑은 고딕" charset="0"/>
+                <a:ea typeface="맑은 고딕" charset="0"/>
+              </a:rPr>
+              <a:t>때</a:t>
+            </a:r>
+            <a:r>
+              <a:rPr sz="1800">
+                <a:latin typeface="맑은 고딕" charset="0"/>
+                <a:ea typeface="맑은 고딕" charset="0"/>
+              </a:rPr>
+              <a:t> 짐벌락 현상이 발생할 수 있습니다.</a:t>
+            </a:r>
+            <a:endParaRPr lang="ko-KR" altLang="en-US" sz="1800">
+              <a:latin typeface="맑은 고딕" charset="0"/>
+              <a:ea typeface="맑은 고딕" charset="0"/>
+            </a:endParaRPr>
+          </a:p>
+        </p:txBody>
+      </p:sp>
+      <p:pic>
+        <p:nvPicPr>
+          <p:cNvPr id="44" name="그림 82"/>
+          <p:cNvPicPr>
+            <a:picLocks noChangeAspect="1"/>
+          </p:cNvPicPr>
+          <p:nvPr/>
+        </p:nvPicPr>
+        <p:blipFill rotWithShape="1">
+          <a:blip r:embed="rId8" cstate="hqprint">
+            <a:extLst>
+              <a:ext uri="{28A0092B-C50C-407E-A947-70E740481C1C}">
+                <a14:useLocalDpi xmlns:a14="http://schemas.microsoft.com/office/drawing/2010/main"/>
+              </a:ext>
+            </a:extLst>
+          </a:blip>
+          <a:stretch>
+            <a:fillRect/>
+          </a:stretch>
+        </p:blipFill>
+        <p:spPr>
+          <a:xfrm rot="0">
+            <a:off x="1232535" y="1407160"/>
+            <a:ext cx="4141470" cy="1417320"/>
           </a:xfrm>
           <a:prstGeom prst="roundRect"/>
           <a:solidFill>
@@ -9623,7 +10644,7 @@
 </file>
 
 <file path=ppt/slides/slide8.xml><?xml version="1.0" encoding="utf-8"?>
-<p:sld xmlns:a="http://schemas.openxmlformats.org/drawingml/2006/main" xmlns:r="http://schemas.openxmlformats.org/officeDocument/2006/relationships" xmlns:p="http://schemas.openxmlformats.org/presentationml/2006/main">
+<p:sld xmlns:a="http://schemas.openxmlformats.org/drawingml/2006/main" xmlns:r="http://schemas.openxmlformats.org/officeDocument/2006/relationships" xmlns:p="http://schemas.openxmlformats.org/presentationml/2006/main" xmlns:p14="http://schemas.microsoft.com/office/powerpoint/2010/main">
   <p:cSld>
     <p:spTree>
       <p:nvGrpSpPr>
@@ -9677,7 +10698,7 @@
                 <a:latin typeface="나눔바른고딕" charset="0"/>
                 <a:ea typeface="나눔바른고딕" charset="0"/>
               </a:rPr>
-              <a:t>일곱</a:t>
+              <a:t>여덟</a:t>
             </a:r>
             <a:r>
               <a:rPr lang="ko-KR" sz="2500" b="1">
@@ -9695,122 +10716,6 @@
               </a:solidFill>
               <a:latin typeface="나눔바른고딕" charset="0"/>
               <a:ea typeface="나눔바른고딕" charset="0"/>
-            </a:endParaRPr>
-          </a:p>
-        </p:txBody>
-      </p:sp>
-      <p:sp>
-        <p:nvSpPr>
-          <p:cNvPr id="24" name="Rect 0"/>
-          <p:cNvSpPr txBox="1">
-            <a:spLocks/>
-          </p:cNvSpPr>
-          <p:nvPr/>
-        </p:nvSpPr>
-        <p:spPr>
-          <a:xfrm rot="0">
-            <a:off x="6814820" y="5310505"/>
-            <a:ext cx="4139565" cy="954405"/>
-          </a:xfrm>
-          <a:prstGeom prst="rect"/>
-          <a:noFill/>
-          <a:ln w="0">
-            <a:noFill/>
-            <a:prstDash/>
-          </a:ln>
-        </p:spPr>
-        <p:txBody>
-          <a:bodyPr wrap="square" lIns="89535" tIns="46355" rIns="89535" bIns="46355" numCol="1" vert="horz" anchor="t">
-            <a:spAutoFit/>
-          </a:bodyPr>
-          <a:lstStyle/>
-          <a:p>
-            <a:pPr marL="0" indent="0" rtl="0" algn="l" defTabSz="914400" eaLnBrk="1" latinLnBrk="0" hangingPunct="1">
-              <a:buFontTx/>
-              <a:buNone/>
-            </a:pPr>
-            <a:r>
-              <a:rPr lang="ko-KR" sz="2000" b="1">
-                <a:solidFill>
-                  <a:srgbClr val="0611F2"/>
-                </a:solidFill>
-                <a:latin typeface="맑은 고딕" charset="0"/>
-                <a:ea typeface="맑은 고딕" charset="0"/>
-              </a:rPr>
-              <a:t>2</a:t>
-            </a:r>
-            <a:r>
-              <a:rPr lang="ko-KR" sz="2000" b="1">
-                <a:solidFill>
-                  <a:srgbClr val="0611F2"/>
-                </a:solidFill>
-                <a:latin typeface="맑은 고딕" charset="0"/>
-                <a:ea typeface="맑은 고딕" charset="0"/>
-              </a:rPr>
-              <a:t>1</a:t>
-            </a:r>
-            <a:r>
-              <a:rPr sz="2000" b="1">
-                <a:solidFill>
-                  <a:srgbClr val="0611F2"/>
-                </a:solidFill>
-                <a:latin typeface="맑은 고딕" charset="0"/>
-                <a:ea typeface="맑은 고딕" charset="0"/>
-              </a:rPr>
-              <a:t>.</a:t>
-            </a:r>
-            <a:r>
-              <a:rPr sz="2000">
-                <a:latin typeface="맑은 고딕" charset="0"/>
-                <a:ea typeface="맑은 고딕" charset="0"/>
-              </a:rPr>
-              <a:t> </a:t>
-            </a:r>
-            <a:r>
-              <a:rPr lang="ko-KR" sz="1800">
-                <a:latin typeface="맑은 고딕" charset="0"/>
-                <a:ea typeface="맑은 고딕" charset="0"/>
-              </a:rPr>
-              <a:t>그러고 </a:t>
-            </a:r>
-            <a:r>
-              <a:rPr lang="ko-KR" sz="1800">
-                <a:latin typeface="맑은 고딕" charset="0"/>
-                <a:ea typeface="맑은 고딕" charset="0"/>
-              </a:rPr>
-              <a:t>나서</a:t>
-            </a:r>
-            <a:r>
-              <a:rPr lang="ko-KR" sz="1800">
-                <a:latin typeface="맑은 고딕" charset="0"/>
-                <a:ea typeface="맑은 고딕" charset="0"/>
-              </a:rPr>
-              <a:t> </a:t>
-            </a:r>
-            <a:r>
-              <a:rPr lang="ko-KR" sz="1800">
-                <a:latin typeface="맑은 고딕" charset="0"/>
-                <a:ea typeface="맑은 고딕" charset="0"/>
-              </a:rPr>
-              <a:t>Project 폴더 아래에 </a:t>
-            </a:r>
-            <a:r>
-              <a:rPr lang="ko-KR" sz="1800">
-                <a:latin typeface="맑은 고딕" charset="0"/>
-                <a:ea typeface="맑은 고딕" charset="0"/>
-              </a:rPr>
-              <a:t>있는 </a:t>
-            </a:r>
-            <a:r>
-              <a:rPr lang="ko-KR" sz="1800">
-                <a:latin typeface="맑은 고딕" charset="0"/>
-                <a:ea typeface="맑은 고딕" charset="0"/>
-              </a:rPr>
-              <a:t>Texture 폴더에 Galaxy 텍스처를 월드 공간에 배치합니다.</a:t>
-            </a:r>
-            <a:endParaRPr lang="ko-KR" altLang="en-US" sz="1800">
-              <a:latin typeface="맑은 고딕" charset="0"/>
-              <a:ea typeface="맑은 고딕" charset="0"/>
             </a:endParaRPr>
           </a:p>
         </p:txBody>
@@ -9824,9 +10729,9 @@
           <p:nvPr/>
         </p:nvSpPr>
         <p:spPr>
-          <a:xfrm rot="0">
-            <a:off x="1236345" y="5314950"/>
-            <a:ext cx="4138930" cy="954405"/>
+          <a:xfrm>
+            <a:off x="1236345" y="5308600"/>
+            <a:ext cx="4133215" cy="954405"/>
           </a:xfrm>
           <a:prstGeom prst="rect"/>
           <a:noFill/>
@@ -9863,7 +10768,7 @@
                 <a:latin typeface="맑은 고딕" charset="0"/>
                 <a:ea typeface="맑은 고딕" charset="0"/>
               </a:rPr>
-              <a:t>0</a:t>
+              <a:t>1</a:t>
             </a:r>
             <a:r>
               <a:rPr sz="2000" b="1">
@@ -9887,77 +10792,14 @@
                 <a:latin typeface="맑은 고딕" charset="0"/>
                 <a:ea typeface="맑은 고딕" charset="0"/>
               </a:rPr>
-              <a:t>그다음으로</a:t>
-            </a:r>
-            <a:r>
-              <a:rPr lang="ko-KR" sz="1800">
-                <a:latin typeface="맑은 고딕" charset="0"/>
-                <a:ea typeface="맑은 고딕" charset="0"/>
-              </a:rPr>
-              <a:t> </a:t>
-            </a:r>
-            <a:r>
-              <a:rPr lang="ko-KR" sz="1800">
-                <a:latin typeface="맑은 고딕" charset="0"/>
-                <a:ea typeface="맑은 고딕" charset="0"/>
-              </a:rPr>
-              <a:t>Project 폴더 아래에 </a:t>
-            </a:r>
-            <a:r>
-              <a:rPr lang="ko-KR" sz="1800">
-                <a:latin typeface="맑은 고딕" charset="0"/>
-                <a:ea typeface="맑은 고딕" charset="0"/>
-              </a:rPr>
-              <a:t>있는 </a:t>
-            </a:r>
-            <a:r>
-              <a:rPr lang="ko-KR" sz="1800">
-                <a:latin typeface="맑은 고딕" charset="0"/>
-                <a:ea typeface="맑은 고딕" charset="0"/>
-              </a:rPr>
-              <a:t>Texture 폴더에 </a:t>
-            </a:r>
-            <a:r>
-              <a:rPr lang="ko-KR" sz="1800">
-                <a:latin typeface="맑은 고딕" charset="0"/>
-                <a:ea typeface="맑은 고딕" charset="0"/>
-              </a:rPr>
-              <a:t>Su</a:t>
-            </a:r>
-            <a:r>
-              <a:rPr lang="ko-KR" sz="1800">
-                <a:latin typeface="맑은 고딕" charset="0"/>
-                <a:ea typeface="맑은 고딕" charset="0"/>
-              </a:rPr>
-              <a:t>n 텍스처를 </a:t>
-            </a:r>
-            <a:r>
-              <a:rPr lang="ko-KR" sz="1800">
-                <a:latin typeface="맑은 고딕" charset="0"/>
-                <a:ea typeface="맑은 고딕" charset="0"/>
-              </a:rPr>
-              <a:t>S</a:t>
-            </a:r>
-            <a:r>
-              <a:rPr lang="ko-KR" sz="1800">
-                <a:latin typeface="맑은 고딕" charset="0"/>
-                <a:ea typeface="맑은 고딕" charset="0"/>
-              </a:rPr>
-              <a:t>un 오</a:t>
-            </a:r>
-            <a:r>
-              <a:rPr lang="ko-KR" sz="1800">
-                <a:latin typeface="맑은 고딕" charset="0"/>
-                <a:ea typeface="맑은 고딕" charset="0"/>
-              </a:rPr>
-              <a:t>브젝트에 </a:t>
-            </a:r>
-            <a:r>
-              <a:rPr lang="ko-KR" sz="1800">
-                <a:latin typeface="맑은 고딕" charset="0"/>
-                <a:ea typeface="맑은 고딕" charset="0"/>
-              </a:rPr>
-              <a:t>넣어줍니다.</a:t>
+              <a:t>그리고</a:t>
+            </a:r>
+            <a:r>
+              <a:rPr lang="ko-KR" sz="1800">
+                <a:latin typeface="맑은 고딕" charset="0"/>
+                <a:ea typeface="맑은 고딕" charset="0"/>
+              </a:rPr>
+              <a:t> Sun 오브젝트에 있는 View 스크립트의 Observe Object에 Earth 오브젝트를 넣어줍니다.</a:t>
             </a:r>
             <a:endParaRPr lang="ko-KR" altLang="en-US" sz="1800">
               <a:latin typeface="맑은 고딕" charset="0"/>
@@ -9968,17 +10810,17 @@
       </p:sp>
       <p:pic>
         <p:nvPicPr>
-          <p:cNvPr id="34" name="Picture " descr="C:/Users/nwond/AppData/Roaming/PolarisOffice/ETemp/1008_10623648/fImage1317801926962.png"/>
+          <p:cNvPr id="42" name="그림 72"/>
           <p:cNvPicPr>
             <a:picLocks noChangeAspect="1"/>
           </p:cNvPicPr>
           <p:nvPr/>
         </p:nvPicPr>
         <p:blipFill rotWithShape="1">
-          <a:blip r:embed="rId2" cstate="print">
+          <a:blip r:embed="rId3" cstate="hqprint">
             <a:extLst>
               <a:ext uri="{28A0092B-C50C-407E-A947-70E740481C1C}">
-                <a14:useLocalDpi xmlns:a14="http://schemas.microsoft.com/office/drawing/2010/main" val="0"/>
+                <a14:useLocalDpi xmlns:a14="http://schemas.microsoft.com/office/drawing/2010/main"/>
               </a:ext>
             </a:extLst>
           </a:blip>
@@ -9988,8 +10830,8 @@
         </p:blipFill>
         <p:spPr>
           <a:xfrm rot="0">
-            <a:off x="6814820" y="1415415"/>
-            <a:ext cx="4126865" cy="2637790"/>
+            <a:off x="1233805" y="4189095"/>
+            <a:ext cx="1188085" cy="1087120"/>
           </a:xfrm>
           <a:prstGeom prst="roundRect"/>
           <a:solidFill>
@@ -9999,38 +10841,7 @@
       </p:pic>
       <p:pic>
         <p:nvPicPr>
-          <p:cNvPr id="35" name="Picture " descr="C:/Users/nwond/AppData/Roaming/PolarisOffice/ETemp/1008_10623648/fImage276221934464.png"/>
-          <p:cNvPicPr>
-            <a:picLocks noChangeAspect="1"/>
-          </p:cNvPicPr>
-          <p:nvPr/>
-        </p:nvPicPr>
-        <p:blipFill rotWithShape="1">
-          <a:blip r:embed="rId3" cstate="print">
-            <a:extLst>
-              <a:ext uri="{28A0092B-C50C-407E-A947-70E740481C1C}">
-                <a14:useLocalDpi xmlns:a14="http://schemas.microsoft.com/office/drawing/2010/main" val="0"/>
-              </a:ext>
-            </a:extLst>
-          </a:blip>
-          <a:stretch>
-            <a:fillRect/>
-          </a:stretch>
-        </p:blipFill>
-        <p:spPr>
-          <a:xfrm rot="0">
-            <a:off x="6814820" y="4208145"/>
-            <a:ext cx="4120515" cy="1036955"/>
-          </a:xfrm>
-          <a:prstGeom prst="roundRect"/>
-          <a:solidFill>
-            <a:srgbClr val="EDEDED"/>
-          </a:solidFill>
-        </p:spPr>
-      </p:pic>
-      <p:pic>
-        <p:nvPicPr>
-          <p:cNvPr id="36" name="Picture " descr="C:/Users/nwond/AppData/Roaming/PolarisOffice/ETemp/1008_10623648/fImage2242172024464.png"/>
+          <p:cNvPr id="43" name="그림 79"/>
           <p:cNvPicPr>
             <a:picLocks noChangeAspect="1"/>
           </p:cNvPicPr>
@@ -10049,24 +10860,196 @@
           </a:stretch>
         </p:blipFill>
         <p:spPr>
-          <a:xfrm rot="16200000">
-            <a:off x="8475980" y="3769360"/>
-            <a:ext cx="809625" cy="671195"/>
-          </a:xfrm>
-          <a:prstGeom prst="rect"/>
-          <a:noFill/>
+          <a:xfrm rot="0">
+            <a:off x="1235075" y="1440180"/>
+            <a:ext cx="1988185" cy="1645285"/>
+          </a:xfrm>
+          <a:prstGeom prst="roundRect"/>
+          <a:solidFill>
+            <a:srgbClr val="EDEDED"/>
+          </a:solidFill>
         </p:spPr>
       </p:pic>
       <p:pic>
         <p:nvPicPr>
-          <p:cNvPr id="38" name="그림 57" descr="C:/Users/nwond/AppData/Roaming/PolarisOffice/ETemp/1008_10623648/fImage65512175705.png"/>
+          <p:cNvPr id="44" name="그림 80"/>
           <p:cNvPicPr>
             <a:picLocks noChangeAspect="1"/>
           </p:cNvPicPr>
           <p:nvPr/>
         </p:nvPicPr>
         <p:blipFill rotWithShape="1">
-          <a:blip r:embed="rId5" cstate="print">
+          <a:blip r:embed="rId5" cstate="hqprint">
+            <a:extLst>
+              <a:ext uri="{28A0092B-C50C-407E-A947-70E740481C1C}">
+                <a14:useLocalDpi xmlns:a14="http://schemas.microsoft.com/office/drawing/2010/main"/>
+              </a:ext>
+            </a:extLst>
+          </a:blip>
+          <a:stretch>
+            <a:fillRect/>
+          </a:stretch>
+        </p:blipFill>
+        <p:spPr>
+          <a:xfrm rot="0">
+            <a:off x="3361690" y="1440180"/>
+            <a:ext cx="2013585" cy="1652270"/>
+          </a:xfrm>
+          <a:prstGeom prst="roundRect"/>
+          <a:solidFill>
+            <a:srgbClr val="EDEDED"/>
+          </a:solidFill>
+        </p:spPr>
+      </p:pic>
+      <p:sp>
+        <p:nvSpPr>
+          <p:cNvPr id="45" name="텍스트 상자 81"/>
+          <p:cNvSpPr txBox="1">
+            <a:spLocks/>
+          </p:cNvSpPr>
+          <p:nvPr/>
+        </p:nvSpPr>
+        <p:spPr>
+          <a:xfrm rot="0">
+            <a:off x="1234440" y="3223895"/>
+            <a:ext cx="4121785" cy="831850"/>
+          </a:xfrm>
+          <a:prstGeom prst="rect"/>
+          <a:noFill/>
+        </p:spPr>
+        <p:txBody>
+          <a:bodyPr wrap="square" lIns="0" tIns="0" rIns="0" bIns="0" numCol="1" vert="horz" anchor="t">
+            <a:noAutofit/>
+          </a:bodyPr>
+          <a:lstStyle/>
+          <a:p>
+            <a:pPr marL="0" indent="0" rtl="0" algn="l" defTabSz="914400" eaLnBrk="1" latinLnBrk="0" hangingPunct="1">
+              <a:buFontTx/>
+              <a:buNone/>
+            </a:pPr>
+            <a:r>
+              <a:rPr sz="1800">
+                <a:latin typeface="맑은 고딕" charset="0"/>
+                <a:ea typeface="맑은 고딕" charset="0"/>
+              </a:rPr>
+              <a:t>짐벌락 현상은 특정 축이 회전했을 때 나머지 두 축이 겹쳐져서 한 축의 역할이 사라지는 현상입니다</a:t>
+            </a:r>
+            <a:endParaRPr lang="ko-KR" altLang="en-US" sz="1800">
+              <a:latin typeface="맑은 고딕" charset="0"/>
+              <a:ea typeface="맑은 고딕" charset="0"/>
+            </a:endParaRPr>
+          </a:p>
+        </p:txBody>
+      </p:sp>
+      <p:sp>
+        <p:nvSpPr>
+          <p:cNvPr id="47" name="텍스트 상자 1"/>
+          <p:cNvSpPr txBox="1">
+            <a:spLocks/>
+          </p:cNvSpPr>
+          <p:nvPr/>
+        </p:nvSpPr>
+        <p:spPr>
+          <a:xfrm rot="0">
+            <a:off x="6794500" y="5310505"/>
+            <a:ext cx="4167505" cy="955040"/>
+          </a:xfrm>
+          <a:prstGeom prst="rect"/>
+          <a:noFill/>
+          <a:ln w="0">
+            <a:noFill/>
+            <a:prstDash/>
+          </a:ln>
+        </p:spPr>
+        <p:txBody>
+          <a:bodyPr wrap="square" lIns="89535" tIns="46355" rIns="89535" bIns="46355" numCol="1" vert="horz" anchor="t">
+            <a:spAutoFit/>
+          </a:bodyPr>
+          <a:lstStyle/>
+          <a:p>
+            <a:pPr marL="0" indent="0" rtl="0" algn="l" defTabSz="914400" eaLnBrk="1" latinLnBrk="0" hangingPunct="1">
+              <a:buFontTx/>
+              <a:buNone/>
+            </a:pPr>
+            <a:r>
+              <a:rPr sz="2000" b="1">
+                <a:solidFill>
+                  <a:srgbClr val="0611F2"/>
+                </a:solidFill>
+                <a:latin typeface="맑은 고딕" charset="0"/>
+                <a:ea typeface="맑은 고딕" charset="0"/>
+              </a:rPr>
+              <a:t>22. </a:t>
+            </a:r>
+            <a:r>
+              <a:rPr sz="1800">
+                <a:latin typeface="맑은 고딕" charset="0"/>
+                <a:ea typeface="맑은 고딕" charset="0"/>
+              </a:rPr>
+              <a:t>그런 다음 C# Script를 생성하고 </a:t>
+            </a:r>
+            <a:r>
+              <a:rPr lang="ko-KR" sz="1800">
+                <a:latin typeface="맑은 고딕" charset="0"/>
+                <a:ea typeface="맑은 고딕" charset="0"/>
+              </a:rPr>
+              <a:t>GameManager</a:t>
+            </a:r>
+            <a:r>
+              <a:rPr sz="1800">
+                <a:latin typeface="맑은 고딕" charset="0"/>
+                <a:ea typeface="맑은 고딕" charset="0"/>
+              </a:rPr>
+              <a:t>라는 이름으로 정의합니다.</a:t>
+            </a:r>
+            <a:endParaRPr lang="ko-KR" altLang="en-US" sz="1800">
+              <a:latin typeface="맑은 고딕" charset="0"/>
+              <a:ea typeface="맑은 고딕" charset="0"/>
+            </a:endParaRPr>
+          </a:p>
+        </p:txBody>
+      </p:sp>
+      <p:pic>
+        <p:nvPicPr>
+          <p:cNvPr id="48" name="그림 2"/>
+          <p:cNvPicPr>
+            <a:picLocks noChangeAspect="1"/>
+          </p:cNvPicPr>
+          <p:nvPr/>
+        </p:nvPicPr>
+        <p:blipFill rotWithShape="1">
+          <a:blip r:embed="rId6" cstate="hqprint">
+            <a:extLst>
+              <a:ext uri="{28A0092B-C50C-407E-A947-70E740481C1C}">
+                <a14:useLocalDpi xmlns:a14="http://schemas.microsoft.com/office/drawing/2010/main"/>
+              </a:ext>
+            </a:extLst>
+          </a:blip>
+          <a:stretch>
+            <a:fillRect/>
+          </a:stretch>
+        </p:blipFill>
+        <p:spPr>
+          <a:xfrm rot="0">
+            <a:off x="6795770" y="1433830"/>
+            <a:ext cx="2806065" cy="3705860"/>
+          </a:xfrm>
+          <a:prstGeom prst="roundRect"/>
+          <a:solidFill>
+            <a:srgbClr val="EDEDED"/>
+          </a:solidFill>
+        </p:spPr>
+      </p:pic>
+      <p:pic>
+        <p:nvPicPr>
+          <p:cNvPr id="51" name="그림 12"/>
+          <p:cNvPicPr>
+            <a:picLocks noChangeAspect="1"/>
+          </p:cNvPicPr>
+          <p:nvPr/>
+        </p:nvPicPr>
+        <p:blipFill rotWithShape="1">
+          <a:blip r:embed="rId9" cstate="print">
             <a:extLst>
               <a:ext uri="{28A0092B-C50C-407E-A947-70E740481C1C}">
                 <a14:useLocalDpi xmlns:a14="http://schemas.microsoft.com/office/drawing/2010/main" val="0"/>
@@ -10079,8 +11062,8 @@
         </p:blipFill>
         <p:spPr>
           <a:xfrm rot="0">
-            <a:off x="1235075" y="4161155"/>
-            <a:ext cx="1210945" cy="1102995"/>
+            <a:off x="2522220" y="4183380"/>
+            <a:ext cx="2858770" cy="1092835"/>
           </a:xfrm>
           <a:prstGeom prst="roundRect"/>
           <a:solidFill>
@@ -10088,16 +11071,48 @@
           </a:solidFill>
         </p:spPr>
       </p:pic>
+      <p:cxnSp>
+        <p:nvCxnSpPr>
+          <p:cNvPr id="46" name="도형 83"/>
+          <p:cNvCxnSpPr/>
+          <p:nvPr/>
+        </p:nvCxnSpPr>
+        <p:spPr>
+          <a:xfrm rot="0">
+            <a:off x="1861820" y="5008880"/>
+            <a:ext cx="3444875" cy="106045"/>
+          </a:xfrm>
+          <a:prstGeom prst="straightConnector1"/>
+          <a:ln w="6350" cap="flat" cmpd="sng">
+            <a:prstDash/>
+            <a:tailEnd type="triangle" w="med" len="med"/>
+          </a:ln>
+        </p:spPr>
+        <p:style>
+          <a:lnRef idx="1">
+            <a:schemeClr val="accent1"/>
+          </a:lnRef>
+          <a:fillRef idx="0">
+            <a:schemeClr val="accent1"/>
+          </a:fillRef>
+          <a:effectRef idx="0">
+            <a:schemeClr val="accent1"/>
+          </a:effectRef>
+          <a:fontRef idx="minor">
+            <a:schemeClr val="tx1"/>
+          </a:fontRef>
+        </p:style>
+      </p:cxnSp>
       <p:pic>
         <p:nvPicPr>
-          <p:cNvPr id="40" name="그림 64" descr="C:/Users/nwond/AppData/Roaming/PolarisOffice/ETemp/1008_10623648/fImage197242228145.png"/>
+          <p:cNvPr id="52" name="그림 19"/>
           <p:cNvPicPr>
             <a:picLocks noChangeAspect="1"/>
           </p:cNvPicPr>
           <p:nvPr/>
         </p:nvPicPr>
         <p:blipFill rotWithShape="1">
-          <a:blip r:embed="rId6" cstate="print">
+          <a:blip r:embed="rId10" cstate="print">
             <a:extLst>
               <a:ext uri="{28A0092B-C50C-407E-A947-70E740481C1C}">
                 <a14:useLocalDpi xmlns:a14="http://schemas.microsoft.com/office/drawing/2010/main" val="0"/>
@@ -10110,8 +11125,8 @@
         </p:blipFill>
         <p:spPr>
           <a:xfrm rot="0">
-            <a:off x="2559050" y="4164330"/>
-            <a:ext cx="2809875" cy="1093470"/>
+            <a:off x="9917430" y="2851150"/>
+            <a:ext cx="1041400" cy="1152525"/>
           </a:xfrm>
           <a:prstGeom prst="roundRect"/>
           <a:solidFill>
@@ -10121,174 +11136,7 @@
       </p:pic>
       <p:pic>
         <p:nvPicPr>
-          <p:cNvPr id="39" name="그림 60" descr="C:/Users/nwond/AppData/Roaming/PolarisOffice/ETemp/1008_10623648/fImage2242171975724.png"/>
-          <p:cNvPicPr>
-            <a:picLocks noChangeAspect="1"/>
-          </p:cNvPicPr>
-          <p:nvPr/>
-        </p:nvPicPr>
-        <p:blipFill rotWithShape="1">
-          <a:blip r:embed="rId7" cstate="hqprint">
-            <a:extLst>
-              <a:ext uri="{28A0092B-C50C-407E-A947-70E740481C1C}">
-                <a14:useLocalDpi xmlns:a14="http://schemas.microsoft.com/office/drawing/2010/main"/>
-              </a:ext>
-            </a:extLst>
-          </a:blip>
-          <a:stretch>
-            <a:fillRect/>
-          </a:stretch>
-        </p:blipFill>
-        <p:spPr>
-          <a:xfrm rot="10800000">
-            <a:off x="2076450" y="4500245"/>
-            <a:ext cx="829310" cy="424180"/>
-          </a:xfrm>
-          <a:prstGeom prst="rect"/>
-          <a:noFill/>
-        </p:spPr>
-      </p:pic>
-      <p:sp>
-        <p:nvSpPr>
-          <p:cNvPr id="43" name="텍스트 상자 78"/>
-          <p:cNvSpPr txBox="1">
-            <a:spLocks/>
-          </p:cNvSpPr>
-          <p:nvPr/>
-        </p:nvSpPr>
-        <p:spPr>
-          <a:xfrm rot="0">
-            <a:off x="1234440" y="2946400"/>
-            <a:ext cx="4140835" cy="1108075"/>
-          </a:xfrm>
-          <a:prstGeom prst="rect"/>
-          <a:noFill/>
-        </p:spPr>
-        <p:txBody>
-          <a:bodyPr wrap="square" lIns="0" tIns="0" rIns="0" bIns="0" vert="horz" anchor="t">
-            <a:noAutofit/>
-          </a:bodyPr>
-          <a:lstStyle/>
-          <a:p>
-            <a:pPr marL="0" indent="0" rtl="0" algn="l" defTabSz="914400" eaLnBrk="1" latinLnBrk="0" hangingPunct="1">
-              <a:buFontTx/>
-              <a:buNone/>
-            </a:pPr>
-            <a:r>
-              <a:rPr sz="1800">
-                <a:latin typeface="맑은 고딕" charset="0"/>
-                <a:ea typeface="맑은 고딕" charset="0"/>
-              </a:rPr>
-              <a:t>월드 </a:t>
-            </a:r>
-            <a:r>
-              <a:rPr sz="1800">
-                <a:latin typeface="맑은 고딕" charset="0"/>
-                <a:ea typeface="맑은 고딕" charset="0"/>
-              </a:rPr>
-              <a:t>공간에</a:t>
-            </a:r>
-            <a:r>
-              <a:rPr lang="ko-KR" sz="1800">
-                <a:latin typeface="맑은 고딕" charset="0"/>
-                <a:ea typeface="맑은 고딕" charset="0"/>
-              </a:rPr>
-              <a:t>서 </a:t>
-            </a:r>
-            <a:r>
-              <a:rPr sz="1800">
-                <a:latin typeface="맑은 고딕" charset="0"/>
-                <a:ea typeface="맑은 고딕" charset="0"/>
-              </a:rPr>
-              <a:t>오일러 각을 이용하여 회전을</a:t>
-            </a:r>
-            <a:r>
-              <a:rPr sz="1800">
-                <a:latin typeface="맑은 고딕" charset="0"/>
-                <a:ea typeface="맑은 고딕" charset="0"/>
-              </a:rPr>
-              <a:t> </a:t>
-            </a:r>
-            <a:r>
-              <a:rPr lang="ko-KR" sz="1800">
-                <a:latin typeface="맑은 고딕" charset="0"/>
-                <a:ea typeface="맑은 고딕" charset="0"/>
-              </a:rPr>
-              <a:t>조작할 </a:t>
-            </a:r>
-            <a:r>
-              <a:rPr lang="ko-KR" sz="1800">
-                <a:latin typeface="맑은 고딕" charset="0"/>
-                <a:ea typeface="맑은 고딕" charset="0"/>
-              </a:rPr>
-              <a:t>수 있</a:t>
-            </a:r>
-            <a:r>
-              <a:rPr lang="ko-KR" sz="1800">
-                <a:latin typeface="맑은 고딕" charset="0"/>
-                <a:ea typeface="맑은 고딕" charset="0"/>
-              </a:rPr>
-              <a:t>으</a:t>
-            </a:r>
-            <a:r>
-              <a:rPr lang="ko-KR" sz="1800">
-                <a:latin typeface="맑은 고딕" charset="0"/>
-                <a:ea typeface="맑은 고딕" charset="0"/>
-              </a:rPr>
-              <a:t>며,</a:t>
-            </a:r>
-            <a:r>
-              <a:rPr sz="1800">
-                <a:latin typeface="맑은 고딕" charset="0"/>
-                <a:ea typeface="맑은 고딕" charset="0"/>
-              </a:rPr>
-              <a:t> </a:t>
-            </a:r>
-            <a:r>
-              <a:rPr sz="1800">
-                <a:latin typeface="맑은 고딕" charset="0"/>
-                <a:ea typeface="맑은 고딕" charset="0"/>
-              </a:rPr>
-              <a:t>오일러 각으로 회</a:t>
-            </a:r>
-            <a:r>
-              <a:rPr sz="1800">
-                <a:latin typeface="맑은 고딕" charset="0"/>
-                <a:ea typeface="맑은 고딕" charset="0"/>
-              </a:rPr>
-              <a:t>전을 </a:t>
-            </a:r>
-            <a:r>
-              <a:rPr lang="ko-KR" sz="1800">
-                <a:latin typeface="맑은 고딕" charset="0"/>
-                <a:ea typeface="맑은 고딕" charset="0"/>
-              </a:rPr>
-              <a:t>하였을 </a:t>
-            </a:r>
-            <a:r>
-              <a:rPr lang="ko-KR" sz="1800">
-                <a:latin typeface="맑은 고딕" charset="0"/>
-                <a:ea typeface="맑은 고딕" charset="0"/>
-              </a:rPr>
-              <a:t>때</a:t>
-            </a:r>
-            <a:r>
-              <a:rPr sz="1800">
-                <a:latin typeface="맑은 고딕" charset="0"/>
-                <a:ea typeface="맑은 고딕" charset="0"/>
-              </a:rPr>
-              <a:t> 짐벌락 현상이 발생할 수 있습니다.</a:t>
-            </a:r>
-            <a:endParaRPr lang="ko-KR" altLang="en-US" sz="1800">
-              <a:latin typeface="맑은 고딕" charset="0"/>
-              <a:ea typeface="맑은 고딕" charset="0"/>
-            </a:endParaRPr>
-          </a:p>
-        </p:txBody>
-      </p:sp>
-      <p:pic>
-        <p:nvPicPr>
-          <p:cNvPr id="44" name="그림 82" descr="C:/Users/nwond/AppData/Roaming/PolarisOffice/ETemp/1008_10623648/fImage8382821941.png"/>
+          <p:cNvPr id="49" name="그림 3"/>
           <p:cNvPicPr>
             <a:picLocks noChangeAspect="1"/>
           </p:cNvPicPr>
@@ -10308,13 +11156,11 @@
         </p:blipFill>
         <p:spPr>
           <a:xfrm rot="0">
-            <a:off x="1232535" y="1407160"/>
-            <a:ext cx="4141470" cy="1417320"/>
-          </a:xfrm>
-          <a:prstGeom prst="roundRect"/>
-          <a:solidFill>
-            <a:srgbClr val="EDEDED"/>
-          </a:solidFill>
+            <a:off x="9160510" y="3150870"/>
+            <a:ext cx="1158875" cy="554355"/>
+          </a:xfrm>
+          <a:prstGeom prst="rect"/>
+          <a:noFill/>
         </p:spPr>
       </p:pic>
     </p:spTree>
@@ -10341,7 +11187,7 @@
 </file>
 
 <file path=ppt/slides/slide9.xml><?xml version="1.0" encoding="utf-8"?>
-<p:sld xmlns:a="http://schemas.openxmlformats.org/drawingml/2006/main" xmlns:r="http://schemas.openxmlformats.org/officeDocument/2006/relationships" xmlns:p="http://schemas.openxmlformats.org/presentationml/2006/main">
+<p:sld xmlns:a="http://schemas.openxmlformats.org/drawingml/2006/main" xmlns:r="http://schemas.openxmlformats.org/officeDocument/2006/relationships" xmlns:p="http://schemas.openxmlformats.org/presentationml/2006/main" xmlns:p14="http://schemas.microsoft.com/office/powerpoint/2010/main">
   <p:cSld>
     <p:spTree>
       <p:nvGrpSpPr>
@@ -10368,7 +11214,7 @@
         <p:spPr>
           <a:xfrm rot="0">
             <a:off x="4340860" y="447040"/>
-            <a:ext cx="3514725" cy="478155"/>
+            <a:ext cx="3515360" cy="478155"/>
           </a:xfrm>
           <a:prstGeom prst="rect"/>
           <a:noFill/>
@@ -10395,7 +11241,7 @@
                 <a:latin typeface="나눔바른고딕" charset="0"/>
                 <a:ea typeface="나눔바른고딕" charset="0"/>
               </a:rPr>
-              <a:t>여덟</a:t>
+              <a:t>아홉</a:t>
             </a:r>
             <a:r>
               <a:rPr lang="ko-KR" sz="2500" b="1">
@@ -10419,16 +11265,16 @@
       </p:sp>
       <p:sp>
         <p:nvSpPr>
-          <p:cNvPr id="24" name="Rect 0"/>
+          <p:cNvPr id="47" name="Rect 0"/>
           <p:cNvSpPr txBox="1">
             <a:spLocks/>
           </p:cNvSpPr>
           <p:nvPr/>
         </p:nvSpPr>
         <p:spPr>
-          <a:xfrm rot="0">
-            <a:off x="6814820" y="5310505"/>
-            <a:ext cx="4139565" cy="954405"/>
+          <a:xfrm>
+            <a:off x="6806565" y="4472305"/>
+            <a:ext cx="4168140" cy="1784985"/>
           </a:xfrm>
           <a:prstGeom prst="rect"/>
           <a:noFill/>
@@ -10455,17 +11301,7 @@
                 <a:latin typeface="맑은 고딕" charset="0"/>
                 <a:ea typeface="맑은 고딕" charset="0"/>
               </a:rPr>
-              <a:t>2</a:t>
-            </a:r>
-            <a:r>
-              <a:rPr lang="ko-KR" sz="2000" b="1">
-                <a:solidFill>
-                  <a:srgbClr val="0611F2"/>
-                </a:solidFill>
-                <a:latin typeface="맑은 고딕" charset="0"/>
-                <a:ea typeface="맑은 고딕" charset="0"/>
-              </a:rPr>
-              <a:t>1</a:t>
+              <a:t>24</a:t>
             </a:r>
             <a:r>
               <a:rPr sz="2000" b="1">
@@ -10489,250 +11325,52 @@
                 <a:latin typeface="맑은 고딕" charset="0"/>
                 <a:ea typeface="맑은 고딕" charset="0"/>
               </a:rPr>
-              <a:t>이제 </a:t>
-            </a:r>
-            <a:r>
-              <a:rPr lang="ko-KR" sz="1800">
-                <a:latin typeface="맑은 고딕" charset="0"/>
-                <a:ea typeface="맑은 고딕" charset="0"/>
-              </a:rPr>
-              <a:t>Project 폴더 아래에 </a:t>
-            </a:r>
-            <a:r>
-              <a:rPr lang="ko-KR" sz="1800">
-                <a:latin typeface="맑은 고딕" charset="0"/>
-                <a:ea typeface="맑은 고딕" charset="0"/>
-              </a:rPr>
-              <a:t>있는 </a:t>
-            </a:r>
-            <a:r>
-              <a:rPr lang="ko-KR" sz="1800">
-                <a:latin typeface="맑은 고딕" charset="0"/>
-                <a:ea typeface="맑은 고딕" charset="0"/>
-              </a:rPr>
-              <a:t>Texture 폴더에 Galaxy 텍스처를 월드 공간에 배치합니다.</a:t>
+              <a:t>그러고 나서 Project 폴더 아래에 있는 Cursor 폴더를 선택합니다.</a:t>
             </a:r>
             <a:endParaRPr lang="ko-KR" altLang="en-US" sz="1800">
               <a:latin typeface="맑은 고딕" charset="0"/>
               <a:ea typeface="맑은 고딕" charset="0"/>
             </a:endParaRPr>
           </a:p>
-        </p:txBody>
-      </p:sp>
-      <p:sp>
-        <p:nvSpPr>
-          <p:cNvPr id="33" name="Rect 0"/>
-          <p:cNvSpPr txBox="1">
-            <a:spLocks/>
-          </p:cNvSpPr>
-          <p:nvPr/>
-        </p:nvSpPr>
-        <p:spPr>
-          <a:xfrm rot="0">
-            <a:off x="1236345" y="5308600"/>
-            <a:ext cx="4132580" cy="954405"/>
-          </a:xfrm>
-          <a:prstGeom prst="rect"/>
-          <a:noFill/>
-          <a:ln w="0">
-            <a:noFill/>
-            <a:prstDash/>
-          </a:ln>
-        </p:spPr>
-        <p:txBody>
-          <a:bodyPr wrap="square" lIns="89535" tIns="46355" rIns="89535" bIns="46355" numCol="1" vert="horz" anchor="t">
-            <a:spAutoFit/>
-          </a:bodyPr>
-          <a:lstStyle/>
           <a:p>
             <a:pPr marL="0" indent="0" rtl="0" algn="l" defTabSz="914400" eaLnBrk="1" latinLnBrk="0" hangingPunct="1">
               <a:buFontTx/>
               <a:buNone/>
             </a:pPr>
-            <a:r>
-              <a:rPr lang="ko-KR" sz="2000" b="1">
-                <a:solidFill>
-                  <a:srgbClr val="0611F2"/>
-                </a:solidFill>
-                <a:latin typeface="맑은 고딕" charset="0"/>
-                <a:ea typeface="맑은 고딕" charset="0"/>
-              </a:rPr>
-              <a:t>22</a:t>
-            </a:r>
-            <a:r>
-              <a:rPr sz="2000" b="1">
-                <a:solidFill>
-                  <a:srgbClr val="0611F2"/>
-                </a:solidFill>
-                <a:latin typeface="맑은 고딕" charset="0"/>
-                <a:ea typeface="맑은 고딕" charset="0"/>
-              </a:rPr>
-              <a:t>.</a:t>
-            </a:r>
-            <a:r>
-              <a:rPr sz="2000">
-                <a:latin typeface="맑은 고딕" charset="0"/>
-                <a:ea typeface="맑은 고딕" charset="0"/>
-              </a:rPr>
-              <a:t> </a:t>
-            </a:r>
-            <a:r>
-              <a:rPr lang="ko-KR" sz="1800">
-                <a:latin typeface="맑은 고딕" charset="0"/>
-                <a:ea typeface="맑은 고딕" charset="0"/>
-              </a:rPr>
-              <a:t>이제</a:t>
-            </a:r>
-            <a:r>
-              <a:rPr lang="ko-KR" sz="1800">
-                <a:latin typeface="맑은 고딕" charset="0"/>
-                <a:ea typeface="맑은 고딕" charset="0"/>
-              </a:rPr>
-              <a:t> </a:t>
-            </a:r>
-            <a:r>
-              <a:rPr lang="ko-KR" sz="1800">
-                <a:latin typeface="맑은 고딕" charset="0"/>
-                <a:ea typeface="맑은 고딕" charset="0"/>
-              </a:rPr>
-              <a:t>S</a:t>
-            </a:r>
-            <a:r>
-              <a:rPr lang="ko-KR" sz="1800">
-                <a:latin typeface="맑은 고딕" charset="0"/>
-                <a:ea typeface="맑은 고딕" charset="0"/>
-              </a:rPr>
-              <a:t>un</a:t>
-            </a:r>
-            <a:r>
-              <a:rPr lang="ko-KR" sz="1800">
-                <a:latin typeface="맑은 고딕" charset="0"/>
-                <a:ea typeface="맑은 고딕" charset="0"/>
-              </a:rPr>
-              <a:t> </a:t>
-            </a:r>
-            <a:r>
-              <a:rPr lang="ko-KR" sz="1800">
-                <a:latin typeface="맑은 고딕" charset="0"/>
-                <a:ea typeface="맑은 고딕" charset="0"/>
-              </a:rPr>
-              <a:t>오브젝트에 있는 </a:t>
-            </a:r>
-            <a:r>
-              <a:rPr lang="ko-KR" sz="1800">
-                <a:latin typeface="맑은 고딕" charset="0"/>
-                <a:ea typeface="맑은 고딕" charset="0"/>
-              </a:rPr>
-              <a:t>V</a:t>
-            </a:r>
-            <a:r>
-              <a:rPr lang="ko-KR" sz="1800">
-                <a:latin typeface="맑은 고딕" charset="0"/>
-                <a:ea typeface="맑은 고딕" charset="0"/>
-              </a:rPr>
-              <a:t>iew 스크립트</a:t>
-            </a:r>
-            <a:r>
-              <a:rPr lang="ko-KR" sz="1800">
-                <a:latin typeface="맑은 고딕" charset="0"/>
-                <a:ea typeface="맑은 고딕" charset="0"/>
-              </a:rPr>
-              <a:t>의</a:t>
-            </a:r>
-            <a:r>
-              <a:rPr lang="ko-KR" sz="1800">
-                <a:latin typeface="맑은 고딕" charset="0"/>
-                <a:ea typeface="맑은 고딕" charset="0"/>
-              </a:rPr>
-              <a:t> </a:t>
-            </a:r>
-            <a:r>
-              <a:rPr lang="ko-KR" sz="1800">
-                <a:latin typeface="맑은 고딕" charset="0"/>
-                <a:ea typeface="맑은 고딕" charset="0"/>
-              </a:rPr>
-              <a:t>O</a:t>
-            </a:r>
-            <a:r>
-              <a:rPr lang="ko-KR" sz="1800">
-                <a:latin typeface="맑은 고딕" charset="0"/>
-                <a:ea typeface="맑은 고딕" charset="0"/>
-              </a:rPr>
-              <a:t>b</a:t>
-            </a:r>
-            <a:r>
-              <a:rPr lang="ko-KR" sz="1800">
-                <a:latin typeface="맑은 고딕" charset="0"/>
-                <a:ea typeface="맑은 고딕" charset="0"/>
-              </a:rPr>
-              <a:t>s</a:t>
-            </a:r>
-            <a:r>
-              <a:rPr lang="ko-KR" sz="1800">
-                <a:latin typeface="맑은 고딕" charset="0"/>
-                <a:ea typeface="맑은 고딕" charset="0"/>
-              </a:rPr>
-              <a:t>erve Object</a:t>
-            </a:r>
-            <a:r>
-              <a:rPr lang="ko-KR" sz="1800">
-                <a:latin typeface="맑은 고딕" charset="0"/>
-                <a:ea typeface="맑은 고딕" charset="0"/>
-              </a:rPr>
-              <a:t>에 </a:t>
-            </a:r>
-            <a:r>
-              <a:rPr lang="ko-KR" sz="1800">
-                <a:latin typeface="맑은 고딕" charset="0"/>
-                <a:ea typeface="맑은 고딕" charset="0"/>
-              </a:rPr>
-              <a:t>Ear</a:t>
-            </a:r>
-            <a:r>
-              <a:rPr lang="ko-KR" sz="1800">
-                <a:latin typeface="맑은 고딕" charset="0"/>
-                <a:ea typeface="맑은 고딕" charset="0"/>
-              </a:rPr>
-              <a:t>t</a:t>
-            </a:r>
-            <a:r>
-              <a:rPr lang="ko-KR" sz="1800">
-                <a:latin typeface="맑은 고딕" charset="0"/>
-                <a:ea typeface="맑은 고딕" charset="0"/>
-              </a:rPr>
-              <a:t>h 오브</a:t>
-            </a:r>
-            <a:r>
-              <a:rPr lang="ko-KR" sz="1800">
-                <a:latin typeface="맑은 고딕" charset="0"/>
-                <a:ea typeface="맑은 고딕" charset="0"/>
-              </a:rPr>
-              <a:t>젝트를 </a:t>
-            </a:r>
-            <a:r>
-              <a:rPr lang="ko-KR" sz="1800">
-                <a:latin typeface="맑은 고딕" charset="0"/>
-                <a:ea typeface="맑은 고딕" charset="0"/>
-              </a:rPr>
-              <a:t>넣어줍니다.</a:t>
-            </a:r>
             <a:endParaRPr lang="ko-KR" altLang="en-US" sz="1800">
               <a:latin typeface="맑은 고딕" charset="0"/>
               <a:ea typeface="맑은 고딕" charset="0"/>
             </a:endParaRPr>
           </a:p>
+          <a:p>
+            <a:pPr marL="0" indent="0" rtl="0" algn="l" defTabSz="914400" eaLnBrk="1" latinLnBrk="0" hangingPunct="1">
+              <a:buFontTx/>
+              <a:buNone/>
+            </a:pPr>
+            <a:r>
+              <a:rPr lang="ko-KR" sz="1800">
+                <a:latin typeface="맑은 고딕" charset="0"/>
+                <a:ea typeface="맑은 고딕" charset="0"/>
+              </a:rPr>
+              <a:t>이제 Sun Cursor를 선택한 다음 Sun 오브젝트에 있는 View 스크립트의 Cursor Image에 넣어줍니다.</a:t>
+            </a:r>
+            <a:endParaRPr lang="ko-KR" altLang="en-US" sz="1800">
+              <a:latin typeface="맑은 고딕" charset="0"/>
+              <a:ea typeface="맑은 고딕" charset="0"/>
+            </a:endParaRPr>
+          </a:p>
         </p:txBody>
       </p:sp>
       <p:pic>
         <p:nvPicPr>
-          <p:cNvPr id="41" name="그림 71" descr="C:/Users/nwond/AppData/Roaming/PolarisOffice/ETemp/1008_10623648/fImage75052273281.png"/>
+          <p:cNvPr id="59" name="그림 25"/>
           <p:cNvPicPr>
             <a:picLocks noChangeAspect="1"/>
           </p:cNvPicPr>
           <p:nvPr/>
         </p:nvPicPr>
         <p:blipFill rotWithShape="1">
-          <a:blip r:embed="rId2" cstate="print">
+          <a:blip r:embed="rId7" cstate="print">
             <a:extLst>
               <a:ext uri="{28A0092B-C50C-407E-A947-70E740481C1C}">
                 <a14:useLocalDpi xmlns:a14="http://schemas.microsoft.com/office/drawing/2010/main" val="0"/>
@@ -10745,8 +11383,8 @@
         </p:blipFill>
         <p:spPr>
           <a:xfrm rot="0">
-            <a:off x="2519045" y="4183380"/>
-            <a:ext cx="2841625" cy="1061720"/>
+            <a:off x="6807200" y="3295650"/>
+            <a:ext cx="4159885" cy="1111885"/>
           </a:xfrm>
           <a:prstGeom prst="roundRect"/>
           <a:solidFill>
@@ -10756,14 +11394,14 @@
       </p:pic>
       <p:pic>
         <p:nvPicPr>
-          <p:cNvPr id="42" name="그림 72" descr="C:/Users/nwond/AppData/Roaming/PolarisOffice/ETemp/1008_10623648/fImage65762286827.png"/>
+          <p:cNvPr id="60" name="그림 28"/>
           <p:cNvPicPr>
             <a:picLocks noChangeAspect="1"/>
           </p:cNvPicPr>
           <p:nvPr/>
         </p:nvPicPr>
         <p:blipFill rotWithShape="1">
-          <a:blip r:embed="rId3" cstate="print">
+          <a:blip r:embed="rId8" cstate="print">
             <a:extLst>
               <a:ext uri="{28A0092B-C50C-407E-A947-70E740481C1C}">
                 <a14:useLocalDpi xmlns:a14="http://schemas.microsoft.com/office/drawing/2010/main" val="0"/>
@@ -10776,8 +11414,8 @@
         </p:blipFill>
         <p:spPr>
           <a:xfrm rot="0">
-            <a:off x="1233805" y="4189095"/>
-            <a:ext cx="1187450" cy="1060450"/>
+            <a:off x="6805295" y="1441450"/>
+            <a:ext cx="4161790" cy="1696085"/>
           </a:xfrm>
           <a:prstGeom prst="roundRect"/>
           <a:solidFill>
@@ -10785,118 +11423,16 @@
           </a:solidFill>
         </p:spPr>
       </p:pic>
-      <p:pic>
-        <p:nvPicPr>
-          <p:cNvPr id="43" name="그림 79" descr="C:/Users/nwond/AppData/Roaming/PolarisOffice/ETemp/1008_10623648/fImage320442208467.png"/>
-          <p:cNvPicPr>
-            <a:picLocks noChangeAspect="1"/>
-          </p:cNvPicPr>
-          <p:nvPr/>
-        </p:nvPicPr>
-        <p:blipFill rotWithShape="1">
-          <a:blip r:embed="rId4" cstate="hqprint">
-            <a:extLst>
-              <a:ext uri="{28A0092B-C50C-407E-A947-70E740481C1C}">
-                <a14:useLocalDpi xmlns:a14="http://schemas.microsoft.com/office/drawing/2010/main"/>
-              </a:ext>
-            </a:extLst>
-          </a:blip>
-          <a:stretch>
-            <a:fillRect/>
-          </a:stretch>
-        </p:blipFill>
-        <p:spPr>
-          <a:xfrm rot="0">
-            <a:off x="1236980" y="1419860"/>
-            <a:ext cx="1985645" cy="1671320"/>
-          </a:xfrm>
-          <a:prstGeom prst="roundRect"/>
-          <a:solidFill>
-            <a:srgbClr val="EDEDED"/>
-          </a:solidFill>
-        </p:spPr>
-      </p:pic>
-      <p:pic>
-        <p:nvPicPr>
-          <p:cNvPr id="44" name="그림 80" descr="C:/Users/nwond/AppData/Roaming/PolarisOffice/ETemp/1008_10623648/fImage42642216334.png"/>
-          <p:cNvPicPr>
-            <a:picLocks noChangeAspect="1"/>
-          </p:cNvPicPr>
-          <p:nvPr/>
-        </p:nvPicPr>
-        <p:blipFill rotWithShape="1">
-          <a:blip r:embed="rId5" cstate="hqprint">
-            <a:extLst>
-              <a:ext uri="{28A0092B-C50C-407E-A947-70E740481C1C}">
-                <a14:useLocalDpi xmlns:a14="http://schemas.microsoft.com/office/drawing/2010/main"/>
-              </a:ext>
-            </a:extLst>
-          </a:blip>
-          <a:stretch>
-            <a:fillRect/>
-          </a:stretch>
-        </p:blipFill>
-        <p:spPr>
-          <a:xfrm rot="0">
-            <a:off x="3361690" y="1411605"/>
-            <a:ext cx="1997075" cy="1680210"/>
-          </a:xfrm>
-          <a:prstGeom prst="roundRect"/>
-          <a:solidFill>
-            <a:srgbClr val="EDEDED"/>
-          </a:solidFill>
-        </p:spPr>
-      </p:pic>
-      <p:sp>
-        <p:nvSpPr>
-          <p:cNvPr id="45" name="텍스트 상자 81"/>
-          <p:cNvSpPr txBox="1">
-            <a:spLocks/>
-          </p:cNvSpPr>
-          <p:nvPr/>
-        </p:nvSpPr>
-        <p:spPr>
-          <a:xfrm rot="0">
-            <a:off x="1234440" y="3223895"/>
-            <a:ext cx="4128135" cy="831215"/>
-          </a:xfrm>
-          <a:prstGeom prst="rect"/>
-          <a:noFill/>
-        </p:spPr>
-        <p:txBody>
-          <a:bodyPr wrap="square" lIns="0" tIns="0" rIns="0" bIns="0" vert="horz" anchor="t">
-            <a:noAutofit/>
-          </a:bodyPr>
-          <a:lstStyle/>
-          <a:p>
-            <a:pPr marL="0" indent="0" rtl="0" algn="l" defTabSz="914400" eaLnBrk="1" latinLnBrk="0" hangingPunct="1">
-              <a:buFontTx/>
-              <a:buNone/>
-            </a:pPr>
-            <a:r>
-              <a:rPr sz="1800">
-                <a:latin typeface="맑은 고딕" charset="0"/>
-                <a:ea typeface="맑은 고딕" charset="0"/>
-              </a:rPr>
-              <a:t>짐벌락 현상은 특정 축이 회전했을 때 나머지 두 축이 겹쳐져서 한 축의 역할이 사라지는 현상입니다</a:t>
-            </a:r>
-            <a:endParaRPr lang="ko-KR" altLang="en-US" sz="1800">
-              <a:latin typeface="맑은 고딕" charset="0"/>
-              <a:ea typeface="맑은 고딕" charset="0"/>
-            </a:endParaRPr>
-          </a:p>
-        </p:txBody>
-      </p:sp>
       <p:cxnSp>
         <p:nvCxnSpPr>
-          <p:cNvPr id="46" name="도형 83"/>
+          <p:cNvPr id="61" name="도형 31"/>
           <p:cNvCxnSpPr/>
           <p:nvPr/>
         </p:nvCxnSpPr>
         <p:spPr>
-          <a:xfrm rot="0">
-            <a:off x="1861820" y="4989830"/>
-            <a:ext cx="3420110" cy="62865"/>
+          <a:xfrm rot="0" flipV="1">
+            <a:off x="10255250" y="2609850"/>
+            <a:ext cx="597535" cy="953135"/>
           </a:xfrm>
           <a:prstGeom prst="straightConnector1"/>
           <a:ln w="6350" cap="flat" cmpd="sng">
@@ -10920,6 +11456,184 @@
           </a:fontRef>
         </p:style>
       </p:cxnSp>
+      <p:sp>
+        <p:nvSpPr>
+          <p:cNvPr id="62" name="텍스트 상자 1"/>
+          <p:cNvSpPr txBox="1">
+            <a:spLocks/>
+          </p:cNvSpPr>
+          <p:nvPr/>
+        </p:nvSpPr>
+        <p:spPr>
+          <a:xfrm rot="0">
+            <a:off x="1238250" y="5299710"/>
+            <a:ext cx="4130675" cy="954405"/>
+          </a:xfrm>
+          <a:prstGeom prst="rect"/>
+          <a:noFill/>
+          <a:ln w="0">
+            <a:noFill/>
+            <a:prstDash/>
+          </a:ln>
+        </p:spPr>
+        <p:txBody>
+          <a:bodyPr wrap="square" lIns="89535" tIns="46355" rIns="89535" bIns="46355" vert="horz" anchor="t">
+            <a:spAutoFit/>
+          </a:bodyPr>
+          <a:lstStyle/>
+          <a:p>
+            <a:pPr marL="0" indent="0" rtl="0" algn="l" defTabSz="914400" eaLnBrk="1" latinLnBrk="0" hangingPunct="1">
+              <a:buFontTx/>
+              <a:buNone/>
+            </a:pPr>
+            <a:r>
+              <a:rPr sz="2000" b="1">
+                <a:solidFill>
+                  <a:srgbClr val="0611F2"/>
+                </a:solidFill>
+                <a:latin typeface="맑은 고딕" charset="0"/>
+                <a:ea typeface="맑은 고딕" charset="0"/>
+              </a:rPr>
+              <a:t>2</a:t>
+            </a:r>
+            <a:r>
+              <a:rPr sz="2000" b="1">
+                <a:solidFill>
+                  <a:srgbClr val="0611F2"/>
+                </a:solidFill>
+                <a:latin typeface="맑은 고딕" charset="0"/>
+                <a:ea typeface="맑은 고딕" charset="0"/>
+              </a:rPr>
+              <a:t>3.</a:t>
+            </a:r>
+            <a:r>
+              <a:rPr sz="2000" b="1">
+                <a:solidFill>
+                  <a:srgbClr val="0611F2"/>
+                </a:solidFill>
+                <a:latin typeface="맑은 고딕" charset="0"/>
+                <a:ea typeface="맑은 고딕" charset="0"/>
+              </a:rPr>
+              <a:t> </a:t>
+            </a:r>
+            <a:r>
+              <a:rPr sz="1800">
+                <a:latin typeface="맑은 고딕" charset="0"/>
+                <a:ea typeface="맑은 고딕" charset="0"/>
+              </a:rPr>
+              <a:t>그다음으로</a:t>
+            </a:r>
+            <a:r>
+              <a:rPr sz="1800">
+                <a:latin typeface="맑은 고딕" charset="0"/>
+                <a:ea typeface="맑은 고딕" charset="0"/>
+              </a:rPr>
+              <a:t> Create Empty을 선택하</a:t>
+            </a:r>
+            <a:r>
+              <a:rPr sz="1800">
+                <a:latin typeface="맑은 고딕" charset="0"/>
+                <a:ea typeface="맑은 고딕" charset="0"/>
+              </a:rPr>
+              <a:t>고</a:t>
+            </a:r>
+            <a:r>
+              <a:rPr sz="1800">
+                <a:latin typeface="맑은 고딕" charset="0"/>
+                <a:ea typeface="맑은 고딕" charset="0"/>
+              </a:rPr>
+              <a:t> </a:t>
+            </a:r>
+            <a:r>
+              <a:rPr sz="1800">
+                <a:latin typeface="맑은 고딕" charset="0"/>
+                <a:ea typeface="맑은 고딕" charset="0"/>
+              </a:rPr>
+              <a:t>G</a:t>
+            </a:r>
+            <a:r>
+              <a:rPr sz="1800">
+                <a:latin typeface="맑은 고딕" charset="0"/>
+                <a:ea typeface="맑은 고딕" charset="0"/>
+              </a:rPr>
+              <a:t>ame Manager</a:t>
+            </a:r>
+            <a:r>
+              <a:rPr sz="1800">
+                <a:latin typeface="맑은 고딕" charset="0"/>
+                <a:ea typeface="맑은 고딕" charset="0"/>
+              </a:rPr>
+              <a:t>라는 이름으로 정의합니다.</a:t>
+            </a:r>
+            <a:endParaRPr lang="ko-KR" altLang="en-US" sz="1800">
+              <a:latin typeface="맑은 고딕" charset="0"/>
+              <a:ea typeface="맑은 고딕" charset="0"/>
+            </a:endParaRPr>
+          </a:p>
+        </p:txBody>
+      </p:sp>
+      <p:pic>
+        <p:nvPicPr>
+          <p:cNvPr id="63" name="그림 2" descr="C:/Users/nwond/AppData/Roaming/PolarisOffice/ETemp/9328_9484992/fImage85062148467.png"/>
+          <p:cNvPicPr>
+            <a:picLocks noChangeAspect="1"/>
+          </p:cNvPicPr>
+          <p:nvPr/>
+        </p:nvPicPr>
+        <p:blipFill rotWithShape="1">
+          <a:blip r:embed="rId9" cstate="hqprint">
+            <a:extLst>
+              <a:ext uri="{28A0092B-C50C-407E-A947-70E740481C1C}">
+                <a14:useLocalDpi xmlns:a14="http://schemas.microsoft.com/office/drawing/2010/main"/>
+              </a:ext>
+            </a:extLst>
+          </a:blip>
+          <a:stretch>
+            <a:fillRect/>
+          </a:stretch>
+        </p:blipFill>
+        <p:spPr>
+          <a:xfrm rot="0">
+            <a:off x="1240790" y="1452880"/>
+            <a:ext cx="2586355" cy="3624580"/>
+          </a:xfrm>
+          <a:prstGeom prst="roundRect"/>
+          <a:solidFill>
+            <a:srgbClr val="EDEDED"/>
+          </a:solidFill>
+        </p:spPr>
+      </p:pic>
+      <p:pic>
+        <p:nvPicPr>
+          <p:cNvPr id="64" name="그림 3" descr="C:/Users/nwond/AppData/Roaming/PolarisOffice/ETemp/9328_9484992/fImage74072156334.png"/>
+          <p:cNvPicPr>
+            <a:picLocks noChangeAspect="1"/>
+          </p:cNvPicPr>
+          <p:nvPr/>
+        </p:nvPicPr>
+        <p:blipFill rotWithShape="1">
+          <a:blip r:embed="rId10" cstate="print">
+            <a:extLst>
+              <a:ext uri="{28A0092B-C50C-407E-A947-70E740481C1C}">
+                <a14:useLocalDpi xmlns:a14="http://schemas.microsoft.com/office/drawing/2010/main" val="0"/>
+              </a:ext>
+            </a:extLst>
+          </a:blip>
+          <a:stretch>
+            <a:fillRect/>
+          </a:stretch>
+        </p:blipFill>
+        <p:spPr>
+          <a:xfrm rot="0">
+            <a:off x="3940810" y="2610485"/>
+            <a:ext cx="1428750" cy="1635125"/>
+          </a:xfrm>
+          <a:prstGeom prst="roundRect"/>
+          <a:solidFill>
+            <a:srgbClr val="EDEDED"/>
+          </a:solidFill>
+        </p:spPr>
+      </p:pic>
     </p:spTree>
   </p:cSld>
   <p:clrMapOvr>
